--- a/PCI Express_2.pptx
+++ b/PCI Express_2.pptx
@@ -8,7 +8,7 @@
     <p:notesMasterId r:id="rId4"/>
   </p:notesMasterIdLst>
   <p:handoutMasterIdLst>
-    <p:handoutMasterId r:id="rId20"/>
+    <p:handoutMasterId r:id="rId25"/>
   </p:handoutMasterIdLst>
   <p:sldIdLst>
     <p:sldId id="256" r:id="rId3"/>
@@ -26,7 +26,12 @@
     <p:sldId id="298" r:id="rId16"/>
     <p:sldId id="299" r:id="rId17"/>
     <p:sldId id="300" r:id="rId18"/>
-    <p:sldId id="258" r:id="rId19"/>
+    <p:sldId id="305" r:id="rId19"/>
+    <p:sldId id="306" r:id="rId20"/>
+    <p:sldId id="307" r:id="rId21"/>
+    <p:sldId id="310" r:id="rId22"/>
+    <p:sldId id="308" r:id="rId23"/>
+    <p:sldId id="258" r:id="rId24"/>
   </p:sldIdLst>
   <p:sldSz cx="12192000" cy="6858000"/>
   <p:notesSz cx="7103745" cy="10234295"/>
@@ -941,6 +946,182 @@
 </p:notes>
 </file>
 
+<file path=ppt/notesSlides/notesSlide16.xml><?xml version="1.0" encoding="utf-8"?>
+<p:notes xmlns:a="http://schemas.openxmlformats.org/drawingml/2006/main" xmlns:r="http://schemas.openxmlformats.org/officeDocument/2006/relationships" xmlns:p="http://schemas.openxmlformats.org/presentationml/2006/main">
+  <p:cSld>
+    <p:spTree>
+      <p:nvGrpSpPr>
+        <p:cNvPr id="1" name=""/>
+        <p:cNvGrpSpPr/>
+        <p:nvPr/>
+      </p:nvGrpSpPr>
+      <p:grpSpPr/>
+      <p:sp>
+        <p:nvSpPr>
+          <p:cNvPr id="2" name="Slide Image Placeholder 1"/>
+          <p:cNvSpPr/>
+          <p:nvPr>
+            <p:ph type="sldImg" idx="2"/>
+          </p:nvPr>
+        </p:nvSpPr>
+        <p:spPr/>
+      </p:sp>
+      <p:sp>
+        <p:nvSpPr>
+          <p:cNvPr id="3" name="Text Placeholder 2"/>
+          <p:cNvSpPr/>
+          <p:nvPr>
+            <p:ph type="body" idx="3"/>
+          </p:nvPr>
+        </p:nvSpPr>
+        <p:spPr/>
+        <p:txBody>
+          <a:bodyPr/>
+          <a:p>
+            <a:endParaRPr lang="en-US"/>
+          </a:p>
+        </p:txBody>
+      </p:sp>
+    </p:spTree>
+  </p:cSld>
+  <p:clrMapOvr>
+    <a:masterClrMapping/>
+  </p:clrMapOvr>
+</p:notes>
+</file>
+
+<file path=ppt/notesSlides/notesSlide17.xml><?xml version="1.0" encoding="utf-8"?>
+<p:notes xmlns:a="http://schemas.openxmlformats.org/drawingml/2006/main" xmlns:r="http://schemas.openxmlformats.org/officeDocument/2006/relationships" xmlns:p="http://schemas.openxmlformats.org/presentationml/2006/main">
+  <p:cSld>
+    <p:spTree>
+      <p:nvGrpSpPr>
+        <p:cNvPr id="1" name=""/>
+        <p:cNvGrpSpPr/>
+        <p:nvPr/>
+      </p:nvGrpSpPr>
+      <p:grpSpPr/>
+      <p:sp>
+        <p:nvSpPr>
+          <p:cNvPr id="2" name="Slide Image Placeholder 1"/>
+          <p:cNvSpPr/>
+          <p:nvPr>
+            <p:ph type="sldImg" idx="2"/>
+          </p:nvPr>
+        </p:nvSpPr>
+        <p:spPr/>
+      </p:sp>
+      <p:sp>
+        <p:nvSpPr>
+          <p:cNvPr id="3" name="Text Placeholder 2"/>
+          <p:cNvSpPr/>
+          <p:nvPr>
+            <p:ph type="body" idx="3"/>
+          </p:nvPr>
+        </p:nvSpPr>
+        <p:spPr/>
+        <p:txBody>
+          <a:bodyPr/>
+          <a:p>
+            <a:endParaRPr lang="en-US"/>
+          </a:p>
+        </p:txBody>
+      </p:sp>
+    </p:spTree>
+  </p:cSld>
+  <p:clrMapOvr>
+    <a:masterClrMapping/>
+  </p:clrMapOvr>
+</p:notes>
+</file>
+
+<file path=ppt/notesSlides/notesSlide18.xml><?xml version="1.0" encoding="utf-8"?>
+<p:notes xmlns:a="http://schemas.openxmlformats.org/drawingml/2006/main" xmlns:r="http://schemas.openxmlformats.org/officeDocument/2006/relationships" xmlns:p="http://schemas.openxmlformats.org/presentationml/2006/main">
+  <p:cSld>
+    <p:spTree>
+      <p:nvGrpSpPr>
+        <p:cNvPr id="1" name=""/>
+        <p:cNvGrpSpPr/>
+        <p:nvPr/>
+      </p:nvGrpSpPr>
+      <p:grpSpPr/>
+      <p:sp>
+        <p:nvSpPr>
+          <p:cNvPr id="2" name="Slide Image Placeholder 1"/>
+          <p:cNvSpPr/>
+          <p:nvPr>
+            <p:ph type="sldImg" idx="2"/>
+          </p:nvPr>
+        </p:nvSpPr>
+        <p:spPr/>
+      </p:sp>
+      <p:sp>
+        <p:nvSpPr>
+          <p:cNvPr id="3" name="Text Placeholder 2"/>
+          <p:cNvSpPr/>
+          <p:nvPr>
+            <p:ph type="body" idx="3"/>
+          </p:nvPr>
+        </p:nvSpPr>
+        <p:spPr/>
+        <p:txBody>
+          <a:bodyPr/>
+          <a:p>
+            <a:endParaRPr lang="en-US"/>
+          </a:p>
+        </p:txBody>
+      </p:sp>
+    </p:spTree>
+  </p:cSld>
+  <p:clrMapOvr>
+    <a:masterClrMapping/>
+  </p:clrMapOvr>
+</p:notes>
+</file>
+
+<file path=ppt/notesSlides/notesSlide19.xml><?xml version="1.0" encoding="utf-8"?>
+<p:notes xmlns:a="http://schemas.openxmlformats.org/drawingml/2006/main" xmlns:r="http://schemas.openxmlformats.org/officeDocument/2006/relationships" xmlns:p="http://schemas.openxmlformats.org/presentationml/2006/main">
+  <p:cSld>
+    <p:spTree>
+      <p:nvGrpSpPr>
+        <p:cNvPr id="1" name=""/>
+        <p:cNvGrpSpPr/>
+        <p:nvPr/>
+      </p:nvGrpSpPr>
+      <p:grpSpPr/>
+      <p:sp>
+        <p:nvSpPr>
+          <p:cNvPr id="2" name="Slide Image Placeholder 1"/>
+          <p:cNvSpPr/>
+          <p:nvPr>
+            <p:ph type="sldImg" idx="2"/>
+          </p:nvPr>
+        </p:nvSpPr>
+        <p:spPr/>
+      </p:sp>
+      <p:sp>
+        <p:nvSpPr>
+          <p:cNvPr id="3" name="Text Placeholder 2"/>
+          <p:cNvSpPr/>
+          <p:nvPr>
+            <p:ph type="body" idx="3"/>
+          </p:nvPr>
+        </p:nvSpPr>
+        <p:spPr/>
+        <p:txBody>
+          <a:bodyPr/>
+          <a:p>
+            <a:endParaRPr lang="en-US"/>
+          </a:p>
+        </p:txBody>
+      </p:sp>
+    </p:spTree>
+  </p:cSld>
+  <p:clrMapOvr>
+    <a:masterClrMapping/>
+  </p:clrMapOvr>
+</p:notes>
+</file>
+
 <file path=ppt/notesSlides/notesSlide2.xml><?xml version="1.0" encoding="utf-8"?>
 <p:notes xmlns:a="http://schemas.openxmlformats.org/drawingml/2006/main" xmlns:r="http://schemas.openxmlformats.org/officeDocument/2006/relationships" xmlns:p="http://schemas.openxmlformats.org/presentationml/2006/main">
   <p:cSld>
@@ -974,6 +1155,62 @@
           <a:bodyPr/>
           <a:p>
             <a:endParaRPr lang="en-US"/>
+          </a:p>
+        </p:txBody>
+      </p:sp>
+    </p:spTree>
+  </p:cSld>
+  <p:clrMapOvr>
+    <a:masterClrMapping/>
+  </p:clrMapOvr>
+</p:notes>
+</file>
+
+<file path=ppt/notesSlides/notesSlide20.xml><?xml version="1.0" encoding="utf-8"?>
+<p:notes xmlns:a="http://schemas.openxmlformats.org/drawingml/2006/main" xmlns:r="http://schemas.openxmlformats.org/officeDocument/2006/relationships" xmlns:p="http://schemas.openxmlformats.org/presentationml/2006/main">
+  <p:cSld>
+    <p:spTree>
+      <p:nvGrpSpPr>
+        <p:cNvPr id="1" name=""/>
+        <p:cNvGrpSpPr/>
+        <p:nvPr/>
+      </p:nvGrpSpPr>
+      <p:grpSpPr>
+        <a:xfrm>
+          <a:off x="0" y="0"/>
+          <a:ext cx="0" cy="0"/>
+          <a:chOff x="0" y="0"/>
+          <a:chExt cx="0" cy="0"/>
+        </a:xfrm>
+      </p:grpSpPr>
+      <p:sp>
+        <p:nvSpPr>
+          <p:cNvPr id="2" name="Slide Image Placeholder 1"/>
+          <p:cNvSpPr>
+            <a:spLocks noGrp="true" noRot="true" noChangeAspect="true"/>
+          </p:cNvSpPr>
+          <p:nvPr>
+            <p:ph type="sldImg" idx="2"/>
+          </p:nvPr>
+        </p:nvSpPr>
+        <p:spPr/>
+      </p:sp>
+      <p:sp>
+        <p:nvSpPr>
+          <p:cNvPr id="3" name="Text Placeholder 2"/>
+          <p:cNvSpPr>
+            <a:spLocks noGrp="true"/>
+          </p:cNvSpPr>
+          <p:nvPr>
+            <p:ph type="body" idx="3"/>
+          </p:nvPr>
+        </p:nvSpPr>
+        <p:spPr/>
+        <p:txBody>
+          <a:bodyPr/>
+          <a:lstStyle/>
+          <a:p>
+            <a:endParaRPr lang="en-US" dirty="0"/>
           </a:p>
         </p:txBody>
       </p:sp>
@@ -6993,7 +7230,7 @@
         </p:nvSpPr>
         <p:spPr>
           <a:xfrm>
-            <a:off x="609600" y="1425575"/>
+            <a:off x="609600" y="1374775"/>
             <a:ext cx="5172075" cy="5040630"/>
           </a:xfrm>
         </p:spPr>
@@ -7398,7 +7635,7 @@
 </file>
 
 <file path=ppt/slides/slide16.xml><?xml version="1.0" encoding="utf-8"?>
-<p:sld xmlns:a="http://schemas.openxmlformats.org/drawingml/2006/main" xmlns:r="http://schemas.openxmlformats.org/officeDocument/2006/relationships" xmlns:p="http://schemas.openxmlformats.org/presentationml/2006/main" showMasterSp="0">
+<p:sld xmlns:a="http://schemas.openxmlformats.org/drawingml/2006/main" xmlns:r="http://schemas.openxmlformats.org/officeDocument/2006/relationships" xmlns:p="http://schemas.openxmlformats.org/presentationml/2006/main">
   <p:cSld>
     <p:bg>
       <p:bgPr>
@@ -7434,31 +7671,316 @@
           <a:p>
             <a:pPr marL="0" indent="0" algn="l"/>
             <a:r>
-              <a:rPr lang="de-DE" altLang="en-US">
-                <a:solidFill>
-                  <a:schemeClr val="tx1"/>
-                </a:solidFill>
-                <a:latin typeface="Calibri" charset="0"/>
-              </a:rPr>
-              <a:t>Quellen</a:t>
-            </a:r>
-            <a:endParaRPr lang="de-DE" altLang="en-US">
+              <a:rPr lang="de-DE" altLang="zh-CN">
+                <a:sym typeface="+mn-ea"/>
+              </a:rPr>
+              <a:t>6. PCIe Protokoll</a:t>
+            </a:r>
+            <a:endParaRPr lang="de-DE" altLang="zh-CN">
+              <a:sym typeface="+mn-ea"/>
+            </a:endParaRPr>
+          </a:p>
+        </p:txBody>
+      </p:sp>
+      <p:sp>
+        <p:nvSpPr>
+          <p:cNvPr id="8" name="Content Placeholder 7"/>
+          <p:cNvSpPr>
+            <a:spLocks noGrp="true"/>
+          </p:cNvSpPr>
+          <p:nvPr>
+            <p:ph sz="half" idx="1"/>
+          </p:nvPr>
+        </p:nvSpPr>
+        <p:spPr>
+          <a:xfrm>
+            <a:off x="609600" y="1364615"/>
+            <a:ext cx="5447030" cy="5040630"/>
+          </a:xfrm>
+        </p:spPr>
+        <p:txBody>
+          <a:bodyPr>
+            <a:normAutofit/>
+          </a:bodyPr>
+          <a:p>
+            <a:pPr marL="57150" indent="0" algn="l">
+              <a:lnSpc>
+                <a:spcPct val="100000"/>
+              </a:lnSpc>
+              <a:buClrTx/>
+              <a:buSzTx/>
+              <a:buFont typeface="Arial" panose="02080604020202020204" pitchFamily="34" charset="0"/>
+              <a:buNone/>
+            </a:pPr>
+            <a:r>
+              <a:rPr lang="de-DE" altLang="zh-CN" sz="2800">
+                <a:sym typeface="+mn-ea"/>
+              </a:rPr>
+              <a:t>6.3.2 Transaction Layer Protokoll</a:t>
+            </a:r>
+            <a:endParaRPr lang="de-DE" altLang="en-US" sz="2800">
               <a:solidFill>
                 <a:schemeClr val="tx1"/>
               </a:solidFill>
               <a:latin typeface="Calibri" charset="0"/>
             </a:endParaRPr>
           </a:p>
-        </p:txBody>
-      </p:sp>
-      <p:sp>
-        <p:nvSpPr>
-          <p:cNvPr id="3" name="Content Placeholder 2"/>
+          <a:p>
+            <a:pPr marL="57150" indent="0" algn="l">
+              <a:lnSpc>
+                <a:spcPct val="100000"/>
+              </a:lnSpc>
+              <a:buClrTx/>
+              <a:buSzTx/>
+              <a:buFont typeface="Arial" panose="02080604020202020204" pitchFamily="34" charset="0"/>
+              <a:buNone/>
+            </a:pPr>
+            <a:r>
+              <a:rPr lang="de-DE" altLang="en-US" sz="2000" dirty="0">
+                <a:latin typeface="Calibri" charset="0"/>
+                <a:sym typeface="+mn-ea"/>
+              </a:rPr>
+              <a:t>Transaction Layer Package (TLP) Header</a:t>
+            </a:r>
+            <a:endParaRPr lang="de-DE" altLang="en-US" sz="1800" dirty="0">
+              <a:latin typeface="Calibri" charset="0"/>
+            </a:endParaRPr>
+          </a:p>
+          <a:p>
+            <a:pPr indent="-285750" algn="l">
+              <a:lnSpc>
+                <a:spcPct val="100000"/>
+              </a:lnSpc>
+              <a:buClrTx/>
+              <a:buSzTx/>
+              <a:buFont typeface="Arial" panose="02080604020202020204" pitchFamily="34" charset="0"/>
+              <a:buChar char="•"/>
+            </a:pPr>
+            <a:r>
+              <a:rPr lang="de-DE" altLang="en-US" sz="1800" dirty="0">
+                <a:latin typeface="Calibri" charset="0"/>
+                <a:sym typeface="+mn-ea"/>
+              </a:rPr>
+              <a:t>Common Header</a:t>
+            </a:r>
+            <a:endParaRPr lang="de-DE" altLang="en-US" sz="1800" dirty="0">
+              <a:latin typeface="Calibri" charset="0"/>
+            </a:endParaRPr>
+          </a:p>
+          <a:p>
+            <a:pPr lvl="1" algn="l">
+              <a:lnSpc>
+                <a:spcPct val="100000"/>
+              </a:lnSpc>
+              <a:buClrTx/>
+              <a:buSzTx/>
+              <a:buFont typeface="Arial" panose="02080604020202020204" pitchFamily="34" charset="0"/>
+              <a:buChar char="•"/>
+            </a:pPr>
+            <a:r>
+              <a:rPr lang="de-DE" altLang="en-US" sz="1575" dirty="0" err="1">
+                <a:latin typeface="Calibri" charset="0"/>
+                <a:sym typeface="+mn-ea"/>
+              </a:rPr>
+              <a:t>Fmt</a:t>
+            </a:r>
+            <a:r>
+              <a:rPr lang="de-DE" altLang="en-US" sz="1575" dirty="0">
+                <a:latin typeface="Calibri" charset="0"/>
+                <a:sym typeface="+mn-ea"/>
+              </a:rPr>
+              <a:t> (2 Bit) 	– Format des TLP</a:t>
+            </a:r>
+            <a:endParaRPr lang="de-DE" altLang="en-US" sz="1575" dirty="0">
+              <a:latin typeface="Calibri" charset="0"/>
+            </a:endParaRPr>
+          </a:p>
+          <a:p>
+            <a:pPr lvl="1" algn="l">
+              <a:lnSpc>
+                <a:spcPct val="100000"/>
+              </a:lnSpc>
+              <a:buClrTx/>
+              <a:buSzTx/>
+              <a:buFont typeface="Arial" panose="02080604020202020204" pitchFamily="34" charset="0"/>
+              <a:buChar char="•"/>
+            </a:pPr>
+            <a:r>
+              <a:rPr lang="de-DE" altLang="en-US" sz="1575" dirty="0">
+                <a:latin typeface="Calibri" charset="0"/>
+                <a:sym typeface="+mn-ea"/>
+              </a:rPr>
+              <a:t>Type (5 Bit) 	– Typ des TLP</a:t>
+            </a:r>
+            <a:endParaRPr lang="de-DE" altLang="en-US" sz="1575" dirty="0">
+              <a:latin typeface="Calibri" charset="0"/>
+            </a:endParaRPr>
+          </a:p>
+          <a:p>
+            <a:pPr lvl="1" algn="l">
+              <a:lnSpc>
+                <a:spcPct val="100000"/>
+              </a:lnSpc>
+              <a:buClrTx/>
+              <a:buSzTx/>
+              <a:buFont typeface="Arial" panose="02080604020202020204" pitchFamily="34" charset="0"/>
+              <a:buChar char="•"/>
+            </a:pPr>
+            <a:r>
+              <a:rPr lang="de-DE" altLang="en-US" sz="1575" dirty="0">
+                <a:latin typeface="Calibri" charset="0"/>
+                <a:sym typeface="+mn-ea"/>
+              </a:rPr>
+              <a:t>TC (3 Bit)	– Traffic Class</a:t>
+            </a:r>
+            <a:endParaRPr lang="de-DE" altLang="en-US" sz="1575" dirty="0">
+              <a:latin typeface="Calibri" charset="0"/>
+            </a:endParaRPr>
+          </a:p>
+          <a:p>
+            <a:pPr lvl="1" algn="l">
+              <a:lnSpc>
+                <a:spcPct val="100000"/>
+              </a:lnSpc>
+              <a:buClrTx/>
+              <a:buSzTx/>
+              <a:buFont typeface="Arial" panose="02080604020202020204" pitchFamily="34" charset="0"/>
+              <a:buChar char="•"/>
+            </a:pPr>
+            <a:r>
+              <a:rPr lang="de-DE" altLang="en-US" sz="1575" dirty="0">
+                <a:latin typeface="Calibri" charset="0"/>
+                <a:sym typeface="+mn-ea"/>
+              </a:rPr>
+              <a:t>TD (1 Bit) 	– </a:t>
+            </a:r>
+            <a:r>
+              <a:rPr lang="de-DE" altLang="en-US" sz="1575" dirty="0" err="1">
+                <a:latin typeface="Calibri" charset="0"/>
+                <a:sym typeface="+mn-ea"/>
+              </a:rPr>
+              <a:t>Setzbit</a:t>
+            </a:r>
+            <a:r>
+              <a:rPr lang="de-DE" altLang="en-US" sz="1575" dirty="0">
+                <a:latin typeface="Calibri" charset="0"/>
+                <a:sym typeface="+mn-ea"/>
+              </a:rPr>
+              <a:t> für Digest – Feld am Ende des TLP</a:t>
+            </a:r>
+            <a:endParaRPr lang="de-DE" altLang="en-US" sz="1575" dirty="0">
+              <a:latin typeface="Calibri" charset="0"/>
+            </a:endParaRPr>
+          </a:p>
+          <a:p>
+            <a:pPr lvl="1" algn="l">
+              <a:lnSpc>
+                <a:spcPct val="100000"/>
+              </a:lnSpc>
+              <a:buClrTx/>
+              <a:buSzTx/>
+              <a:buFont typeface="Arial" panose="02080604020202020204" pitchFamily="34" charset="0"/>
+              <a:buChar char="•"/>
+            </a:pPr>
+            <a:r>
+              <a:rPr lang="de-DE" altLang="en-US" sz="1575" dirty="0">
+                <a:latin typeface="Calibri" charset="0"/>
+                <a:sym typeface="+mn-ea"/>
+              </a:rPr>
+              <a:t>EP (1 Bit) 	– </a:t>
+            </a:r>
+            <a:r>
+              <a:rPr lang="de-DE" altLang="en-US" sz="1575" dirty="0" err="1">
+                <a:latin typeface="Calibri" charset="0"/>
+                <a:sym typeface="+mn-ea"/>
+              </a:rPr>
+              <a:t>Poisoned</a:t>
+            </a:r>
+            <a:r>
+              <a:rPr lang="de-DE" altLang="en-US" sz="1575" dirty="0">
+                <a:latin typeface="Calibri" charset="0"/>
+                <a:sym typeface="+mn-ea"/>
+              </a:rPr>
+              <a:t> TLP (für Vorwärtsfehlerkorrektur)</a:t>
+            </a:r>
+            <a:endParaRPr lang="de-DE" altLang="en-US" sz="1575" dirty="0">
+              <a:latin typeface="Calibri" charset="0"/>
+            </a:endParaRPr>
+          </a:p>
+          <a:p>
+            <a:pPr lvl="1" algn="l">
+              <a:lnSpc>
+                <a:spcPct val="100000"/>
+              </a:lnSpc>
+              <a:buClrTx/>
+              <a:buSzTx/>
+              <a:buFont typeface="Arial" panose="02080604020202020204" pitchFamily="34" charset="0"/>
+              <a:buChar char="•"/>
+            </a:pPr>
+            <a:r>
+              <a:rPr lang="de-DE" altLang="en-US" sz="1575" dirty="0" err="1">
+                <a:latin typeface="Calibri" charset="0"/>
+                <a:sym typeface="+mn-ea"/>
+              </a:rPr>
+              <a:t>Attr</a:t>
+            </a:r>
+            <a:r>
+              <a:rPr lang="de-DE" altLang="en-US" sz="1575" dirty="0">
+                <a:latin typeface="Calibri" charset="0"/>
+                <a:sym typeface="+mn-ea"/>
+              </a:rPr>
+              <a:t> (2 Bit)	– Verändern des Umgangs mit Transaktionen</a:t>
+            </a:r>
+            <a:endParaRPr lang="de-DE" altLang="en-US" sz="1575" dirty="0">
+              <a:latin typeface="Calibri" charset="0"/>
+            </a:endParaRPr>
+          </a:p>
+          <a:p>
+            <a:pPr lvl="1" algn="l">
+              <a:lnSpc>
+                <a:spcPct val="100000"/>
+              </a:lnSpc>
+              <a:buClrTx/>
+              <a:buSzTx/>
+              <a:buFont typeface="Arial" panose="02080604020202020204" pitchFamily="34" charset="0"/>
+              <a:buChar char="•"/>
+            </a:pPr>
+            <a:r>
+              <a:rPr lang="de-DE" altLang="en-US" sz="1575" dirty="0">
+                <a:latin typeface="Calibri" charset="0"/>
+                <a:sym typeface="+mn-ea"/>
+              </a:rPr>
+              <a:t>AT (2 Bit) 	– Adress-Typ (für Memory-</a:t>
+            </a:r>
+            <a:r>
+              <a:rPr lang="de-DE" altLang="en-US" sz="1575" dirty="0" err="1">
+                <a:latin typeface="Calibri" charset="0"/>
+                <a:sym typeface="+mn-ea"/>
+              </a:rPr>
+              <a:t>Requests</a:t>
+            </a:r>
+            <a:r>
+              <a:rPr lang="de-DE" altLang="en-US" sz="1575" dirty="0">
+                <a:latin typeface="Calibri" charset="0"/>
+                <a:sym typeface="+mn-ea"/>
+              </a:rPr>
+              <a:t>)</a:t>
+            </a:r>
+            <a:endParaRPr lang="de-DE" altLang="en-US" sz="1795">
+              <a:latin typeface="Calibri" charset="0"/>
+              <a:sym typeface="+mn-ea"/>
+            </a:endParaRPr>
+          </a:p>
+        </p:txBody>
+      </p:sp>
+      <p:sp>
+        <p:nvSpPr>
+          <p:cNvPr id="3" name="Footer Placeholder 2"/>
           <p:cNvSpPr>
             <a:spLocks noGrp="true"/>
           </p:cNvSpPr>
           <p:nvPr>
-            <p:ph idx="1"/>
+            <p:ph type="ftr" sz="quarter" idx="11"/>
           </p:nvPr>
         </p:nvSpPr>
         <p:spPr/>
@@ -7466,27 +7988,379 @@
           <a:bodyPr/>
           <a:p>
             <a:r>
-              <a:rPr lang="en-US"/>
-              <a:t>PCIe BUS: A State-of-the-Art-Review (2017) | IOSR Journals | http://www.iosrjournals.org/ | DOI: 10.9790/4200-0704012428</a:t>
-            </a:r>
-            <a:endParaRPr lang="en-US"/>
-          </a:p>
-          <a:p>
-            <a:r>
-              <a:rPr lang="en-US"/>
-              <a:t>PCI Express Base Specification Rev. 2.0 (2006) | PCI-SIG | https://pcisig.com </a:t>
-            </a:r>
-            <a:endParaRPr lang="en-US"/>
-          </a:p>
-        </p:txBody>
-      </p:sp>
-      <p:sp>
-        <p:nvSpPr>
-          <p:cNvPr id="4" name="Footer Placeholder 3"/>
+              <a:rPr lang="zh-CN" altLang="en-US"/>
+              <a:t>Fakultät Elektrotechnik - ELT04760 Digitale Signalverarbeitung - &lt;Namen einfügen&gt;</a:t>
+            </a:r>
+            <a:endParaRPr lang="zh-CN" altLang="en-US"/>
+          </a:p>
+        </p:txBody>
+      </p:sp>
+      <p:pic>
+        <p:nvPicPr>
+          <p:cNvPr id="7" name="Picture Placeholder 4" descr="/home/dinera/Dokumente/Studium/Digitale Signalverarbeitung/layer_tranaction.pnglayer_tranaction"/>
+          <p:cNvPicPr>
+            <a:picLocks noChangeAspect="true"/>
+          </p:cNvPicPr>
+          <p:nvPr/>
+        </p:nvPicPr>
+        <p:blipFill>
+          <a:blip r:embed="rId2"/>
+          <a:srcRect/>
+          <a:stretch>
+            <a:fillRect/>
+          </a:stretch>
+        </p:blipFill>
+        <p:spPr>
+          <a:xfrm>
+            <a:off x="6264910" y="1417955"/>
+            <a:ext cx="5222240" cy="2273300"/>
+          </a:xfrm>
+          <a:prstGeom prst="rect">
+            <a:avLst/>
+          </a:prstGeom>
+          <a:noFill/>
+          <a:ln w="9525">
+            <a:noFill/>
+          </a:ln>
+        </p:spPr>
+      </p:pic>
+      <p:grpSp>
+        <p:nvGrpSpPr>
+          <p:cNvPr id="5" name="Gruppieren 6"/>
+          <p:cNvGrpSpPr/>
+          <p:nvPr/>
+        </p:nvGrpSpPr>
+        <p:grpSpPr>
+          <a:xfrm>
+            <a:off x="6264910" y="3691255"/>
+            <a:ext cx="5431790" cy="2480945"/>
+            <a:chOff x="5944870" y="3126740"/>
+            <a:chExt cx="6076950" cy="2867025"/>
+          </a:xfrm>
+        </p:grpSpPr>
+        <p:pic>
+          <p:nvPicPr>
+            <p:cNvPr id="6" name="Grafik 2"/>
+            <p:cNvPicPr>
+              <a:picLocks noChangeAspect="true"/>
+            </p:cNvPicPr>
+            <p:nvPr/>
+          </p:nvPicPr>
+          <p:blipFill>
+            <a:blip r:embed="rId3"/>
+            <a:stretch>
+              <a:fillRect/>
+            </a:stretch>
+          </p:blipFill>
+          <p:spPr>
+            <a:xfrm>
+              <a:off x="5944870" y="3126740"/>
+              <a:ext cx="6076950" cy="2867025"/>
+            </a:xfrm>
+            <a:prstGeom prst="rect">
+              <a:avLst/>
+            </a:prstGeom>
+          </p:spPr>
+        </p:pic>
+        <p:sp>
+          <p:nvSpPr>
+            <p:cNvPr id="9" name="Rechteck 3"/>
+            <p:cNvSpPr/>
+            <p:nvPr/>
+          </p:nvSpPr>
+          <p:spPr>
+            <a:xfrm>
+              <a:off x="6763109" y="3769743"/>
+              <a:ext cx="4994695" cy="508959"/>
+            </a:xfrm>
+            <a:prstGeom prst="rect">
+              <a:avLst/>
+            </a:prstGeom>
+            <a:noFill/>
+            <a:ln w="19050">
+              <a:solidFill>
+                <a:srgbClr val="FF0000"/>
+              </a:solidFill>
+            </a:ln>
+          </p:spPr>
+          <p:style>
+            <a:lnRef idx="2">
+              <a:schemeClr val="accent1">
+                <a:shade val="50000"/>
+              </a:schemeClr>
+            </a:lnRef>
+            <a:fillRef idx="1">
+              <a:schemeClr val="accent1"/>
+            </a:fillRef>
+            <a:effectRef idx="0">
+              <a:schemeClr val="accent1"/>
+            </a:effectRef>
+            <a:fontRef idx="minor">
+              <a:schemeClr val="lt1"/>
+            </a:fontRef>
+          </p:style>
+          <p:txBody>
+            <a:bodyPr rtlCol="0" anchor="ctr"/>
+            <a:p>
+              <a:pPr algn="ctr"/>
+              <a:endParaRPr lang="de-DE"/>
+            </a:p>
+          </p:txBody>
+        </p:sp>
+      </p:grpSp>
+      <p:pic>
+        <p:nvPicPr>
+          <p:cNvPr id="10" name="Grafik 8"/>
+          <p:cNvPicPr>
+            <a:picLocks noChangeAspect="true"/>
+          </p:cNvPicPr>
+          <p:nvPr/>
+        </p:nvPicPr>
+        <p:blipFill>
+          <a:blip r:embed="rId4"/>
+          <a:stretch>
+            <a:fillRect/>
+          </a:stretch>
+        </p:blipFill>
+        <p:spPr>
+          <a:xfrm>
+            <a:off x="1035050" y="5324475"/>
+            <a:ext cx="4596130" cy="1150620"/>
+          </a:xfrm>
+          <a:prstGeom prst="rect">
+            <a:avLst/>
+          </a:prstGeom>
+        </p:spPr>
+      </p:pic>
+    </p:spTree>
+  </p:cSld>
+  <p:clrMapOvr>
+    <a:masterClrMapping/>
+  </p:clrMapOvr>
+</p:sld>
+</file>
+
+<file path=ppt/slides/slide17.xml><?xml version="1.0" encoding="utf-8"?>
+<p:sld xmlns:a="http://schemas.openxmlformats.org/drawingml/2006/main" xmlns:r="http://schemas.openxmlformats.org/officeDocument/2006/relationships" xmlns:p="http://schemas.openxmlformats.org/presentationml/2006/main">
+  <p:cSld>
+    <p:bg>
+      <p:bgPr>
+        <a:blipFill rotWithShape="true">
+          <a:blip r:embed="rId1"/>
+          <a:stretch>
+            <a:fillRect/>
+          </a:stretch>
+        </a:blipFill>
+        <a:effectLst/>
+      </p:bgPr>
+    </p:bg>
+    <p:spTree>
+      <p:nvGrpSpPr>
+        <p:cNvPr id="1" name=""/>
+        <p:cNvGrpSpPr/>
+        <p:nvPr/>
+      </p:nvGrpSpPr>
+      <p:grpSpPr/>
+      <p:sp>
+        <p:nvSpPr>
+          <p:cNvPr id="2" name="Title 1"/>
           <p:cNvSpPr>
             <a:spLocks noGrp="true"/>
           </p:cNvSpPr>
           <p:nvPr>
+            <p:ph type="title"/>
+          </p:nvPr>
+        </p:nvSpPr>
+        <p:spPr/>
+        <p:txBody>
+          <a:bodyPr/>
+          <a:p>
+            <a:pPr marL="0" indent="0" algn="l"/>
+            <a:r>
+              <a:rPr lang="de-DE" altLang="zh-CN">
+                <a:sym typeface="+mn-ea"/>
+              </a:rPr>
+              <a:t>6. PCIe Protokoll</a:t>
+            </a:r>
+            <a:endParaRPr lang="de-DE" altLang="zh-CN">
+              <a:sym typeface="+mn-ea"/>
+            </a:endParaRPr>
+          </a:p>
+        </p:txBody>
+      </p:sp>
+      <p:sp>
+        <p:nvSpPr>
+          <p:cNvPr id="8" name="Content Placeholder 7"/>
+          <p:cNvSpPr>
+            <a:spLocks noGrp="true"/>
+          </p:cNvSpPr>
+          <p:nvPr>
+            <p:ph sz="half" idx="1"/>
+          </p:nvPr>
+        </p:nvSpPr>
+        <p:spPr>
+          <a:xfrm>
+            <a:off x="609600" y="1364615"/>
+            <a:ext cx="5447030" cy="5040630"/>
+          </a:xfrm>
+        </p:spPr>
+        <p:txBody>
+          <a:bodyPr>
+            <a:normAutofit/>
+          </a:bodyPr>
+          <a:p>
+            <a:pPr marL="57150" indent="0" algn="l">
+              <a:lnSpc>
+                <a:spcPct val="100000"/>
+              </a:lnSpc>
+              <a:buClrTx/>
+              <a:buSzTx/>
+              <a:buFont typeface="Arial" panose="02080604020202020204" pitchFamily="34" charset="0"/>
+              <a:buNone/>
+            </a:pPr>
+            <a:r>
+              <a:rPr lang="de-DE" altLang="zh-CN" sz="2800">
+                <a:sym typeface="+mn-ea"/>
+              </a:rPr>
+              <a:t>6.3.2 Transaction Layer Protokoll</a:t>
+            </a:r>
+            <a:endParaRPr lang="de-DE" altLang="en-US" sz="2800">
+              <a:solidFill>
+                <a:schemeClr val="tx1"/>
+              </a:solidFill>
+              <a:latin typeface="Calibri" charset="0"/>
+            </a:endParaRPr>
+          </a:p>
+          <a:p>
+            <a:pPr marL="57150" indent="0" algn="l">
+              <a:lnSpc>
+                <a:spcPct val="100000"/>
+              </a:lnSpc>
+              <a:buClrTx/>
+              <a:buSzTx/>
+              <a:buFont typeface="Arial" panose="02080604020202020204" pitchFamily="34" charset="0"/>
+              <a:buNone/>
+            </a:pPr>
+            <a:r>
+              <a:rPr lang="de-DE" altLang="en-US" sz="2000" dirty="0">
+                <a:latin typeface="Calibri" charset="0"/>
+                <a:sym typeface="+mn-ea"/>
+              </a:rPr>
+              <a:t>Transaction Layer Package (TLP) Header</a:t>
+            </a:r>
+            <a:endParaRPr lang="de-DE" altLang="en-US" sz="2000" dirty="0">
+              <a:latin typeface="Calibri" charset="0"/>
+              <a:sym typeface="+mn-ea"/>
+            </a:endParaRPr>
+          </a:p>
+          <a:p>
+            <a:pPr indent="-285750" algn="l">
+              <a:lnSpc>
+                <a:spcPct val="100000"/>
+              </a:lnSpc>
+              <a:buClrTx/>
+              <a:buSzTx/>
+            </a:pPr>
+            <a:r>
+              <a:rPr lang="de-DE" altLang="en-US" sz="1800" dirty="0" err="1">
+                <a:latin typeface="Calibri" charset="0"/>
+                <a:sym typeface="+mn-ea"/>
+              </a:rPr>
+              <a:t>Adress</a:t>
+            </a:r>
+            <a:r>
+              <a:rPr lang="de-DE" altLang="en-US" sz="1800" dirty="0">
+                <a:latin typeface="Calibri" charset="0"/>
+                <a:sym typeface="+mn-ea"/>
+              </a:rPr>
+              <a:t> Routing</a:t>
+            </a:r>
+            <a:endParaRPr lang="de-DE" altLang="en-US" sz="1800" dirty="0">
+              <a:latin typeface="Calibri" charset="0"/>
+            </a:endParaRPr>
+          </a:p>
+          <a:p>
+            <a:pPr marL="628650" lvl="1" indent="-171450">
+              <a:buFont typeface="Arial" panose="02080604020202020204" pitchFamily="34" charset="0"/>
+              <a:buChar char="•"/>
+            </a:pPr>
+            <a:r>
+              <a:rPr lang="de-DE" altLang="en-US" sz="1575" dirty="0">
+                <a:latin typeface="Calibri" charset="0"/>
+                <a:sym typeface="+mn-ea"/>
+              </a:rPr>
+              <a:t>Wird verwendet bei Memory- und I/O-Transactions</a:t>
+            </a:r>
+            <a:endParaRPr lang="de-DE" altLang="en-US" sz="1575" dirty="0">
+              <a:latin typeface="Calibri" charset="0"/>
+            </a:endParaRPr>
+          </a:p>
+          <a:p>
+            <a:pPr marL="628650" lvl="1" indent="-171450">
+              <a:buFont typeface="Arial" panose="02080604020202020204" pitchFamily="34" charset="0"/>
+              <a:buChar char="•"/>
+            </a:pPr>
+            <a:r>
+              <a:rPr lang="de-DE" altLang="en-US" sz="1575" dirty="0">
+                <a:latin typeface="Calibri" charset="0"/>
+                <a:sym typeface="+mn-ea"/>
+              </a:rPr>
+              <a:t>Zum Umschalten zwischen 32-Bit und 64-Bit-Adressen dient das </a:t>
+            </a:r>
+            <a:r>
+              <a:rPr lang="de-DE" altLang="en-US" sz="1575" dirty="0" err="1">
+                <a:latin typeface="Calibri" charset="0"/>
+                <a:sym typeface="+mn-ea"/>
+              </a:rPr>
+              <a:t>Fmt</a:t>
+            </a:r>
+            <a:r>
+              <a:rPr lang="de-DE" altLang="en-US" sz="1575" dirty="0">
+                <a:latin typeface="Calibri" charset="0"/>
+                <a:sym typeface="+mn-ea"/>
+              </a:rPr>
+              <a:t>-Feld im Common Header.</a:t>
+            </a:r>
+            <a:endParaRPr lang="de-DE" altLang="en-US" sz="1575" dirty="0">
+              <a:latin typeface="Calibri" charset="0"/>
+            </a:endParaRPr>
+          </a:p>
+          <a:p>
+            <a:pPr indent="-285750" algn="l">
+              <a:lnSpc>
+                <a:spcPct val="100000"/>
+              </a:lnSpc>
+              <a:buClrTx/>
+              <a:buSzTx/>
+            </a:pPr>
+            <a:endParaRPr lang="de-DE" altLang="en-US" sz="1800" dirty="0">
+              <a:latin typeface="Calibri" charset="0"/>
+            </a:endParaRPr>
+          </a:p>
+          <a:p>
+            <a:pPr indent="-285750" algn="l">
+              <a:lnSpc>
+                <a:spcPct val="100000"/>
+              </a:lnSpc>
+              <a:buClrTx/>
+              <a:buSzTx/>
+              <a:buFont typeface="Arial" panose="02080604020202020204" pitchFamily="34" charset="0"/>
+              <a:buChar char="•"/>
+            </a:pPr>
+            <a:endParaRPr lang="de-DE" altLang="en-US" sz="1795">
+              <a:latin typeface="Calibri" charset="0"/>
+              <a:sym typeface="+mn-ea"/>
+            </a:endParaRPr>
+          </a:p>
+        </p:txBody>
+      </p:sp>
+      <p:sp>
+        <p:nvSpPr>
+          <p:cNvPr id="3" name="Footer Placeholder 2"/>
+          <p:cNvSpPr>
+            <a:spLocks noGrp="true"/>
+          </p:cNvSpPr>
+          <p:nvPr>
             <p:ph type="ftr" sz="quarter" idx="11"/>
           </p:nvPr>
         </p:nvSpPr>
@@ -7502,6 +8376,890 @@
           </a:p>
         </p:txBody>
       </p:sp>
+      <p:pic>
+        <p:nvPicPr>
+          <p:cNvPr id="7" name="Picture Placeholder 4" descr="/home/dinera/Dokumente/Studium/Digitale Signalverarbeitung/layer_tranaction.pnglayer_tranaction"/>
+          <p:cNvPicPr>
+            <a:picLocks noChangeAspect="true"/>
+          </p:cNvPicPr>
+          <p:nvPr/>
+        </p:nvPicPr>
+        <p:blipFill>
+          <a:blip r:embed="rId2"/>
+          <a:srcRect/>
+          <a:stretch>
+            <a:fillRect/>
+          </a:stretch>
+        </p:blipFill>
+        <p:spPr>
+          <a:xfrm>
+            <a:off x="6264910" y="1417955"/>
+            <a:ext cx="5222240" cy="2273300"/>
+          </a:xfrm>
+          <a:prstGeom prst="rect">
+            <a:avLst/>
+          </a:prstGeom>
+          <a:noFill/>
+          <a:ln w="9525">
+            <a:noFill/>
+          </a:ln>
+        </p:spPr>
+      </p:pic>
+      <p:grpSp>
+        <p:nvGrpSpPr>
+          <p:cNvPr id="5" name="Gruppieren 6"/>
+          <p:cNvGrpSpPr/>
+          <p:nvPr/>
+        </p:nvGrpSpPr>
+        <p:grpSpPr>
+          <a:xfrm>
+            <a:off x="6264910" y="3691255"/>
+            <a:ext cx="5431790" cy="2480945"/>
+            <a:chOff x="5944870" y="3126740"/>
+            <a:chExt cx="6076950" cy="2867025"/>
+          </a:xfrm>
+        </p:grpSpPr>
+        <p:pic>
+          <p:nvPicPr>
+            <p:cNvPr id="6" name="Grafik 2"/>
+            <p:cNvPicPr>
+              <a:picLocks noChangeAspect="true"/>
+            </p:cNvPicPr>
+            <p:nvPr/>
+          </p:nvPicPr>
+          <p:blipFill>
+            <a:blip r:embed="rId3"/>
+            <a:stretch>
+              <a:fillRect/>
+            </a:stretch>
+          </p:blipFill>
+          <p:spPr>
+            <a:xfrm>
+              <a:off x="5944870" y="3126740"/>
+              <a:ext cx="6076950" cy="2867025"/>
+            </a:xfrm>
+            <a:prstGeom prst="rect">
+              <a:avLst/>
+            </a:prstGeom>
+          </p:spPr>
+        </p:pic>
+        <p:sp>
+          <p:nvSpPr>
+            <p:cNvPr id="9" name="Rechteck 3"/>
+            <p:cNvSpPr/>
+            <p:nvPr/>
+          </p:nvSpPr>
+          <p:spPr>
+            <a:xfrm>
+              <a:off x="6763109" y="3769743"/>
+              <a:ext cx="4994695" cy="508959"/>
+            </a:xfrm>
+            <a:prstGeom prst="rect">
+              <a:avLst/>
+            </a:prstGeom>
+            <a:noFill/>
+            <a:ln w="19050">
+              <a:solidFill>
+                <a:srgbClr val="FF0000"/>
+              </a:solidFill>
+            </a:ln>
+          </p:spPr>
+          <p:style>
+            <a:lnRef idx="2">
+              <a:schemeClr val="accent1">
+                <a:shade val="50000"/>
+              </a:schemeClr>
+            </a:lnRef>
+            <a:fillRef idx="1">
+              <a:schemeClr val="accent1"/>
+            </a:fillRef>
+            <a:effectRef idx="0">
+              <a:schemeClr val="accent1"/>
+            </a:effectRef>
+            <a:fontRef idx="minor">
+              <a:schemeClr val="lt1"/>
+            </a:fontRef>
+          </p:style>
+          <p:txBody>
+            <a:bodyPr rtlCol="0" anchor="ctr"/>
+            <a:p>
+              <a:pPr algn="ctr"/>
+              <a:endParaRPr lang="de-DE"/>
+            </a:p>
+          </p:txBody>
+        </p:sp>
+      </p:grpSp>
+      <p:pic>
+        <p:nvPicPr>
+          <p:cNvPr id="11" name="Grafik 9"/>
+          <p:cNvPicPr>
+            <a:picLocks noChangeAspect="true"/>
+          </p:cNvPicPr>
+          <p:nvPr/>
+        </p:nvPicPr>
+        <p:blipFill>
+          <a:blip r:embed="rId4"/>
+          <a:stretch>
+            <a:fillRect/>
+          </a:stretch>
+        </p:blipFill>
+        <p:spPr>
+          <a:xfrm>
+            <a:off x="1447800" y="4869815"/>
+            <a:ext cx="3771265" cy="1463040"/>
+          </a:xfrm>
+          <a:prstGeom prst="rect">
+            <a:avLst/>
+          </a:prstGeom>
+        </p:spPr>
+      </p:pic>
+      <p:pic>
+        <p:nvPicPr>
+          <p:cNvPr id="4" name="Grafik 5"/>
+          <p:cNvPicPr>
+            <a:picLocks noChangeAspect="true"/>
+          </p:cNvPicPr>
+          <p:nvPr/>
+        </p:nvPicPr>
+        <p:blipFill>
+          <a:blip r:embed="rId5"/>
+          <a:stretch>
+            <a:fillRect/>
+          </a:stretch>
+        </p:blipFill>
+        <p:spPr>
+          <a:xfrm>
+            <a:off x="1426845" y="3310890"/>
+            <a:ext cx="3780155" cy="1558925"/>
+          </a:xfrm>
+          <a:prstGeom prst="rect">
+            <a:avLst/>
+          </a:prstGeom>
+        </p:spPr>
+      </p:pic>
+    </p:spTree>
+  </p:cSld>
+  <p:clrMapOvr>
+    <a:masterClrMapping/>
+  </p:clrMapOvr>
+</p:sld>
+</file>
+
+<file path=ppt/slides/slide18.xml><?xml version="1.0" encoding="utf-8"?>
+<p:sld xmlns:a="http://schemas.openxmlformats.org/drawingml/2006/main" xmlns:r="http://schemas.openxmlformats.org/officeDocument/2006/relationships" xmlns:p="http://schemas.openxmlformats.org/presentationml/2006/main">
+  <p:cSld>
+    <p:bg>
+      <p:bgPr>
+        <a:blipFill rotWithShape="true">
+          <a:blip r:embed="rId1"/>
+          <a:stretch>
+            <a:fillRect/>
+          </a:stretch>
+        </a:blipFill>
+        <a:effectLst/>
+      </p:bgPr>
+    </p:bg>
+    <p:spTree>
+      <p:nvGrpSpPr>
+        <p:cNvPr id="1" name=""/>
+        <p:cNvGrpSpPr/>
+        <p:nvPr/>
+      </p:nvGrpSpPr>
+      <p:grpSpPr/>
+      <p:sp>
+        <p:nvSpPr>
+          <p:cNvPr id="2" name="Title 1"/>
+          <p:cNvSpPr>
+            <a:spLocks noGrp="true"/>
+          </p:cNvSpPr>
+          <p:nvPr>
+            <p:ph type="title"/>
+          </p:nvPr>
+        </p:nvSpPr>
+        <p:spPr/>
+        <p:txBody>
+          <a:bodyPr/>
+          <a:p>
+            <a:pPr marL="0" indent="0" algn="l"/>
+            <a:r>
+              <a:rPr lang="de-DE" altLang="zh-CN">
+                <a:sym typeface="+mn-ea"/>
+              </a:rPr>
+              <a:t>6. PCIe Protokoll</a:t>
+            </a:r>
+            <a:endParaRPr lang="de-DE" altLang="zh-CN">
+              <a:sym typeface="+mn-ea"/>
+            </a:endParaRPr>
+          </a:p>
+        </p:txBody>
+      </p:sp>
+      <p:sp>
+        <p:nvSpPr>
+          <p:cNvPr id="8" name="Content Placeholder 7"/>
+          <p:cNvSpPr>
+            <a:spLocks noGrp="true"/>
+          </p:cNvSpPr>
+          <p:nvPr>
+            <p:ph sz="half" idx="1"/>
+          </p:nvPr>
+        </p:nvSpPr>
+        <p:spPr>
+          <a:xfrm>
+            <a:off x="609600" y="1364615"/>
+            <a:ext cx="5447030" cy="5040630"/>
+          </a:xfrm>
+        </p:spPr>
+        <p:txBody>
+          <a:bodyPr>
+            <a:normAutofit/>
+          </a:bodyPr>
+          <a:p>
+            <a:pPr marL="57150" indent="0" algn="l">
+              <a:lnSpc>
+                <a:spcPct val="100000"/>
+              </a:lnSpc>
+              <a:buClrTx/>
+              <a:buSzTx/>
+              <a:buFont typeface="Arial" panose="02080604020202020204" pitchFamily="34" charset="0"/>
+              <a:buNone/>
+            </a:pPr>
+            <a:r>
+              <a:rPr lang="de-DE" altLang="zh-CN" sz="2800">
+                <a:sym typeface="+mn-ea"/>
+              </a:rPr>
+              <a:t>6.3.2 Transaction Layer Protokoll</a:t>
+            </a:r>
+            <a:endParaRPr lang="de-DE" altLang="en-US" sz="2800">
+              <a:solidFill>
+                <a:schemeClr val="tx1"/>
+              </a:solidFill>
+              <a:latin typeface="Calibri" charset="0"/>
+            </a:endParaRPr>
+          </a:p>
+          <a:p>
+            <a:pPr marL="57150" indent="0" algn="l">
+              <a:lnSpc>
+                <a:spcPct val="100000"/>
+              </a:lnSpc>
+              <a:buClrTx/>
+              <a:buSzTx/>
+              <a:buFont typeface="Arial" panose="02080604020202020204" pitchFamily="34" charset="0"/>
+              <a:buNone/>
+            </a:pPr>
+            <a:r>
+              <a:rPr lang="de-DE" altLang="en-US" sz="2000" dirty="0">
+                <a:latin typeface="Calibri" charset="0"/>
+                <a:sym typeface="+mn-ea"/>
+              </a:rPr>
+              <a:t>Transaction Layer Package (TLP) Header</a:t>
+            </a:r>
+            <a:endParaRPr lang="de-DE" altLang="en-US" sz="2000" dirty="0">
+              <a:latin typeface="Calibri" charset="0"/>
+              <a:sym typeface="+mn-ea"/>
+            </a:endParaRPr>
+          </a:p>
+          <a:p>
+            <a:pPr indent="-285750" algn="l">
+              <a:lnSpc>
+                <a:spcPct val="100000"/>
+              </a:lnSpc>
+              <a:buClrTx/>
+              <a:buSzTx/>
+            </a:pPr>
+            <a:r>
+              <a:rPr lang="de-DE" altLang="en-US" sz="1800" dirty="0">
+                <a:latin typeface="Calibri" charset="0"/>
+                <a:sym typeface="+mn-ea"/>
+              </a:rPr>
+              <a:t>ID Routing</a:t>
+            </a:r>
+            <a:endParaRPr lang="de-DE" altLang="en-US" sz="1800" dirty="0">
+              <a:latin typeface="Calibri" charset="0"/>
+            </a:endParaRPr>
+          </a:p>
+          <a:p>
+            <a:pPr marL="742950" lvl="1" indent="-285750">
+              <a:buFont typeface="Arial" panose="02080604020202020204" pitchFamily="34" charset="0"/>
+              <a:buChar char="•"/>
+            </a:pPr>
+            <a:r>
+              <a:rPr lang="de-DE" altLang="en-US" sz="1575" dirty="0">
+                <a:latin typeface="Calibri" charset="0"/>
+                <a:sym typeface="+mn-ea"/>
+              </a:rPr>
+              <a:t>Wird verwendet für Konfigurationsanfragen</a:t>
+            </a:r>
+            <a:endParaRPr lang="de-DE" altLang="en-US" sz="1575" dirty="0">
+              <a:latin typeface="Calibri" charset="0"/>
+            </a:endParaRPr>
+          </a:p>
+          <a:p>
+            <a:pPr indent="-285750" algn="l">
+              <a:lnSpc>
+                <a:spcPct val="100000"/>
+              </a:lnSpc>
+              <a:buClrTx/>
+              <a:buSzTx/>
+            </a:pPr>
+            <a:endParaRPr lang="de-DE" altLang="en-US" sz="1800" dirty="0">
+              <a:latin typeface="Calibri" charset="0"/>
+            </a:endParaRPr>
+          </a:p>
+          <a:p>
+            <a:pPr indent="-285750" algn="l">
+              <a:lnSpc>
+                <a:spcPct val="100000"/>
+              </a:lnSpc>
+              <a:buClrTx/>
+              <a:buSzTx/>
+              <a:buFont typeface="Arial" panose="02080604020202020204" pitchFamily="34" charset="0"/>
+              <a:buChar char="•"/>
+            </a:pPr>
+            <a:endParaRPr lang="de-DE" altLang="en-US" sz="1795">
+              <a:latin typeface="Calibri" charset="0"/>
+              <a:sym typeface="+mn-ea"/>
+            </a:endParaRPr>
+          </a:p>
+        </p:txBody>
+      </p:sp>
+      <p:sp>
+        <p:nvSpPr>
+          <p:cNvPr id="3" name="Footer Placeholder 2"/>
+          <p:cNvSpPr>
+            <a:spLocks noGrp="true"/>
+          </p:cNvSpPr>
+          <p:nvPr>
+            <p:ph type="ftr" sz="quarter" idx="11"/>
+          </p:nvPr>
+        </p:nvSpPr>
+        <p:spPr/>
+        <p:txBody>
+          <a:bodyPr/>
+          <a:p>
+            <a:r>
+              <a:rPr lang="zh-CN" altLang="en-US"/>
+              <a:t>Fakultät Elektrotechnik - ELT04760 Digitale Signalverarbeitung - &lt;Namen einfügen&gt;</a:t>
+            </a:r>
+            <a:endParaRPr lang="zh-CN" altLang="en-US"/>
+          </a:p>
+        </p:txBody>
+      </p:sp>
+      <p:pic>
+        <p:nvPicPr>
+          <p:cNvPr id="7" name="Picture Placeholder 4" descr="/home/dinera/Dokumente/Studium/Digitale Signalverarbeitung/layer_tranaction.pnglayer_tranaction"/>
+          <p:cNvPicPr>
+            <a:picLocks noChangeAspect="true"/>
+          </p:cNvPicPr>
+          <p:nvPr/>
+        </p:nvPicPr>
+        <p:blipFill>
+          <a:blip r:embed="rId2"/>
+          <a:srcRect/>
+          <a:stretch>
+            <a:fillRect/>
+          </a:stretch>
+        </p:blipFill>
+        <p:spPr>
+          <a:xfrm>
+            <a:off x="6264910" y="1417955"/>
+            <a:ext cx="5222240" cy="2273300"/>
+          </a:xfrm>
+          <a:prstGeom prst="rect">
+            <a:avLst/>
+          </a:prstGeom>
+          <a:noFill/>
+          <a:ln w="9525">
+            <a:noFill/>
+          </a:ln>
+        </p:spPr>
+      </p:pic>
+      <p:grpSp>
+        <p:nvGrpSpPr>
+          <p:cNvPr id="5" name="Gruppieren 6"/>
+          <p:cNvGrpSpPr/>
+          <p:nvPr/>
+        </p:nvGrpSpPr>
+        <p:grpSpPr>
+          <a:xfrm>
+            <a:off x="6264910" y="3691255"/>
+            <a:ext cx="5431790" cy="2480945"/>
+            <a:chOff x="5944870" y="3126740"/>
+            <a:chExt cx="6076950" cy="2867025"/>
+          </a:xfrm>
+        </p:grpSpPr>
+        <p:pic>
+          <p:nvPicPr>
+            <p:cNvPr id="6" name="Grafik 2"/>
+            <p:cNvPicPr>
+              <a:picLocks noChangeAspect="true"/>
+            </p:cNvPicPr>
+            <p:nvPr/>
+          </p:nvPicPr>
+          <p:blipFill>
+            <a:blip r:embed="rId3"/>
+            <a:stretch>
+              <a:fillRect/>
+            </a:stretch>
+          </p:blipFill>
+          <p:spPr>
+            <a:xfrm>
+              <a:off x="5944870" y="3126740"/>
+              <a:ext cx="6076950" cy="2867025"/>
+            </a:xfrm>
+            <a:prstGeom prst="rect">
+              <a:avLst/>
+            </a:prstGeom>
+          </p:spPr>
+        </p:pic>
+        <p:sp>
+          <p:nvSpPr>
+            <p:cNvPr id="9" name="Rechteck 3"/>
+            <p:cNvSpPr/>
+            <p:nvPr/>
+          </p:nvSpPr>
+          <p:spPr>
+            <a:xfrm>
+              <a:off x="6763109" y="3769743"/>
+              <a:ext cx="4994695" cy="508959"/>
+            </a:xfrm>
+            <a:prstGeom prst="rect">
+              <a:avLst/>
+            </a:prstGeom>
+            <a:noFill/>
+            <a:ln w="19050">
+              <a:solidFill>
+                <a:srgbClr val="FF0000"/>
+              </a:solidFill>
+            </a:ln>
+          </p:spPr>
+          <p:style>
+            <a:lnRef idx="2">
+              <a:schemeClr val="accent1">
+                <a:shade val="50000"/>
+              </a:schemeClr>
+            </a:lnRef>
+            <a:fillRef idx="1">
+              <a:schemeClr val="accent1"/>
+            </a:fillRef>
+            <a:effectRef idx="0">
+              <a:schemeClr val="accent1"/>
+            </a:effectRef>
+            <a:fontRef idx="minor">
+              <a:schemeClr val="lt1"/>
+            </a:fontRef>
+          </p:style>
+          <p:txBody>
+            <a:bodyPr rtlCol="0" anchor="ctr"/>
+            <a:p>
+              <a:pPr algn="ctr"/>
+              <a:endParaRPr lang="de-DE"/>
+            </a:p>
+          </p:txBody>
+        </p:sp>
+      </p:grpSp>
+      <p:pic>
+        <p:nvPicPr>
+          <p:cNvPr id="10" name="Grafik 8"/>
+          <p:cNvPicPr>
+            <a:picLocks noChangeAspect="true"/>
+          </p:cNvPicPr>
+          <p:nvPr/>
+        </p:nvPicPr>
+        <p:blipFill>
+          <a:blip r:embed="rId4"/>
+          <a:stretch>
+            <a:fillRect/>
+          </a:stretch>
+        </p:blipFill>
+        <p:spPr>
+          <a:xfrm>
+            <a:off x="839788" y="2978990"/>
+            <a:ext cx="4223918" cy="1581262"/>
+          </a:xfrm>
+          <a:prstGeom prst="rect">
+            <a:avLst/>
+          </a:prstGeom>
+        </p:spPr>
+      </p:pic>
+      <p:pic>
+        <p:nvPicPr>
+          <p:cNvPr id="14" name="Grafik 9"/>
+          <p:cNvPicPr>
+            <a:picLocks noChangeAspect="true"/>
+          </p:cNvPicPr>
+          <p:nvPr/>
+        </p:nvPicPr>
+        <p:blipFill>
+          <a:blip r:embed="rId5"/>
+          <a:stretch>
+            <a:fillRect/>
+          </a:stretch>
+        </p:blipFill>
+        <p:spPr>
+          <a:xfrm>
+            <a:off x="839788" y="4729799"/>
+            <a:ext cx="4223918" cy="1454988"/>
+          </a:xfrm>
+          <a:prstGeom prst="rect">
+            <a:avLst/>
+          </a:prstGeom>
+        </p:spPr>
+      </p:pic>
+    </p:spTree>
+  </p:cSld>
+  <p:clrMapOvr>
+    <a:masterClrMapping/>
+  </p:clrMapOvr>
+</p:sld>
+</file>
+
+<file path=ppt/slides/slide19.xml><?xml version="1.0" encoding="utf-8"?>
+<p:sld xmlns:a="http://schemas.openxmlformats.org/drawingml/2006/main" xmlns:r="http://schemas.openxmlformats.org/officeDocument/2006/relationships" xmlns:p="http://schemas.openxmlformats.org/presentationml/2006/main">
+  <p:cSld>
+    <p:bg>
+      <p:bgPr>
+        <a:blipFill rotWithShape="true">
+          <a:blip r:embed="rId1"/>
+          <a:stretch>
+            <a:fillRect/>
+          </a:stretch>
+        </a:blipFill>
+        <a:effectLst/>
+      </p:bgPr>
+    </p:bg>
+    <p:spTree>
+      <p:nvGrpSpPr>
+        <p:cNvPr id="1" name=""/>
+        <p:cNvGrpSpPr/>
+        <p:nvPr/>
+      </p:nvGrpSpPr>
+      <p:grpSpPr/>
+      <p:sp>
+        <p:nvSpPr>
+          <p:cNvPr id="2" name="Title 1"/>
+          <p:cNvSpPr>
+            <a:spLocks noGrp="true"/>
+          </p:cNvSpPr>
+          <p:nvPr>
+            <p:ph type="title"/>
+          </p:nvPr>
+        </p:nvSpPr>
+        <p:spPr/>
+        <p:txBody>
+          <a:bodyPr/>
+          <a:p>
+            <a:pPr marL="0" indent="0" algn="l"/>
+            <a:r>
+              <a:rPr lang="de-DE" altLang="zh-CN">
+                <a:sym typeface="+mn-ea"/>
+              </a:rPr>
+              <a:t>6. PCIe Protokoll</a:t>
+            </a:r>
+            <a:endParaRPr lang="de-DE" altLang="zh-CN">
+              <a:sym typeface="+mn-ea"/>
+            </a:endParaRPr>
+          </a:p>
+        </p:txBody>
+      </p:sp>
+      <p:sp>
+        <p:nvSpPr>
+          <p:cNvPr id="8" name="Content Placeholder 7"/>
+          <p:cNvSpPr>
+            <a:spLocks noGrp="true"/>
+          </p:cNvSpPr>
+          <p:nvPr>
+            <p:ph sz="half" idx="1"/>
+          </p:nvPr>
+        </p:nvSpPr>
+        <p:spPr>
+          <a:xfrm>
+            <a:off x="609600" y="1364615"/>
+            <a:ext cx="5655310" cy="5040630"/>
+          </a:xfrm>
+        </p:spPr>
+        <p:txBody>
+          <a:bodyPr>
+            <a:normAutofit/>
+          </a:bodyPr>
+          <a:p>
+            <a:pPr marL="57150" indent="0" algn="l">
+              <a:lnSpc>
+                <a:spcPct val="100000"/>
+              </a:lnSpc>
+              <a:buClrTx/>
+              <a:buSzTx/>
+              <a:buFont typeface="Arial" panose="02080604020202020204" pitchFamily="34" charset="0"/>
+              <a:buNone/>
+            </a:pPr>
+            <a:r>
+              <a:rPr lang="de-DE" altLang="zh-CN" sz="2800">
+                <a:sym typeface="+mn-ea"/>
+              </a:rPr>
+              <a:t>6.3.2 Transaction Layer Protokoll</a:t>
+            </a:r>
+            <a:endParaRPr lang="de-DE" altLang="en-US" sz="2800">
+              <a:solidFill>
+                <a:schemeClr val="tx1"/>
+              </a:solidFill>
+              <a:latin typeface="Calibri" charset="0"/>
+            </a:endParaRPr>
+          </a:p>
+          <a:p>
+            <a:pPr marL="57150" indent="0" algn="l">
+              <a:lnSpc>
+                <a:spcPct val="100000"/>
+              </a:lnSpc>
+              <a:buClrTx/>
+              <a:buSzTx/>
+              <a:buFont typeface="Arial" panose="02080604020202020204" pitchFamily="34" charset="0"/>
+              <a:buNone/>
+            </a:pPr>
+            <a:r>
+              <a:rPr lang="de-DE" altLang="en-US" sz="2000" dirty="0">
+                <a:latin typeface="Calibri" charset="0"/>
+                <a:sym typeface="+mn-ea"/>
+              </a:rPr>
+              <a:t>Transaction Layer Package (TLP) Digest</a:t>
+            </a:r>
+            <a:endParaRPr lang="de-DE" altLang="en-US" sz="2000" dirty="0">
+              <a:latin typeface="Calibri" charset="0"/>
+            </a:endParaRPr>
+          </a:p>
+          <a:p>
+            <a:pPr marL="171450" indent="-171450">
+              <a:buFont typeface="Arial" panose="02080604020202020204" pitchFamily="34" charset="0"/>
+              <a:buChar char="•"/>
+            </a:pPr>
+            <a:r>
+              <a:rPr lang="de-DE" altLang="en-US" sz="2000" dirty="0">
+                <a:latin typeface="Calibri" charset="0"/>
+                <a:sym typeface="+mn-ea"/>
+              </a:rPr>
+              <a:t>Wenn das TLP Digest-Feld verwendet wird, ist das TD-Bit im Header auf 1 gesetzt.</a:t>
+            </a:r>
+            <a:endParaRPr lang="de-DE" altLang="en-US" sz="2000" dirty="0">
+              <a:latin typeface="Calibri" charset="0"/>
+            </a:endParaRPr>
+          </a:p>
+          <a:p>
+            <a:pPr indent="-285750" algn="l">
+              <a:lnSpc>
+                <a:spcPct val="100000"/>
+              </a:lnSpc>
+              <a:buClrTx/>
+              <a:buSzTx/>
+              <a:buFont typeface="Arial" panose="02080604020202020204" pitchFamily="34" charset="0"/>
+              <a:buChar char="•"/>
+            </a:pPr>
+            <a:endParaRPr lang="de-DE" altLang="en-US" sz="2000" dirty="0">
+              <a:latin typeface="Calibri" charset="0"/>
+            </a:endParaRPr>
+          </a:p>
+          <a:p>
+            <a:pPr marL="57150" indent="0" algn="l">
+              <a:lnSpc>
+                <a:spcPct val="100000"/>
+              </a:lnSpc>
+              <a:buClrTx/>
+              <a:buSzTx/>
+              <a:buFont typeface="Arial" panose="02080604020202020204" pitchFamily="34" charset="0"/>
+              <a:buNone/>
+            </a:pPr>
+            <a:r>
+              <a:rPr lang="de-DE" altLang="en-US" sz="2000" dirty="0">
+                <a:latin typeface="Calibri" charset="0"/>
+                <a:sym typeface="+mn-ea"/>
+              </a:rPr>
+              <a:t>ECRC</a:t>
+            </a:r>
+            <a:endParaRPr lang="de-DE" altLang="en-US" sz="2000" dirty="0">
+              <a:latin typeface="Calibri" charset="0"/>
+            </a:endParaRPr>
+          </a:p>
+          <a:p>
+            <a:pPr marL="171450" indent="-171450">
+              <a:buFont typeface="Arial" panose="02080604020202020204" pitchFamily="34" charset="0"/>
+              <a:buChar char="•"/>
+            </a:pPr>
+            <a:r>
+              <a:rPr lang="de-DE" altLang="en-US" sz="2000" dirty="0">
+                <a:latin typeface="Calibri" charset="0"/>
+                <a:sym typeface="+mn-ea"/>
+              </a:rPr>
+              <a:t>Zusätzliche 32-Bit CRC neben LCRC im Data Link Layer für Datenübertragung mit hoher Wichtigkeit</a:t>
+            </a:r>
+            <a:endParaRPr lang="de-DE" altLang="en-US" sz="2000" dirty="0">
+              <a:latin typeface="Calibri" charset="0"/>
+            </a:endParaRPr>
+          </a:p>
+          <a:p>
+            <a:pPr marL="171450" indent="-171450">
+              <a:buFont typeface="Arial" panose="02080604020202020204" pitchFamily="34" charset="0"/>
+              <a:buChar char="•"/>
+            </a:pPr>
+            <a:r>
+              <a:rPr lang="de-DE" altLang="en-US" sz="2000" dirty="0">
+                <a:latin typeface="Calibri" charset="0"/>
+                <a:sym typeface="+mn-ea"/>
+              </a:rPr>
+              <a:t>In die Berechnung der ECRC werden alle nichtvariablen Felder des Headers und des Data </a:t>
+            </a:r>
+            <a:r>
+              <a:rPr lang="de-DE" altLang="en-US" sz="2000" dirty="0" err="1">
+                <a:latin typeface="Calibri" charset="0"/>
+                <a:sym typeface="+mn-ea"/>
+              </a:rPr>
+              <a:t>Payloads</a:t>
+            </a:r>
+            <a:r>
+              <a:rPr lang="de-DE" altLang="en-US" sz="2000" dirty="0">
+                <a:latin typeface="Calibri" charset="0"/>
+                <a:sym typeface="+mn-ea"/>
+              </a:rPr>
+              <a:t> einbezogen.</a:t>
+            </a:r>
+            <a:endParaRPr lang="de-DE" altLang="en-US" sz="1795">
+              <a:latin typeface="Calibri" charset="0"/>
+              <a:sym typeface="+mn-ea"/>
+            </a:endParaRPr>
+          </a:p>
+        </p:txBody>
+      </p:sp>
+      <p:sp>
+        <p:nvSpPr>
+          <p:cNvPr id="3" name="Footer Placeholder 2"/>
+          <p:cNvSpPr>
+            <a:spLocks noGrp="true"/>
+          </p:cNvSpPr>
+          <p:nvPr>
+            <p:ph type="ftr" sz="quarter" idx="11"/>
+          </p:nvPr>
+        </p:nvSpPr>
+        <p:spPr/>
+        <p:txBody>
+          <a:bodyPr/>
+          <a:p>
+            <a:r>
+              <a:rPr lang="zh-CN" altLang="en-US"/>
+              <a:t>Fakultät Elektrotechnik - ELT04760 Digitale Signalverarbeitung - &lt;Namen einfügen&gt;</a:t>
+            </a:r>
+            <a:endParaRPr lang="zh-CN" altLang="en-US"/>
+          </a:p>
+        </p:txBody>
+      </p:sp>
+      <p:pic>
+        <p:nvPicPr>
+          <p:cNvPr id="7" name="Picture Placeholder 4" descr="/home/dinera/Dokumente/Studium/Digitale Signalverarbeitung/layer_tranaction.pnglayer_tranaction"/>
+          <p:cNvPicPr>
+            <a:picLocks noChangeAspect="true"/>
+          </p:cNvPicPr>
+          <p:nvPr/>
+        </p:nvPicPr>
+        <p:blipFill>
+          <a:blip r:embed="rId2"/>
+          <a:srcRect/>
+          <a:stretch>
+            <a:fillRect/>
+          </a:stretch>
+        </p:blipFill>
+        <p:spPr>
+          <a:xfrm>
+            <a:off x="6264910" y="1417955"/>
+            <a:ext cx="5222240" cy="2273300"/>
+          </a:xfrm>
+          <a:prstGeom prst="rect">
+            <a:avLst/>
+          </a:prstGeom>
+          <a:noFill/>
+          <a:ln w="9525">
+            <a:noFill/>
+          </a:ln>
+        </p:spPr>
+      </p:pic>
+      <p:grpSp>
+        <p:nvGrpSpPr>
+          <p:cNvPr id="5" name="Gruppieren 6"/>
+          <p:cNvGrpSpPr/>
+          <p:nvPr/>
+        </p:nvGrpSpPr>
+        <p:grpSpPr>
+          <a:xfrm>
+            <a:off x="6264910" y="3691255"/>
+            <a:ext cx="5431790" cy="2480945"/>
+            <a:chOff x="5944870" y="3126740"/>
+            <a:chExt cx="6076950" cy="2867025"/>
+          </a:xfrm>
+        </p:grpSpPr>
+        <p:pic>
+          <p:nvPicPr>
+            <p:cNvPr id="6" name="Grafik 2"/>
+            <p:cNvPicPr>
+              <a:picLocks noChangeAspect="true"/>
+            </p:cNvPicPr>
+            <p:nvPr/>
+          </p:nvPicPr>
+          <p:blipFill>
+            <a:blip r:embed="rId3"/>
+            <a:stretch>
+              <a:fillRect/>
+            </a:stretch>
+          </p:blipFill>
+          <p:spPr>
+            <a:xfrm>
+              <a:off x="5944870" y="3126740"/>
+              <a:ext cx="6076950" cy="2867025"/>
+            </a:xfrm>
+            <a:prstGeom prst="rect">
+              <a:avLst/>
+            </a:prstGeom>
+          </p:spPr>
+        </p:pic>
+        <p:sp>
+          <p:nvSpPr>
+            <p:cNvPr id="9" name="Rechteck 3"/>
+            <p:cNvSpPr/>
+            <p:nvPr/>
+          </p:nvSpPr>
+          <p:spPr>
+            <a:xfrm>
+              <a:off x="6763109" y="3769743"/>
+              <a:ext cx="4994695" cy="508959"/>
+            </a:xfrm>
+            <a:prstGeom prst="rect">
+              <a:avLst/>
+            </a:prstGeom>
+            <a:noFill/>
+            <a:ln w="19050">
+              <a:solidFill>
+                <a:srgbClr val="FF0000"/>
+              </a:solidFill>
+            </a:ln>
+          </p:spPr>
+          <p:style>
+            <a:lnRef idx="2">
+              <a:schemeClr val="accent1">
+                <a:shade val="50000"/>
+              </a:schemeClr>
+            </a:lnRef>
+            <a:fillRef idx="1">
+              <a:schemeClr val="accent1"/>
+            </a:fillRef>
+            <a:effectRef idx="0">
+              <a:schemeClr val="accent1"/>
+            </a:effectRef>
+            <a:fontRef idx="minor">
+              <a:schemeClr val="lt1"/>
+            </a:fontRef>
+          </p:style>
+          <p:txBody>
+            <a:bodyPr rtlCol="0" anchor="ctr"/>
+            <a:p>
+              <a:pPr algn="ctr"/>
+              <a:endParaRPr lang="de-DE"/>
+            </a:p>
+          </p:txBody>
+        </p:sp>
+      </p:grpSp>
     </p:spTree>
   </p:cSld>
   <p:clrMapOvr>
@@ -7825,6 +9583,419 @@
       <p:sp>
         <p:nvSpPr>
           <p:cNvPr id="3" name="Footer Placeholder 2"/>
+          <p:cNvSpPr>
+            <a:spLocks noGrp="true"/>
+          </p:cNvSpPr>
+          <p:nvPr>
+            <p:ph type="ftr" sz="quarter" idx="11"/>
+          </p:nvPr>
+        </p:nvSpPr>
+        <p:spPr/>
+        <p:txBody>
+          <a:bodyPr/>
+          <a:p>
+            <a:r>
+              <a:rPr lang="zh-CN" altLang="en-US"/>
+              <a:t>Fakultät Elektrotechnik - ELT04760 Digitale Signalverarbeitung - &lt;Namen einfügen&gt;</a:t>
+            </a:r>
+            <a:endParaRPr lang="zh-CN" altLang="en-US"/>
+          </a:p>
+        </p:txBody>
+      </p:sp>
+    </p:spTree>
+  </p:cSld>
+  <p:clrMapOvr>
+    <a:masterClrMapping/>
+  </p:clrMapOvr>
+</p:sld>
+</file>
+
+<file path=ppt/slides/slide20.xml><?xml version="1.0" encoding="utf-8"?>
+<p:sld xmlns:a="http://schemas.openxmlformats.org/drawingml/2006/main" xmlns:r="http://schemas.openxmlformats.org/officeDocument/2006/relationships" xmlns:p="http://schemas.openxmlformats.org/presentationml/2006/main">
+  <p:cSld>
+    <p:spTree>
+      <p:nvGrpSpPr>
+        <p:cNvPr id="1" name=""/>
+        <p:cNvGrpSpPr/>
+        <p:nvPr/>
+      </p:nvGrpSpPr>
+      <p:grpSpPr>
+        <a:xfrm>
+          <a:off x="0" y="0"/>
+          <a:ext cx="0" cy="0"/>
+          <a:chOff x="0" y="0"/>
+          <a:chExt cx="0" cy="0"/>
+        </a:xfrm>
+      </p:grpSpPr>
+      <p:sp>
+        <p:nvSpPr>
+          <p:cNvPr id="2" name="Title 1"/>
+          <p:cNvSpPr>
+            <a:spLocks noGrp="true"/>
+          </p:cNvSpPr>
+          <p:nvPr>
+            <p:ph type="title"/>
+          </p:nvPr>
+        </p:nvSpPr>
+        <p:spPr>
+          <a:xfrm>
+            <a:off x="840105" y="457200"/>
+            <a:ext cx="5294630" cy="897255"/>
+          </a:xfrm>
+        </p:spPr>
+        <p:txBody>
+          <a:bodyPr/>
+          <a:lstStyle/>
+          <a:p>
+            <a:pPr marL="0" indent="0" algn="l"/>
+            <a:r>
+              <a:rPr lang="de-DE" altLang="en-US" dirty="0">
+                <a:solidFill>
+                  <a:schemeClr val="tx1"/>
+                </a:solidFill>
+                <a:latin typeface="Calibri" charset="0"/>
+              </a:rPr>
+              <a:t>PCIe Protocol</a:t>
+            </a:r>
+            <a:br>
+              <a:rPr lang="de-DE" altLang="en-US" dirty="0">
+                <a:solidFill>
+                  <a:schemeClr val="tx1"/>
+                </a:solidFill>
+                <a:latin typeface="Calibri" charset="0"/>
+              </a:rPr>
+            </a:br>
+            <a:r>
+              <a:rPr lang="de-DE" altLang="en-US" dirty="0">
+                <a:solidFill>
+                  <a:schemeClr val="tx1"/>
+                </a:solidFill>
+                <a:latin typeface="Calibri" charset="0"/>
+              </a:rPr>
+              <a:t>3. Transaction Layer</a:t>
+            </a:r>
+            <a:endParaRPr lang="de-DE" altLang="en-US" dirty="0">
+              <a:solidFill>
+                <a:schemeClr val="tx1"/>
+              </a:solidFill>
+              <a:latin typeface="Calibri" charset="0"/>
+            </a:endParaRPr>
+          </a:p>
+        </p:txBody>
+      </p:sp>
+      <p:sp>
+        <p:nvSpPr>
+          <p:cNvPr id="8" name="Text Placeholder 7"/>
+          <p:cNvSpPr>
+            <a:spLocks noGrp="true"/>
+          </p:cNvSpPr>
+          <p:nvPr>
+            <p:ph type="body" sz="half" idx="2"/>
+          </p:nvPr>
+        </p:nvSpPr>
+        <p:spPr>
+          <a:xfrm>
+            <a:off x="839788" y="2057400"/>
+            <a:ext cx="3932237" cy="2757932"/>
+          </a:xfrm>
+        </p:spPr>
+        <p:txBody>
+          <a:bodyPr>
+            <a:normAutofit/>
+          </a:bodyPr>
+          <a:lstStyle/>
+          <a:p>
+            <a:r>
+              <a:rPr lang="de-DE" altLang="en-US" sz="1400" dirty="0">
+                <a:latin typeface="Calibri" charset="0"/>
+              </a:rPr>
+              <a:t>Transaction Layer Package (TLP) Header</a:t>
+            </a:r>
+            <a:endParaRPr lang="de-DE" altLang="en-US" sz="1400" dirty="0">
+              <a:latin typeface="Calibri" charset="0"/>
+            </a:endParaRPr>
+          </a:p>
+          <a:p>
+            <a:r>
+              <a:rPr lang="de-DE" altLang="en-US" dirty="0">
+                <a:latin typeface="Calibri" charset="0"/>
+              </a:rPr>
+              <a:t>ID Routing</a:t>
+            </a:r>
+            <a:endParaRPr lang="de-DE" altLang="en-US" dirty="0">
+              <a:latin typeface="Calibri" charset="0"/>
+            </a:endParaRPr>
+          </a:p>
+          <a:p>
+            <a:pPr marL="285750" indent="-285750">
+              <a:buFont typeface="Arial" panose="02080604020202020204" pitchFamily="34" charset="0"/>
+              <a:buChar char="•"/>
+            </a:pPr>
+            <a:r>
+              <a:rPr lang="de-DE" altLang="en-US" dirty="0">
+                <a:latin typeface="Calibri" charset="0"/>
+              </a:rPr>
+              <a:t>Wird verwendet für Konfigurationsanfragen</a:t>
+            </a:r>
+            <a:endParaRPr lang="de-DE" altLang="en-US" dirty="0">
+              <a:latin typeface="Calibri" charset="0"/>
+            </a:endParaRPr>
+          </a:p>
+        </p:txBody>
+      </p:sp>
+      <p:pic>
+        <p:nvPicPr>
+          <p:cNvPr id="5" name="Picture Placeholder 4" descr="/home/dinera/Dokumente/Studium/Digitale Signalverarbeitung/layer_tranaction.pnglayer_tranaction"/>
+          <p:cNvPicPr>
+            <a:picLocks noGrp="true" noChangeAspect="true"/>
+          </p:cNvPicPr>
+          <p:nvPr>
+            <p:ph type="pic" idx="1"/>
+          </p:nvPr>
+        </p:nvPicPr>
+        <p:blipFill>
+          <a:blip r:embed="rId1"/>
+          <a:srcRect/>
+          <a:stretch>
+            <a:fillRect/>
+          </a:stretch>
+        </p:blipFill>
+        <p:spPr>
+          <a:xfrm>
+            <a:off x="6894195" y="864235"/>
+            <a:ext cx="5127625" cy="2232025"/>
+          </a:xfrm>
+          <a:prstGeom prst="rect">
+            <a:avLst/>
+          </a:prstGeom>
+        </p:spPr>
+      </p:pic>
+      <p:pic>
+        <p:nvPicPr>
+          <p:cNvPr id="9" name="Grafik 8"/>
+          <p:cNvPicPr>
+            <a:picLocks noChangeAspect="true"/>
+          </p:cNvPicPr>
+          <p:nvPr/>
+        </p:nvPicPr>
+        <p:blipFill>
+          <a:blip r:embed="rId2"/>
+          <a:stretch>
+            <a:fillRect/>
+          </a:stretch>
+        </p:blipFill>
+        <p:spPr>
+          <a:xfrm>
+            <a:off x="839788" y="2978990"/>
+            <a:ext cx="4223918" cy="1581262"/>
+          </a:xfrm>
+          <a:prstGeom prst="rect">
+            <a:avLst/>
+          </a:prstGeom>
+        </p:spPr>
+      </p:pic>
+      <p:pic>
+        <p:nvPicPr>
+          <p:cNvPr id="10" name="Grafik 9"/>
+          <p:cNvPicPr>
+            <a:picLocks noChangeAspect="true"/>
+          </p:cNvPicPr>
+          <p:nvPr/>
+        </p:nvPicPr>
+        <p:blipFill>
+          <a:blip r:embed="rId3"/>
+          <a:stretch>
+            <a:fillRect/>
+          </a:stretch>
+        </p:blipFill>
+        <p:spPr>
+          <a:xfrm>
+            <a:off x="839788" y="4729799"/>
+            <a:ext cx="4223918" cy="1454988"/>
+          </a:xfrm>
+          <a:prstGeom prst="rect">
+            <a:avLst/>
+          </a:prstGeom>
+        </p:spPr>
+      </p:pic>
+      <p:grpSp>
+        <p:nvGrpSpPr>
+          <p:cNvPr id="6" name="Gruppieren 6"/>
+          <p:cNvGrpSpPr/>
+          <p:nvPr/>
+        </p:nvGrpSpPr>
+        <p:grpSpPr>
+          <a:xfrm>
+            <a:off x="5944870" y="3317875"/>
+            <a:ext cx="6076950" cy="2867025"/>
+            <a:chOff x="5944870" y="3126740"/>
+            <a:chExt cx="6076950" cy="2867025"/>
+          </a:xfrm>
+        </p:grpSpPr>
+        <p:pic>
+          <p:nvPicPr>
+            <p:cNvPr id="11" name="Grafik 2"/>
+            <p:cNvPicPr>
+              <a:picLocks noChangeAspect="true"/>
+            </p:cNvPicPr>
+            <p:nvPr/>
+          </p:nvPicPr>
+          <p:blipFill>
+            <a:blip r:embed="rId4"/>
+            <a:stretch>
+              <a:fillRect/>
+            </a:stretch>
+          </p:blipFill>
+          <p:spPr>
+            <a:xfrm>
+              <a:off x="5944870" y="3126740"/>
+              <a:ext cx="6076950" cy="2867025"/>
+            </a:xfrm>
+            <a:prstGeom prst="rect">
+              <a:avLst/>
+            </a:prstGeom>
+          </p:spPr>
+        </p:pic>
+        <p:sp>
+          <p:nvSpPr>
+            <p:cNvPr id="12" name="Rechteck 3"/>
+            <p:cNvSpPr/>
+            <p:nvPr/>
+          </p:nvSpPr>
+          <p:spPr>
+            <a:xfrm>
+              <a:off x="6763109" y="5193102"/>
+              <a:ext cx="4994695" cy="258790"/>
+            </a:xfrm>
+            <a:prstGeom prst="rect">
+              <a:avLst/>
+            </a:prstGeom>
+            <a:noFill/>
+            <a:ln w="19050">
+              <a:solidFill>
+                <a:srgbClr val="FF0000"/>
+              </a:solidFill>
+            </a:ln>
+          </p:spPr>
+          <p:style>
+            <a:lnRef idx="2">
+              <a:schemeClr val="accent1">
+                <a:shade val="50000"/>
+              </a:schemeClr>
+            </a:lnRef>
+            <a:fillRef idx="1">
+              <a:schemeClr val="accent1"/>
+            </a:fillRef>
+            <a:effectRef idx="0">
+              <a:schemeClr val="accent1"/>
+            </a:effectRef>
+            <a:fontRef idx="minor">
+              <a:schemeClr val="lt1"/>
+            </a:fontRef>
+          </p:style>
+          <p:txBody>
+            <a:bodyPr rtlCol="0" anchor="ctr"/>
+            <a:p>
+              <a:pPr algn="ctr"/>
+              <a:endParaRPr lang="de-DE"/>
+            </a:p>
+          </p:txBody>
+        </p:sp>
+      </p:grpSp>
+    </p:spTree>
+  </p:cSld>
+  <p:clrMapOvr>
+    <a:masterClrMapping/>
+  </p:clrMapOvr>
+</p:sld>
+</file>
+
+<file path=ppt/slides/slide21.xml><?xml version="1.0" encoding="utf-8"?>
+<p:sld xmlns:a="http://schemas.openxmlformats.org/drawingml/2006/main" xmlns:r="http://schemas.openxmlformats.org/officeDocument/2006/relationships" xmlns:p="http://schemas.openxmlformats.org/presentationml/2006/main" showMasterSp="0">
+  <p:cSld>
+    <p:bg>
+      <p:bgPr>
+        <a:blipFill rotWithShape="true">
+          <a:blip r:embed="rId1"/>
+          <a:stretch>
+            <a:fillRect/>
+          </a:stretch>
+        </a:blipFill>
+        <a:effectLst/>
+      </p:bgPr>
+    </p:bg>
+    <p:spTree>
+      <p:nvGrpSpPr>
+        <p:cNvPr id="1" name=""/>
+        <p:cNvGrpSpPr/>
+        <p:nvPr/>
+      </p:nvGrpSpPr>
+      <p:grpSpPr/>
+      <p:sp>
+        <p:nvSpPr>
+          <p:cNvPr id="2" name="Title 1"/>
+          <p:cNvSpPr>
+            <a:spLocks noGrp="true"/>
+          </p:cNvSpPr>
+          <p:nvPr>
+            <p:ph type="title"/>
+          </p:nvPr>
+        </p:nvSpPr>
+        <p:spPr/>
+        <p:txBody>
+          <a:bodyPr/>
+          <a:p>
+            <a:pPr marL="0" indent="0" algn="l"/>
+            <a:r>
+              <a:rPr lang="de-DE" altLang="en-US">
+                <a:solidFill>
+                  <a:schemeClr val="tx1"/>
+                </a:solidFill>
+                <a:latin typeface="Calibri" charset="0"/>
+              </a:rPr>
+              <a:t>Quellen</a:t>
+            </a:r>
+            <a:endParaRPr lang="de-DE" altLang="en-US">
+              <a:solidFill>
+                <a:schemeClr val="tx1"/>
+              </a:solidFill>
+              <a:latin typeface="Calibri" charset="0"/>
+            </a:endParaRPr>
+          </a:p>
+        </p:txBody>
+      </p:sp>
+      <p:sp>
+        <p:nvSpPr>
+          <p:cNvPr id="3" name="Content Placeholder 2"/>
+          <p:cNvSpPr>
+            <a:spLocks noGrp="true"/>
+          </p:cNvSpPr>
+          <p:nvPr>
+            <p:ph idx="1"/>
+          </p:nvPr>
+        </p:nvSpPr>
+        <p:spPr/>
+        <p:txBody>
+          <a:bodyPr/>
+          <a:p>
+            <a:r>
+              <a:rPr lang="en-US"/>
+              <a:t>PCIe BUS: A State-of-the-Art-Review (2017) | IOSR Journals | http://www.iosrjournals.org/ | DOI: 10.9790/4200-0704012428</a:t>
+            </a:r>
+            <a:endParaRPr lang="en-US"/>
+          </a:p>
+          <a:p>
+            <a:r>
+              <a:rPr lang="en-US"/>
+              <a:t>PCI Express Base Specification Rev. 2.0 (2006) | PCI-SIG | https://pcisig.com </a:t>
+            </a:r>
+            <a:endParaRPr lang="en-US"/>
+          </a:p>
+        </p:txBody>
+      </p:sp>
+      <p:sp>
+        <p:nvSpPr>
+          <p:cNvPr id="4" name="Footer Placeholder 3"/>
           <p:cNvSpPr>
             <a:spLocks noGrp="true"/>
           </p:cNvSpPr>
@@ -9577,8 +11748,8 @@
         </p:blipFill>
         <p:spPr>
           <a:xfrm>
-            <a:off x="5410200" y="1417955"/>
-            <a:ext cx="6172200" cy="3486150"/>
+            <a:off x="6687820" y="960755"/>
+            <a:ext cx="4159250" cy="2349500"/>
           </a:xfrm>
           <a:prstGeom prst="rect">
             <a:avLst/>
@@ -9587,6 +11758,30 @@
           <a:ln w="9525">
             <a:noFill/>
           </a:ln>
+        </p:spPr>
+      </p:pic>
+      <p:pic>
+        <p:nvPicPr>
+          <p:cNvPr id="6" name="Picture 5"/>
+          <p:cNvPicPr>
+            <a:picLocks noChangeAspect="true"/>
+          </p:cNvPicPr>
+          <p:nvPr/>
+        </p:nvPicPr>
+        <p:blipFill>
+          <a:blip r:embed="rId3"/>
+          <a:stretch>
+            <a:fillRect/>
+          </a:stretch>
+        </p:blipFill>
+        <p:spPr>
+          <a:xfrm>
+            <a:off x="6745605" y="3309620"/>
+            <a:ext cx="4307840" cy="2868295"/>
+          </a:xfrm>
+          <a:prstGeom prst="rect">
+            <a:avLst/>
+          </a:prstGeom>
         </p:spPr>
       </p:pic>
     </p:spTree>

--- a/PCI Express_2.pptx
+++ b/PCI Express_2.pptx
@@ -30,7 +30,7 @@
     <p:sldId id="306" r:id="rId20"/>
     <p:sldId id="307" r:id="rId21"/>
     <p:sldId id="310" r:id="rId22"/>
-    <p:sldId id="308" r:id="rId23"/>
+    <p:sldId id="311" r:id="rId23"/>
     <p:sldId id="258" r:id="rId24"/>
   </p:sldIdLst>
   <p:sldSz cx="12192000" cy="6858000"/>
@@ -1175,20 +1175,11 @@
         <p:cNvGrpSpPr/>
         <p:nvPr/>
       </p:nvGrpSpPr>
-      <p:grpSpPr>
-        <a:xfrm>
-          <a:off x="0" y="0"/>
-          <a:ext cx="0" cy="0"/>
-          <a:chOff x="0" y="0"/>
-          <a:chExt cx="0" cy="0"/>
-        </a:xfrm>
-      </p:grpSpPr>
+      <p:grpSpPr/>
       <p:sp>
         <p:nvSpPr>
           <p:cNvPr id="2" name="Slide Image Placeholder 1"/>
-          <p:cNvSpPr>
-            <a:spLocks noGrp="true" noRot="true" noChangeAspect="true"/>
-          </p:cNvSpPr>
+          <p:cNvSpPr/>
           <p:nvPr>
             <p:ph type="sldImg" idx="2"/>
           </p:nvPr>
@@ -1198,9 +1189,7 @@
       <p:sp>
         <p:nvSpPr>
           <p:cNvPr id="3" name="Text Placeholder 2"/>
-          <p:cNvSpPr>
-            <a:spLocks noGrp="true"/>
-          </p:cNvSpPr>
+          <p:cNvSpPr/>
           <p:nvPr>
             <p:ph type="body" idx="3"/>
           </p:nvPr>
@@ -1208,9 +1197,8 @@
         <p:spPr/>
         <p:txBody>
           <a:bodyPr/>
-          <a:lstStyle/>
-          <a:p>
-            <a:endParaRPr lang="en-US" dirty="0"/>
+          <a:p>
+            <a:endParaRPr lang="en-US"/>
           </a:p>
         </p:txBody>
       </p:sp>
@@ -4655,7 +4643,7 @@
                 <a:latin typeface="Calibri" charset="0"/>
                 <a:sym typeface="+mn-ea"/>
               </a:rPr>
-              <a:t>3. PCIe Switch</a:t>
+              <a:t>3 PCIe Switch</a:t>
             </a:r>
             <a:endParaRPr lang="de-DE" altLang="en-US" sz="2800">
               <a:solidFill>
@@ -4760,28 +4748,6 @@
             <a:endParaRPr lang="de-DE" altLang="en-US" sz="1420">
               <a:latin typeface="Calibri" charset="0"/>
             </a:endParaRPr>
-          </a:p>
-        </p:txBody>
-      </p:sp>
-      <p:sp>
-        <p:nvSpPr>
-          <p:cNvPr id="3" name="Footer Placeholder 2"/>
-          <p:cNvSpPr>
-            <a:spLocks noGrp="true"/>
-          </p:cNvSpPr>
-          <p:nvPr>
-            <p:ph type="ftr" sz="quarter" idx="11"/>
-          </p:nvPr>
-        </p:nvSpPr>
-        <p:spPr/>
-        <p:txBody>
-          <a:bodyPr/>
-          <a:p>
-            <a:r>
-              <a:rPr lang="zh-CN" altLang="en-US"/>
-              <a:t>Fakultät Elektrotechnik - ELT04760 Digitale Signalverarbeitung - &lt;Namen einfügen&gt;</a:t>
-            </a:r>
-            <a:endParaRPr lang="zh-CN" altLang="en-US"/>
           </a:p>
         </p:txBody>
       </p:sp>
@@ -4814,6 +4780,34 @@
           </a:ln>
         </p:spPr>
       </p:pic>
+      <p:sp>
+        <p:nvSpPr>
+          <p:cNvPr id="6" name="Footer Placeholder 5"/>
+          <p:cNvSpPr>
+            <a:spLocks noGrp="true"/>
+          </p:cNvSpPr>
+          <p:nvPr>
+            <p:ph type="ftr" sz="quarter" idx="11"/>
+          </p:nvPr>
+        </p:nvSpPr>
+        <p:spPr>
+          <a:xfrm>
+            <a:off x="-3810" y="6507480"/>
+            <a:ext cx="12186285" cy="339725"/>
+          </a:xfrm>
+        </p:spPr>
+        <p:txBody>
+          <a:bodyPr/>
+          <a:p>
+            <a:pPr algn="l"/>
+            <a:r>
+              <a:rPr lang="zh-CN" altLang="en-US"/>
+              <a:t>Fakultät Elektrotechnik - ELT04760 Digitale Signalverarbeitung - Xiaolin Liu, Xinrui Zhao, Alexander Päßler und Justus Weinhold</a:t>
+            </a:r>
+            <a:endParaRPr lang="zh-CN" altLang="en-US"/>
+          </a:p>
+        </p:txBody>
+      </p:sp>
     </p:spTree>
   </p:cSld>
   <p:clrMapOvr>
@@ -4922,28 +4916,6 @@
             <a:endParaRPr lang="de-DE" altLang="en-US" sz="1420">
               <a:latin typeface="Calibri" charset="0"/>
             </a:endParaRPr>
-          </a:p>
-        </p:txBody>
-      </p:sp>
-      <p:sp>
-        <p:nvSpPr>
-          <p:cNvPr id="3" name="Footer Placeholder 2"/>
-          <p:cNvSpPr>
-            <a:spLocks noGrp="true"/>
-          </p:cNvSpPr>
-          <p:nvPr>
-            <p:ph type="ftr" sz="quarter" idx="11"/>
-          </p:nvPr>
-        </p:nvSpPr>
-        <p:spPr/>
-        <p:txBody>
-          <a:bodyPr/>
-          <a:p>
-            <a:r>
-              <a:rPr lang="zh-CN" altLang="en-US"/>
-              <a:t>Fakultät Elektrotechnik - ELT04760 Digitale Signalverarbeitung - &lt;Namen einfügen&gt;</a:t>
-            </a:r>
-            <a:endParaRPr lang="zh-CN" altLang="en-US"/>
           </a:p>
         </p:txBody>
       </p:sp>
@@ -5000,6 +4972,34 @@
           </a:ln>
         </p:spPr>
       </p:pic>
+      <p:sp>
+        <p:nvSpPr>
+          <p:cNvPr id="7" name="Footer Placeholder 6"/>
+          <p:cNvSpPr>
+            <a:spLocks noGrp="true"/>
+          </p:cNvSpPr>
+          <p:nvPr>
+            <p:ph type="ftr" sz="quarter" idx="11"/>
+          </p:nvPr>
+        </p:nvSpPr>
+        <p:spPr>
+          <a:xfrm>
+            <a:off x="-3810" y="6507480"/>
+            <a:ext cx="12186285" cy="339725"/>
+          </a:xfrm>
+        </p:spPr>
+        <p:txBody>
+          <a:bodyPr/>
+          <a:p>
+            <a:pPr algn="l"/>
+            <a:r>
+              <a:rPr lang="zh-CN" altLang="en-US"/>
+              <a:t>Fakultät Elektrotechnik - ELT04760 Digitale Signalverarbeitung - Xiaolin Liu, Xinrui Zhao, Alexander Päßler und Justus Weinhold</a:t>
+            </a:r>
+            <a:endParaRPr lang="zh-CN" altLang="en-US"/>
+          </a:p>
+        </p:txBody>
+      </p:sp>
     </p:spTree>
   </p:cSld>
   <p:clrMapOvr>
@@ -5289,28 +5289,6 @@
           </a:p>
         </p:txBody>
       </p:sp>
-      <p:sp>
-        <p:nvSpPr>
-          <p:cNvPr id="3" name="Footer Placeholder 2"/>
-          <p:cNvSpPr>
-            <a:spLocks noGrp="true"/>
-          </p:cNvSpPr>
-          <p:nvPr>
-            <p:ph type="ftr" sz="quarter" idx="11"/>
-          </p:nvPr>
-        </p:nvSpPr>
-        <p:spPr/>
-        <p:txBody>
-          <a:bodyPr/>
-          <a:p>
-            <a:r>
-              <a:rPr lang="zh-CN" altLang="en-US"/>
-              <a:t>Fakultät Elektrotechnik - ELT04760 Digitale Signalverarbeitung - &lt;Namen einfügen&gt;</a:t>
-            </a:r>
-            <a:endParaRPr lang="zh-CN" altLang="en-US"/>
-          </a:p>
-        </p:txBody>
-      </p:sp>
       <p:pic>
         <p:nvPicPr>
           <p:cNvPr id="4" name="Picture Placeholder 4" descr="/home/dinera/Dokumente/Studium/Digitale Signalverarbeitung/layer_physical.pnglayer_physical"/>
@@ -5479,6 +5457,34 @@
           </a:p>
         </p:txBody>
       </p:sp>
+      <p:sp>
+        <p:nvSpPr>
+          <p:cNvPr id="9" name="Footer Placeholder 8"/>
+          <p:cNvSpPr>
+            <a:spLocks noGrp="true"/>
+          </p:cNvSpPr>
+          <p:nvPr>
+            <p:ph type="ftr" sz="quarter" idx="11"/>
+          </p:nvPr>
+        </p:nvSpPr>
+        <p:spPr>
+          <a:xfrm>
+            <a:off x="-3810" y="6507480"/>
+            <a:ext cx="12186285" cy="339725"/>
+          </a:xfrm>
+        </p:spPr>
+        <p:txBody>
+          <a:bodyPr/>
+          <a:p>
+            <a:pPr algn="l"/>
+            <a:r>
+              <a:rPr lang="zh-CN" altLang="en-US"/>
+              <a:t>Fakultät Elektrotechnik - ELT04760 Digitale Signalverarbeitung - Xiaolin Liu, Xinrui Zhao, Alexander Päßler und Justus Weinhold</a:t>
+            </a:r>
+            <a:endParaRPr lang="zh-CN" altLang="en-US"/>
+          </a:p>
+        </p:txBody>
+      </p:sp>
     </p:spTree>
   </p:cSld>
   <p:clrMapOvr>
@@ -5749,28 +5755,6 @@
               <a:latin typeface="Calibri" charset="0"/>
               <a:sym typeface="+mn-ea"/>
             </a:endParaRPr>
-          </a:p>
-        </p:txBody>
-      </p:sp>
-      <p:sp>
-        <p:nvSpPr>
-          <p:cNvPr id="3" name="Footer Placeholder 2"/>
-          <p:cNvSpPr>
-            <a:spLocks noGrp="true"/>
-          </p:cNvSpPr>
-          <p:nvPr>
-            <p:ph type="ftr" sz="quarter" idx="11"/>
-          </p:nvPr>
-        </p:nvSpPr>
-        <p:spPr/>
-        <p:txBody>
-          <a:bodyPr/>
-          <a:p>
-            <a:r>
-              <a:rPr lang="zh-CN" altLang="en-US"/>
-              <a:t>Fakultät Elektrotechnik - ELT04760 Digitale Signalverarbeitung - &lt;Namen einfügen&gt;</a:t>
-            </a:r>
-            <a:endParaRPr lang="zh-CN" altLang="en-US"/>
           </a:p>
         </p:txBody>
       </p:sp>
@@ -6598,6 +6582,34 @@
           </a:p>
         </p:txBody>
       </p:sp>
+      <p:sp>
+        <p:nvSpPr>
+          <p:cNvPr id="11" name="Footer Placeholder 10"/>
+          <p:cNvSpPr>
+            <a:spLocks noGrp="true"/>
+          </p:cNvSpPr>
+          <p:nvPr>
+            <p:ph type="ftr" sz="quarter" idx="11"/>
+          </p:nvPr>
+        </p:nvSpPr>
+        <p:spPr>
+          <a:xfrm>
+            <a:off x="-3810" y="6507480"/>
+            <a:ext cx="12186285" cy="339725"/>
+          </a:xfrm>
+        </p:spPr>
+        <p:txBody>
+          <a:bodyPr/>
+          <a:p>
+            <a:pPr algn="l"/>
+            <a:r>
+              <a:rPr lang="zh-CN" altLang="en-US"/>
+              <a:t>Fakultät Elektrotechnik - ELT04760 Digitale Signalverarbeitung - Xiaolin Liu, Xinrui Zhao, Alexander Päßler und Justus Weinhold</a:t>
+            </a:r>
+            <a:endParaRPr lang="zh-CN" altLang="en-US"/>
+          </a:p>
+        </p:txBody>
+      </p:sp>
     </p:spTree>
   </p:cSld>
   <p:clrMapOvr>
@@ -6923,28 +6935,6 @@
           </a:p>
         </p:txBody>
       </p:sp>
-      <p:sp>
-        <p:nvSpPr>
-          <p:cNvPr id="3" name="Footer Placeholder 2"/>
-          <p:cNvSpPr>
-            <a:spLocks noGrp="true"/>
-          </p:cNvSpPr>
-          <p:nvPr>
-            <p:ph type="ftr" sz="quarter" idx="11"/>
-          </p:nvPr>
-        </p:nvSpPr>
-        <p:spPr/>
-        <p:txBody>
-          <a:bodyPr/>
-          <a:p>
-            <a:r>
-              <a:rPr lang="zh-CN" altLang="en-US"/>
-              <a:t>Fakultät Elektrotechnik - ELT04760 Digitale Signalverarbeitung - &lt;Namen einfügen&gt;</a:t>
-            </a:r>
-            <a:endParaRPr lang="zh-CN" altLang="en-US"/>
-          </a:p>
-        </p:txBody>
-      </p:sp>
       <p:pic>
         <p:nvPicPr>
           <p:cNvPr id="5" name="Picture Placeholder 4" descr="/home/dinera/Dokumente/Studium/Digitale Signalverarbeitung/layer_datalink.pnglayer_datalink"/>
@@ -7162,6 +7152,34 @@
           </a:p>
         </p:txBody>
       </p:sp>
+      <p:sp>
+        <p:nvSpPr>
+          <p:cNvPr id="9" name="Footer Placeholder 8"/>
+          <p:cNvSpPr>
+            <a:spLocks noGrp="true"/>
+          </p:cNvSpPr>
+          <p:nvPr>
+            <p:ph type="ftr" sz="quarter" idx="11"/>
+          </p:nvPr>
+        </p:nvSpPr>
+        <p:spPr>
+          <a:xfrm>
+            <a:off x="-3810" y="6507480"/>
+            <a:ext cx="12186285" cy="339725"/>
+          </a:xfrm>
+        </p:spPr>
+        <p:txBody>
+          <a:bodyPr/>
+          <a:p>
+            <a:pPr algn="l"/>
+            <a:r>
+              <a:rPr lang="zh-CN" altLang="en-US"/>
+              <a:t>Fakultät Elektrotechnik - ELT04760 Digitale Signalverarbeitung - Xiaolin Liu, Xinrui Zhao, Alexander Päßler und Justus Weinhold</a:t>
+            </a:r>
+            <a:endParaRPr lang="zh-CN" altLang="en-US"/>
+          </a:p>
+        </p:txBody>
+      </p:sp>
     </p:spTree>
   </p:cSld>
   <p:clrMapOvr>
@@ -7447,28 +7465,6 @@
       </p:sp>
       <p:sp>
         <p:nvSpPr>
-          <p:cNvPr id="3" name="Footer Placeholder 2"/>
-          <p:cNvSpPr>
-            <a:spLocks noGrp="true"/>
-          </p:cNvSpPr>
-          <p:nvPr>
-            <p:ph type="ftr" sz="quarter" idx="11"/>
-          </p:nvPr>
-        </p:nvSpPr>
-        <p:spPr/>
-        <p:txBody>
-          <a:bodyPr/>
-          <a:p>
-            <a:r>
-              <a:rPr lang="zh-CN" altLang="en-US"/>
-              <a:t>Fakultät Elektrotechnik - ELT04760 Digitale Signalverarbeitung - &lt;Namen einfügen&gt;</a:t>
-            </a:r>
-            <a:endParaRPr lang="zh-CN" altLang="en-US"/>
-          </a:p>
-        </p:txBody>
-      </p:sp>
-      <p:sp>
-        <p:nvSpPr>
           <p:cNvPr id="4" name="Text Box 3"/>
           <p:cNvSpPr txBox="true"/>
           <p:nvPr/>
@@ -7626,6 +7622,34 @@
           </a:ln>
         </p:spPr>
       </p:pic>
+      <p:sp>
+        <p:nvSpPr>
+          <p:cNvPr id="9" name="Footer Placeholder 8"/>
+          <p:cNvSpPr>
+            <a:spLocks noGrp="true"/>
+          </p:cNvSpPr>
+          <p:nvPr>
+            <p:ph type="ftr" sz="quarter" idx="11"/>
+          </p:nvPr>
+        </p:nvSpPr>
+        <p:spPr>
+          <a:xfrm>
+            <a:off x="-3810" y="6507480"/>
+            <a:ext cx="12186285" cy="339725"/>
+          </a:xfrm>
+        </p:spPr>
+        <p:txBody>
+          <a:bodyPr/>
+          <a:p>
+            <a:pPr algn="l"/>
+            <a:r>
+              <a:rPr lang="zh-CN" altLang="en-US"/>
+              <a:t>Fakultät Elektrotechnik - ELT04760 Digitale Signalverarbeitung - Xiaolin Liu, Xinrui Zhao, Alexander Päßler und Justus Weinhold</a:t>
+            </a:r>
+            <a:endParaRPr lang="zh-CN" altLang="en-US"/>
+          </a:p>
+        </p:txBody>
+      </p:sp>
     </p:spTree>
   </p:cSld>
   <p:clrMapOvr>
@@ -7970,28 +7994,6 @@
               <a:latin typeface="Calibri" charset="0"/>
               <a:sym typeface="+mn-ea"/>
             </a:endParaRPr>
-          </a:p>
-        </p:txBody>
-      </p:sp>
-      <p:sp>
-        <p:nvSpPr>
-          <p:cNvPr id="3" name="Footer Placeholder 2"/>
-          <p:cNvSpPr>
-            <a:spLocks noGrp="true"/>
-          </p:cNvSpPr>
-          <p:nvPr>
-            <p:ph type="ftr" sz="quarter" idx="11"/>
-          </p:nvPr>
-        </p:nvSpPr>
-        <p:spPr/>
-        <p:txBody>
-          <a:bodyPr/>
-          <a:p>
-            <a:r>
-              <a:rPr lang="zh-CN" altLang="en-US"/>
-              <a:t>Fakultät Elektrotechnik - ELT04760 Digitale Signalverarbeitung - &lt;Namen einfügen&gt;</a:t>
-            </a:r>
-            <a:endParaRPr lang="zh-CN" altLang="en-US"/>
           </a:p>
         </p:txBody>
       </p:sp>
@@ -8132,6 +8134,34 @@
           </a:prstGeom>
         </p:spPr>
       </p:pic>
+      <p:sp>
+        <p:nvSpPr>
+          <p:cNvPr id="11" name="Footer Placeholder 10"/>
+          <p:cNvSpPr>
+            <a:spLocks noGrp="true"/>
+          </p:cNvSpPr>
+          <p:nvPr>
+            <p:ph type="ftr" sz="quarter" idx="11"/>
+          </p:nvPr>
+        </p:nvSpPr>
+        <p:spPr>
+          <a:xfrm>
+            <a:off x="-3810" y="6507480"/>
+            <a:ext cx="12186285" cy="339725"/>
+          </a:xfrm>
+        </p:spPr>
+        <p:txBody>
+          <a:bodyPr/>
+          <a:p>
+            <a:pPr algn="l"/>
+            <a:r>
+              <a:rPr lang="zh-CN" altLang="en-US"/>
+              <a:t>Fakultät Elektrotechnik - ELT04760 Digitale Signalverarbeitung - Xiaolin Liu, Xinrui Zhao, Alexander Päßler und Justus Weinhold</a:t>
+            </a:r>
+            <a:endParaRPr lang="zh-CN" altLang="en-US"/>
+          </a:p>
+        </p:txBody>
+      </p:sp>
     </p:spTree>
   </p:cSld>
   <p:clrMapOvr>
@@ -8351,28 +8381,6 @@
               <a:latin typeface="Calibri" charset="0"/>
               <a:sym typeface="+mn-ea"/>
             </a:endParaRPr>
-          </a:p>
-        </p:txBody>
-      </p:sp>
-      <p:sp>
-        <p:nvSpPr>
-          <p:cNvPr id="3" name="Footer Placeholder 2"/>
-          <p:cNvSpPr>
-            <a:spLocks noGrp="true"/>
-          </p:cNvSpPr>
-          <p:nvPr>
-            <p:ph type="ftr" sz="quarter" idx="11"/>
-          </p:nvPr>
-        </p:nvSpPr>
-        <p:spPr/>
-        <p:txBody>
-          <a:bodyPr/>
-          <a:p>
-            <a:r>
-              <a:rPr lang="zh-CN" altLang="en-US"/>
-              <a:t>Fakultät Elektrotechnik - ELT04760 Digitale Signalverarbeitung - &lt;Namen einfügen&gt;</a:t>
-            </a:r>
-            <a:endParaRPr lang="zh-CN" altLang="en-US"/>
           </a:p>
         </p:txBody>
       </p:sp>
@@ -8537,6 +8545,34 @@
           </a:prstGeom>
         </p:spPr>
       </p:pic>
+      <p:sp>
+        <p:nvSpPr>
+          <p:cNvPr id="14" name="Footer Placeholder 13"/>
+          <p:cNvSpPr>
+            <a:spLocks noGrp="true"/>
+          </p:cNvSpPr>
+          <p:nvPr>
+            <p:ph type="ftr" sz="quarter" idx="11"/>
+          </p:nvPr>
+        </p:nvSpPr>
+        <p:spPr>
+          <a:xfrm>
+            <a:off x="-3810" y="6507480"/>
+            <a:ext cx="12186285" cy="339725"/>
+          </a:xfrm>
+        </p:spPr>
+        <p:txBody>
+          <a:bodyPr/>
+          <a:p>
+            <a:pPr algn="l"/>
+            <a:r>
+              <a:rPr lang="zh-CN" altLang="en-US"/>
+              <a:t>Fakultät Elektrotechnik - ELT04760 Digitale Signalverarbeitung - Xiaolin Liu, Xinrui Zhao, Alexander Päßler und Justus Weinhold</a:t>
+            </a:r>
+            <a:endParaRPr lang="zh-CN" altLang="en-US"/>
+          </a:p>
+        </p:txBody>
+      </p:sp>
     </p:spTree>
   </p:cSld>
   <p:clrMapOvr>
@@ -8719,28 +8755,6 @@
               <a:latin typeface="Calibri" charset="0"/>
               <a:sym typeface="+mn-ea"/>
             </a:endParaRPr>
-          </a:p>
-        </p:txBody>
-      </p:sp>
-      <p:sp>
-        <p:nvSpPr>
-          <p:cNvPr id="3" name="Footer Placeholder 2"/>
-          <p:cNvSpPr>
-            <a:spLocks noGrp="true"/>
-          </p:cNvSpPr>
-          <p:nvPr>
-            <p:ph type="ftr" sz="quarter" idx="11"/>
-          </p:nvPr>
-        </p:nvSpPr>
-        <p:spPr/>
-        <p:txBody>
-          <a:bodyPr/>
-          <a:p>
-            <a:r>
-              <a:rPr lang="zh-CN" altLang="en-US"/>
-              <a:t>Fakultät Elektrotechnik - ELT04760 Digitale Signalverarbeitung - &lt;Namen einfügen&gt;</a:t>
-            </a:r>
-            <a:endParaRPr lang="zh-CN" altLang="en-US"/>
           </a:p>
         </p:txBody>
       </p:sp>
@@ -8905,6 +8919,34 @@
           </a:prstGeom>
         </p:spPr>
       </p:pic>
+      <p:sp>
+        <p:nvSpPr>
+          <p:cNvPr id="15" name="Footer Placeholder 14"/>
+          <p:cNvSpPr>
+            <a:spLocks noGrp="true"/>
+          </p:cNvSpPr>
+          <p:nvPr>
+            <p:ph type="ftr" sz="quarter" idx="11"/>
+          </p:nvPr>
+        </p:nvSpPr>
+        <p:spPr>
+          <a:xfrm>
+            <a:off x="-3810" y="6507480"/>
+            <a:ext cx="12186285" cy="339725"/>
+          </a:xfrm>
+        </p:spPr>
+        <p:txBody>
+          <a:bodyPr/>
+          <a:p>
+            <a:pPr algn="l"/>
+            <a:r>
+              <a:rPr lang="zh-CN" altLang="en-US"/>
+              <a:t>Fakultät Elektrotechnik - ELT04760 Digitale Signalverarbeitung - Xiaolin Liu, Xinrui Zhao, Alexander Päßler und Justus Weinhold</a:t>
+            </a:r>
+            <a:endParaRPr lang="zh-CN" altLang="en-US"/>
+          </a:p>
+        </p:txBody>
+      </p:sp>
     </p:spTree>
   </p:cSld>
   <p:clrMapOvr>
@@ -9122,28 +9164,6 @@
               <a:latin typeface="Calibri" charset="0"/>
               <a:sym typeface="+mn-ea"/>
             </a:endParaRPr>
-          </a:p>
-        </p:txBody>
-      </p:sp>
-      <p:sp>
-        <p:nvSpPr>
-          <p:cNvPr id="3" name="Footer Placeholder 2"/>
-          <p:cNvSpPr>
-            <a:spLocks noGrp="true"/>
-          </p:cNvSpPr>
-          <p:nvPr>
-            <p:ph type="ftr" sz="quarter" idx="11"/>
-          </p:nvPr>
-        </p:nvSpPr>
-        <p:spPr/>
-        <p:txBody>
-          <a:bodyPr/>
-          <a:p>
-            <a:r>
-              <a:rPr lang="zh-CN" altLang="en-US"/>
-              <a:t>Fakultät Elektrotechnik - ELT04760 Digitale Signalverarbeitung - &lt;Namen einfügen&gt;</a:t>
-            </a:r>
-            <a:endParaRPr lang="zh-CN" altLang="en-US"/>
           </a:p>
         </p:txBody>
       </p:sp>
@@ -9260,6 +9280,34 @@
           </p:txBody>
         </p:sp>
       </p:grpSp>
+      <p:sp>
+        <p:nvSpPr>
+          <p:cNvPr id="4" name="Footer Placeholder 3"/>
+          <p:cNvSpPr>
+            <a:spLocks noGrp="true"/>
+          </p:cNvSpPr>
+          <p:nvPr>
+            <p:ph type="ftr" sz="quarter" idx="11"/>
+          </p:nvPr>
+        </p:nvSpPr>
+        <p:spPr>
+          <a:xfrm>
+            <a:off x="-3810" y="6507480"/>
+            <a:ext cx="12186285" cy="339725"/>
+          </a:xfrm>
+        </p:spPr>
+        <p:txBody>
+          <a:bodyPr/>
+          <a:p>
+            <a:pPr algn="l"/>
+            <a:r>
+              <a:rPr lang="zh-CN" altLang="en-US"/>
+              <a:t>Fakultät Elektrotechnik - ELT04760 Digitale Signalverarbeitung - Xiaolin Liu, Xinrui Zhao, Alexander Päßler und Justus Weinhold</a:t>
+            </a:r>
+            <a:endParaRPr lang="zh-CN" altLang="en-US"/>
+          </a:p>
+        </p:txBody>
+      </p:sp>
     </p:spTree>
   </p:cSld>
   <p:clrMapOvr>
@@ -9590,13 +9638,19 @@
             <p:ph type="ftr" sz="quarter" idx="11"/>
           </p:nvPr>
         </p:nvSpPr>
-        <p:spPr/>
+        <p:spPr>
+          <a:xfrm>
+            <a:off x="-3810" y="6507480"/>
+            <a:ext cx="12186285" cy="339725"/>
+          </a:xfrm>
+        </p:spPr>
         <p:txBody>
           <a:bodyPr/>
           <a:p>
+            <a:pPr algn="l"/>
             <a:r>
               <a:rPr lang="zh-CN" altLang="en-US"/>
-              <a:t>Fakultät Elektrotechnik - ELT04760 Digitale Signalverarbeitung - &lt;Namen einfügen&gt;</a:t>
+              <a:t>Fakultät Elektrotechnik - ELT04760 Digitale Signalverarbeitung - Xiaolin Liu, Xinrui Zhao, Alexander Päßler und Justus Weinhold</a:t>
             </a:r>
             <a:endParaRPr lang="zh-CN" altLang="en-US"/>
           </a:p>
@@ -9613,20 +9667,24 @@
 <file path=ppt/slides/slide20.xml><?xml version="1.0" encoding="utf-8"?>
 <p:sld xmlns:a="http://schemas.openxmlformats.org/drawingml/2006/main" xmlns:r="http://schemas.openxmlformats.org/officeDocument/2006/relationships" xmlns:p="http://schemas.openxmlformats.org/presentationml/2006/main">
   <p:cSld>
+    <p:bg>
+      <p:bgPr>
+        <a:blipFill rotWithShape="true">
+          <a:blip r:embed="rId1"/>
+          <a:stretch>
+            <a:fillRect/>
+          </a:stretch>
+        </a:blipFill>
+        <a:effectLst/>
+      </p:bgPr>
+    </p:bg>
     <p:spTree>
       <p:nvGrpSpPr>
         <p:cNvPr id="1" name=""/>
         <p:cNvGrpSpPr/>
         <p:nvPr/>
       </p:nvGrpSpPr>
-      <p:grpSpPr>
-        <a:xfrm>
-          <a:off x="0" y="0"/>
-          <a:ext cx="0" cy="0"/>
-          <a:chOff x="0" y="0"/>
-          <a:chExt cx="0" cy="0"/>
-        </a:xfrm>
-      </p:grpSpPr>
+      <p:grpSpPr/>
       <p:sp>
         <p:nvSpPr>
           <p:cNvPr id="2" name="Title 1"/>
@@ -9637,92 +9695,105 @@
             <p:ph type="title"/>
           </p:nvPr>
         </p:nvSpPr>
+        <p:spPr/>
+        <p:txBody>
+          <a:bodyPr/>
+          <a:p>
+            <a:pPr marL="0" indent="0" algn="l"/>
+            <a:r>
+              <a:rPr lang="de-DE" altLang="zh-CN">
+                <a:sym typeface="+mn-ea"/>
+              </a:rPr>
+              <a:t>6. PCIe Protokoll</a:t>
+            </a:r>
+            <a:endParaRPr lang="de-DE" altLang="zh-CN">
+              <a:sym typeface="+mn-ea"/>
+            </a:endParaRPr>
+          </a:p>
+        </p:txBody>
+      </p:sp>
+      <p:sp>
+        <p:nvSpPr>
+          <p:cNvPr id="8" name="Content Placeholder 7"/>
+          <p:cNvSpPr>
+            <a:spLocks noGrp="true"/>
+          </p:cNvSpPr>
+          <p:nvPr>
+            <p:ph sz="half" idx="1"/>
+          </p:nvPr>
+        </p:nvSpPr>
         <p:spPr>
           <a:xfrm>
-            <a:off x="840105" y="457200"/>
-            <a:ext cx="5294630" cy="897255"/>
+            <a:off x="609600" y="1364615"/>
+            <a:ext cx="5655310" cy="5040630"/>
           </a:xfrm>
         </p:spPr>
         <p:txBody>
-          <a:bodyPr/>
-          <a:lstStyle/>
-          <a:p>
-            <a:pPr marL="0" indent="0" algn="l"/>
-            <a:r>
-              <a:rPr lang="de-DE" altLang="en-US" dirty="0">
-                <a:solidFill>
-                  <a:schemeClr val="tx1"/>
-                </a:solidFill>
-                <a:latin typeface="Calibri" charset="0"/>
-              </a:rPr>
-              <a:t>PCIe Protocol</a:t>
-            </a:r>
-            <a:br>
-              <a:rPr lang="de-DE" altLang="en-US" dirty="0">
-                <a:solidFill>
-                  <a:schemeClr val="tx1"/>
-                </a:solidFill>
-                <a:latin typeface="Calibri" charset="0"/>
-              </a:rPr>
-            </a:br>
-            <a:r>
-              <a:rPr lang="de-DE" altLang="en-US" dirty="0">
-                <a:solidFill>
-                  <a:schemeClr val="tx1"/>
-                </a:solidFill>
-                <a:latin typeface="Calibri" charset="0"/>
-              </a:rPr>
-              <a:t>3. Transaction Layer</a:t>
-            </a:r>
-            <a:endParaRPr lang="de-DE" altLang="en-US" dirty="0">
+          <a:bodyPr>
+            <a:normAutofit/>
+          </a:bodyPr>
+          <a:p>
+            <a:pPr marL="57150" indent="0" algn="l">
+              <a:lnSpc>
+                <a:spcPct val="100000"/>
+              </a:lnSpc>
+              <a:buClrTx/>
+              <a:buSzTx/>
+              <a:buFont typeface="Arial" panose="02080604020202020204" pitchFamily="34" charset="0"/>
+              <a:buNone/>
+            </a:pPr>
+            <a:r>
+              <a:rPr lang="de-DE" altLang="zh-CN" sz="2800">
+                <a:sym typeface="+mn-ea"/>
+              </a:rPr>
+              <a:t>6.3.2 Transaction Layer Protokoll</a:t>
+            </a:r>
+            <a:endParaRPr lang="de-DE" altLang="en-US" sz="2800">
               <a:solidFill>
                 <a:schemeClr val="tx1"/>
               </a:solidFill>
               <a:latin typeface="Calibri" charset="0"/>
             </a:endParaRPr>
           </a:p>
-        </p:txBody>
-      </p:sp>
-      <p:sp>
-        <p:nvSpPr>
-          <p:cNvPr id="8" name="Text Placeholder 7"/>
-          <p:cNvSpPr>
-            <a:spLocks noGrp="true"/>
-          </p:cNvSpPr>
-          <p:nvPr>
-            <p:ph type="body" sz="half" idx="2"/>
-          </p:nvPr>
-        </p:nvSpPr>
-        <p:spPr>
-          <a:xfrm>
-            <a:off x="839788" y="2057400"/>
-            <a:ext cx="3932237" cy="2757932"/>
-          </a:xfrm>
-        </p:spPr>
-        <p:txBody>
-          <a:bodyPr>
-            <a:normAutofit/>
-          </a:bodyPr>
-          <a:lstStyle/>
-          <a:p>
-            <a:r>
-              <a:rPr lang="de-DE" altLang="en-US" sz="1400" dirty="0">
-                <a:latin typeface="Calibri" charset="0"/>
+          <a:p>
+            <a:pPr marL="57150" indent="0" algn="l">
+              <a:lnSpc>
+                <a:spcPct val="100000"/>
+              </a:lnSpc>
+              <a:buClrTx/>
+              <a:buSzTx/>
+              <a:buFont typeface="Arial" panose="02080604020202020204" pitchFamily="34" charset="0"/>
+              <a:buNone/>
+            </a:pPr>
+            <a:r>
+              <a:rPr lang="de-DE" altLang="en-US" sz="1795" dirty="0">
+                <a:latin typeface="Calibri" charset="0"/>
+                <a:sym typeface="+mn-ea"/>
               </a:rPr>
               <a:t>Transaction Layer Package (TLP) Header</a:t>
             </a:r>
-            <a:endParaRPr lang="de-DE" altLang="en-US" sz="1400" dirty="0">
-              <a:latin typeface="Calibri" charset="0"/>
-            </a:endParaRPr>
-          </a:p>
-          <a:p>
-            <a:r>
-              <a:rPr lang="de-DE" altLang="en-US" dirty="0">
-                <a:latin typeface="Calibri" charset="0"/>
+            <a:endParaRPr lang="de-DE" altLang="en-US" sz="1795" dirty="0">
+              <a:latin typeface="Calibri" charset="0"/>
+            </a:endParaRPr>
+          </a:p>
+          <a:p>
+            <a:pPr marL="57150" indent="0" algn="l">
+              <a:lnSpc>
+                <a:spcPct val="100000"/>
+              </a:lnSpc>
+              <a:buClrTx/>
+              <a:buSzTx/>
+              <a:buFont typeface="Arial" panose="02080604020202020204" pitchFamily="34" charset="0"/>
+              <a:buNone/>
+            </a:pPr>
+            <a:r>
+              <a:rPr lang="de-DE" altLang="en-US" sz="1795" dirty="0">
+                <a:latin typeface="Calibri" charset="0"/>
+                <a:sym typeface="+mn-ea"/>
               </a:rPr>
               <a:t>ID Routing</a:t>
             </a:r>
-            <a:endParaRPr lang="de-DE" altLang="en-US" dirty="0">
+            <a:endParaRPr lang="de-DE" altLang="en-US" sz="1795" dirty="0">
               <a:latin typeface="Calibri" charset="0"/>
             </a:endParaRPr>
           </a:p>
@@ -9732,29 +9803,29 @@
               <a:buChar char="•"/>
             </a:pPr>
             <a:r>
-              <a:rPr lang="de-DE" altLang="en-US" dirty="0">
-                <a:latin typeface="Calibri" charset="0"/>
+              <a:rPr lang="de-DE" altLang="en-US" sz="1795" dirty="0">
+                <a:latin typeface="Calibri" charset="0"/>
+                <a:sym typeface="+mn-ea"/>
               </a:rPr>
               <a:t>Wird verwendet für Konfigurationsanfragen</a:t>
             </a:r>
-            <a:endParaRPr lang="de-DE" altLang="en-US" dirty="0">
-              <a:latin typeface="Calibri" charset="0"/>
+            <a:endParaRPr lang="de-DE" altLang="en-US" sz="1795">
+              <a:latin typeface="Calibri" charset="0"/>
+              <a:sym typeface="+mn-ea"/>
             </a:endParaRPr>
           </a:p>
         </p:txBody>
       </p:sp>
       <p:pic>
         <p:nvPicPr>
-          <p:cNvPr id="5" name="Picture Placeholder 4" descr="/home/dinera/Dokumente/Studium/Digitale Signalverarbeitung/layer_tranaction.pnglayer_tranaction"/>
+          <p:cNvPr id="7" name="Picture Placeholder 4" descr="/home/dinera/Dokumente/Studium/Digitale Signalverarbeitung/layer_tranaction.pnglayer_tranaction"/>
           <p:cNvPicPr>
-            <a:picLocks noGrp="true" noChangeAspect="true"/>
+            <a:picLocks noChangeAspect="true"/>
           </p:cNvPicPr>
-          <p:nvPr>
-            <p:ph type="pic" idx="1"/>
-          </p:nvPr>
+          <p:nvPr/>
         </p:nvPicPr>
         <p:blipFill>
-          <a:blip r:embed="rId1"/>
+          <a:blip r:embed="rId2"/>
           <a:srcRect/>
           <a:stretch>
             <a:fillRect/>
@@ -9762,24 +9833,56 @@
         </p:blipFill>
         <p:spPr>
           <a:xfrm>
-            <a:off x="6894195" y="864235"/>
-            <a:ext cx="5127625" cy="2232025"/>
+            <a:off x="6264910" y="1417955"/>
+            <a:ext cx="5222240" cy="2273300"/>
           </a:xfrm>
           <a:prstGeom prst="rect">
             <a:avLst/>
           </a:prstGeom>
+          <a:noFill/>
+          <a:ln w="9525">
+            <a:noFill/>
+          </a:ln>
         </p:spPr>
       </p:pic>
+      <p:sp>
+        <p:nvSpPr>
+          <p:cNvPr id="4" name="Footer Placeholder 3"/>
+          <p:cNvSpPr>
+            <a:spLocks noGrp="true"/>
+          </p:cNvSpPr>
+          <p:nvPr>
+            <p:ph type="ftr" sz="quarter" idx="11"/>
+          </p:nvPr>
+        </p:nvSpPr>
+        <p:spPr>
+          <a:xfrm>
+            <a:off x="-3810" y="6507480"/>
+            <a:ext cx="12186285" cy="339725"/>
+          </a:xfrm>
+        </p:spPr>
+        <p:txBody>
+          <a:bodyPr/>
+          <a:p>
+            <a:pPr algn="l"/>
+            <a:r>
+              <a:rPr lang="zh-CN" altLang="en-US"/>
+              <a:t>Fakultät Elektrotechnik - ELT04760 Digitale Signalverarbeitung - Xiaolin Liu, Xinrui Zhao, Alexander Päßler und Justus Weinhold</a:t>
+            </a:r>
+            <a:endParaRPr lang="zh-CN" altLang="en-US"/>
+          </a:p>
+        </p:txBody>
+      </p:sp>
       <p:pic>
         <p:nvPicPr>
-          <p:cNvPr id="9" name="Grafik 8"/>
+          <p:cNvPr id="3" name="Grafik 8"/>
           <p:cNvPicPr>
             <a:picLocks noChangeAspect="true"/>
           </p:cNvPicPr>
           <p:nvPr/>
         </p:nvPicPr>
         <p:blipFill>
-          <a:blip r:embed="rId2"/>
+          <a:blip r:embed="rId3"/>
           <a:stretch>
             <a:fillRect/>
           </a:stretch>
@@ -9803,7 +9906,7 @@
           <p:nvPr/>
         </p:nvPicPr>
         <p:blipFill>
-          <a:blip r:embed="rId3"/>
+          <a:blip r:embed="rId4"/>
           <a:stretch>
             <a:fillRect/>
           </a:stretch>
@@ -9820,28 +9923,28 @@
       </p:pic>
       <p:grpSp>
         <p:nvGrpSpPr>
-          <p:cNvPr id="6" name="Gruppieren 6"/>
+          <p:cNvPr id="14" name="Gruppieren 6"/>
           <p:cNvGrpSpPr/>
           <p:nvPr/>
         </p:nvGrpSpPr>
         <p:grpSpPr>
           <a:xfrm>
-            <a:off x="5944870" y="3317875"/>
-            <a:ext cx="6076950" cy="2867025"/>
+            <a:off x="6264910" y="3865245"/>
+            <a:ext cx="5222240" cy="2319655"/>
             <a:chOff x="5944870" y="3126740"/>
             <a:chExt cx="6076950" cy="2867025"/>
           </a:xfrm>
         </p:grpSpPr>
         <p:pic>
           <p:nvPicPr>
-            <p:cNvPr id="11" name="Grafik 2"/>
+            <p:cNvPr id="15" name="Grafik 2"/>
             <p:cNvPicPr>
               <a:picLocks noChangeAspect="true"/>
             </p:cNvPicPr>
             <p:nvPr/>
           </p:nvPicPr>
           <p:blipFill>
-            <a:blip r:embed="rId4"/>
+            <a:blip r:embed="rId5"/>
             <a:stretch>
               <a:fillRect/>
             </a:stretch>
@@ -9858,7 +9961,7 @@
         </p:pic>
         <p:sp>
           <p:nvSpPr>
-            <p:cNvPr id="12" name="Rechteck 3"/>
+            <p:cNvPr id="16" name="Rechteck 3"/>
             <p:cNvSpPr/>
             <p:nvPr/>
           </p:nvSpPr>
@@ -9995,7 +10098,7 @@
       </p:sp>
       <p:sp>
         <p:nvSpPr>
-          <p:cNvPr id="4" name="Footer Placeholder 3"/>
+          <p:cNvPr id="5" name="Footer Placeholder 4"/>
           <p:cNvSpPr>
             <a:spLocks noGrp="true"/>
           </p:cNvSpPr>
@@ -10003,13 +10106,19 @@
             <p:ph type="ftr" sz="quarter" idx="11"/>
           </p:nvPr>
         </p:nvSpPr>
-        <p:spPr/>
+        <p:spPr>
+          <a:xfrm>
+            <a:off x="-3810" y="6507480"/>
+            <a:ext cx="12186285" cy="339725"/>
+          </a:xfrm>
+        </p:spPr>
         <p:txBody>
           <a:bodyPr/>
           <a:p>
+            <a:pPr algn="l"/>
             <a:r>
               <a:rPr lang="zh-CN" altLang="en-US"/>
-              <a:t>Fakultät Elektrotechnik - ELT04760 Digitale Signalverarbeitung - &lt;Namen einfügen&gt;</a:t>
+              <a:t>Fakultät Elektrotechnik - ELT04760 Digitale Signalverarbeitung - Xiaolin Liu, Xinrui Zhao, Alexander Päßler und Justus Weinhold</a:t>
             </a:r>
             <a:endParaRPr lang="zh-CN" altLang="en-US"/>
           </a:p>
@@ -10105,7 +10214,7 @@
               <a:rPr lang="de-DE" altLang="zh-CN" sz="2800">
                 <a:sym typeface="+mn-ea"/>
               </a:rPr>
-              <a:t>2.1. PCI</a:t>
+              <a:t>2.1 PCI</a:t>
             </a:r>
             <a:endParaRPr lang="de-DE" altLang="en-US" sz="1900">
               <a:latin typeface="Calibri" charset="0"/>
@@ -10215,28 +10324,6 @@
             <a:endParaRPr lang="de-DE" altLang="en-US" sz="1900">
               <a:latin typeface="Calibri" charset="0"/>
             </a:endParaRPr>
-          </a:p>
-        </p:txBody>
-      </p:sp>
-      <p:sp>
-        <p:nvSpPr>
-          <p:cNvPr id="3" name="Footer Placeholder 2"/>
-          <p:cNvSpPr>
-            <a:spLocks noGrp="true"/>
-          </p:cNvSpPr>
-          <p:nvPr>
-            <p:ph type="ftr" sz="quarter" idx="11"/>
-          </p:nvPr>
-        </p:nvSpPr>
-        <p:spPr/>
-        <p:txBody>
-          <a:bodyPr/>
-          <a:p>
-            <a:r>
-              <a:rPr lang="zh-CN" altLang="en-US"/>
-              <a:t>Fakultät Elektrotechnik - ELT04760 Digitale Signalverarbeitung - &lt;Namen einfügen&gt;</a:t>
-            </a:r>
-            <a:endParaRPr lang="zh-CN" altLang="en-US"/>
           </a:p>
         </p:txBody>
       </p:sp>
@@ -10264,6 +10351,34 @@
           </a:prstGeom>
         </p:spPr>
       </p:pic>
+      <p:sp>
+        <p:nvSpPr>
+          <p:cNvPr id="6" name="Footer Placeholder 5"/>
+          <p:cNvSpPr>
+            <a:spLocks noGrp="true"/>
+          </p:cNvSpPr>
+          <p:nvPr>
+            <p:ph type="ftr" sz="quarter" idx="11"/>
+          </p:nvPr>
+        </p:nvSpPr>
+        <p:spPr>
+          <a:xfrm>
+            <a:off x="-3810" y="6507480"/>
+            <a:ext cx="12186285" cy="339725"/>
+          </a:xfrm>
+        </p:spPr>
+        <p:txBody>
+          <a:bodyPr/>
+          <a:p>
+            <a:pPr algn="l"/>
+            <a:r>
+              <a:rPr lang="zh-CN" altLang="en-US"/>
+              <a:t>Fakultät Elektrotechnik - ELT04760 Digitale Signalverarbeitung - Xiaolin Liu, Xinrui Zhao, Alexander Päßler und Justus Weinhold</a:t>
+            </a:r>
+            <a:endParaRPr lang="zh-CN" altLang="en-US"/>
+          </a:p>
+        </p:txBody>
+      </p:sp>
     </p:spTree>
   </p:cSld>
   <p:clrMapOvr>
@@ -10360,33 +10475,11 @@
               <a:rPr lang="de-DE" altLang="zh-CN" sz="2800">
                 <a:sym typeface="+mn-ea"/>
               </a:rPr>
-              <a:t>2. PCI Express</a:t>
+              <a:t>2 PCI Express</a:t>
             </a:r>
             <a:endParaRPr lang="de-DE" altLang="en-US" sz="1900">
               <a:latin typeface="Calibri" charset="0"/>
             </a:endParaRPr>
-          </a:p>
-        </p:txBody>
-      </p:sp>
-      <p:sp>
-        <p:nvSpPr>
-          <p:cNvPr id="3" name="Footer Placeholder 2"/>
-          <p:cNvSpPr>
-            <a:spLocks noGrp="true"/>
-          </p:cNvSpPr>
-          <p:nvPr>
-            <p:ph type="ftr" sz="quarter" idx="11"/>
-          </p:nvPr>
-        </p:nvSpPr>
-        <p:spPr/>
-        <p:txBody>
-          <a:bodyPr/>
-          <a:p>
-            <a:r>
-              <a:rPr lang="zh-CN" altLang="en-US"/>
-              <a:t>Fakultät Elektrotechnik - ELT04760 Digitale Signalverarbeitung - &lt;Namen einfügen&gt;</a:t>
-            </a:r>
-            <a:endParaRPr lang="zh-CN" altLang="en-US"/>
           </a:p>
         </p:txBody>
       </p:sp>
@@ -11324,6 +11417,34 @@
           </a:graphicData>
         </a:graphic>
       </p:graphicFrame>
+      <p:sp>
+        <p:nvSpPr>
+          <p:cNvPr id="4" name="Footer Placeholder 3"/>
+          <p:cNvSpPr>
+            <a:spLocks noGrp="true"/>
+          </p:cNvSpPr>
+          <p:nvPr>
+            <p:ph type="ftr" sz="quarter" idx="11"/>
+          </p:nvPr>
+        </p:nvSpPr>
+        <p:spPr>
+          <a:xfrm>
+            <a:off x="-3810" y="6507480"/>
+            <a:ext cx="12186285" cy="339725"/>
+          </a:xfrm>
+        </p:spPr>
+        <p:txBody>
+          <a:bodyPr/>
+          <a:p>
+            <a:pPr algn="l"/>
+            <a:r>
+              <a:rPr lang="zh-CN" altLang="en-US"/>
+              <a:t>Fakultät Elektrotechnik - ELT04760 Digitale Signalverarbeitung - Xiaolin Liu, Xinrui Zhao, Alexander Päßler und Justus Weinhold</a:t>
+            </a:r>
+            <a:endParaRPr lang="zh-CN" altLang="en-US"/>
+          </a:p>
+        </p:txBody>
+      </p:sp>
     </p:spTree>
   </p:cSld>
   <p:clrMapOvr>
@@ -11414,7 +11535,7 @@
               <a:rPr lang="de-DE" altLang="zh-CN" sz="2800">
                 <a:sym typeface="+mn-ea"/>
               </a:rPr>
-              <a:t>2.2. PCI Express</a:t>
+              <a:t>2.2 PCI Express</a:t>
             </a:r>
             <a:endParaRPr lang="de-DE" altLang="zh-CN" sz="2800">
               <a:sym typeface="+mn-ea"/>
@@ -11523,28 +11644,6 @@
             <a:endParaRPr lang="de-DE" altLang="en-US" sz="1900">
               <a:latin typeface="Calibri" charset="0"/>
             </a:endParaRPr>
-          </a:p>
-        </p:txBody>
-      </p:sp>
-      <p:sp>
-        <p:nvSpPr>
-          <p:cNvPr id="3" name="Footer Placeholder 2"/>
-          <p:cNvSpPr>
-            <a:spLocks noGrp="true"/>
-          </p:cNvSpPr>
-          <p:nvPr>
-            <p:ph type="ftr" sz="quarter" idx="11"/>
-          </p:nvPr>
-        </p:nvSpPr>
-        <p:spPr/>
-        <p:txBody>
-          <a:bodyPr/>
-          <a:p>
-            <a:r>
-              <a:rPr lang="zh-CN" altLang="en-US"/>
-              <a:t>Fakultät Elektrotechnik - ELT04760 Digitale Signalverarbeitung - &lt;Namen einfügen&gt;</a:t>
-            </a:r>
-            <a:endParaRPr lang="zh-CN" altLang="en-US"/>
           </a:p>
         </p:txBody>
       </p:sp>
@@ -11572,6 +11671,34 @@
           </a:prstGeom>
         </p:spPr>
       </p:pic>
+      <p:sp>
+        <p:nvSpPr>
+          <p:cNvPr id="4" name="Footer Placeholder 3"/>
+          <p:cNvSpPr>
+            <a:spLocks noGrp="true"/>
+          </p:cNvSpPr>
+          <p:nvPr>
+            <p:ph type="ftr" sz="quarter" idx="11"/>
+          </p:nvPr>
+        </p:nvSpPr>
+        <p:spPr>
+          <a:xfrm>
+            <a:off x="-3810" y="6507480"/>
+            <a:ext cx="12186285" cy="339725"/>
+          </a:xfrm>
+        </p:spPr>
+        <p:txBody>
+          <a:bodyPr/>
+          <a:p>
+            <a:pPr algn="l"/>
+            <a:r>
+              <a:rPr lang="zh-CN" altLang="en-US"/>
+              <a:t>Fakultät Elektrotechnik - ELT04760 Digitale Signalverarbeitung - Xiaolin Liu, Xinrui Zhao, Alexander Päßler und Justus Weinhold</a:t>
+            </a:r>
+            <a:endParaRPr lang="zh-CN" altLang="en-US"/>
+          </a:p>
+        </p:txBody>
+      </p:sp>
     </p:spTree>
   </p:cSld>
   <p:clrMapOvr>
@@ -11707,28 +11834,6 @@
             <a:endParaRPr lang="de-DE" altLang="en-US" sz="1900">
               <a:latin typeface="Calibri" charset="0"/>
             </a:endParaRPr>
-          </a:p>
-        </p:txBody>
-      </p:sp>
-      <p:sp>
-        <p:nvSpPr>
-          <p:cNvPr id="3" name="Footer Placeholder 2"/>
-          <p:cNvSpPr>
-            <a:spLocks noGrp="true"/>
-          </p:cNvSpPr>
-          <p:nvPr>
-            <p:ph type="ftr" sz="quarter" idx="11"/>
-          </p:nvPr>
-        </p:nvSpPr>
-        <p:spPr/>
-        <p:txBody>
-          <a:bodyPr/>
-          <a:p>
-            <a:r>
-              <a:rPr lang="zh-CN" altLang="en-US"/>
-              <a:t>Fakultät Elektrotechnik - ELT04760 Digitale Signalverarbeitung - &lt;Namen einfügen&gt;</a:t>
-            </a:r>
-            <a:endParaRPr lang="zh-CN" altLang="en-US"/>
           </a:p>
         </p:txBody>
       </p:sp>
@@ -11784,6 +11889,34 @@
           </a:prstGeom>
         </p:spPr>
       </p:pic>
+      <p:sp>
+        <p:nvSpPr>
+          <p:cNvPr id="7" name="Footer Placeholder 6"/>
+          <p:cNvSpPr>
+            <a:spLocks noGrp="true"/>
+          </p:cNvSpPr>
+          <p:nvPr>
+            <p:ph type="ftr" sz="quarter" idx="11"/>
+          </p:nvPr>
+        </p:nvSpPr>
+        <p:spPr>
+          <a:xfrm>
+            <a:off x="-3810" y="6507480"/>
+            <a:ext cx="12186285" cy="339725"/>
+          </a:xfrm>
+        </p:spPr>
+        <p:txBody>
+          <a:bodyPr/>
+          <a:p>
+            <a:pPr algn="l"/>
+            <a:r>
+              <a:rPr lang="zh-CN" altLang="en-US"/>
+              <a:t>Fakultät Elektrotechnik - ELT04760 Digitale Signalverarbeitung - Xiaolin Liu, Xinrui Zhao, Alexander Päßler und Justus Weinhold</a:t>
+            </a:r>
+            <a:endParaRPr lang="zh-CN" altLang="en-US"/>
+          </a:p>
+        </p:txBody>
+      </p:sp>
     </p:spTree>
   </p:cSld>
   <p:clrMapOvr>
@@ -11908,28 +12041,6 @@
           </a:p>
         </p:txBody>
       </p:sp>
-      <p:sp>
-        <p:nvSpPr>
-          <p:cNvPr id="3" name="Footer Placeholder 2"/>
-          <p:cNvSpPr>
-            <a:spLocks noGrp="true"/>
-          </p:cNvSpPr>
-          <p:nvPr>
-            <p:ph type="ftr" sz="quarter" idx="11"/>
-          </p:nvPr>
-        </p:nvSpPr>
-        <p:spPr/>
-        <p:txBody>
-          <a:bodyPr/>
-          <a:p>
-            <a:r>
-              <a:rPr lang="zh-CN" altLang="en-US"/>
-              <a:t>Fakultät Elektrotechnik - ELT04760 Digitale Signalverarbeitung - &lt;Namen einfügen&gt;</a:t>
-            </a:r>
-            <a:endParaRPr lang="zh-CN" altLang="en-US"/>
-          </a:p>
-        </p:txBody>
-      </p:sp>
       <p:pic>
         <p:nvPicPr>
           <p:cNvPr id="5" name="Picture Placeholder 4" descr="topologie"/>
@@ -11958,6 +12069,34 @@
           </a:ln>
         </p:spPr>
       </p:pic>
+      <p:sp>
+        <p:nvSpPr>
+          <p:cNvPr id="6" name="Footer Placeholder 5"/>
+          <p:cNvSpPr>
+            <a:spLocks noGrp="true"/>
+          </p:cNvSpPr>
+          <p:nvPr>
+            <p:ph type="ftr" sz="quarter" idx="11"/>
+          </p:nvPr>
+        </p:nvSpPr>
+        <p:spPr>
+          <a:xfrm>
+            <a:off x="-3810" y="6507480"/>
+            <a:ext cx="12186285" cy="339725"/>
+          </a:xfrm>
+        </p:spPr>
+        <p:txBody>
+          <a:bodyPr/>
+          <a:p>
+            <a:pPr algn="l"/>
+            <a:r>
+              <a:rPr lang="zh-CN" altLang="en-US"/>
+              <a:t>Fakultät Elektrotechnik - ELT04760 Digitale Signalverarbeitung - Xiaolin Liu, Xinrui Zhao, Alexander Päßler und Justus Weinhold</a:t>
+            </a:r>
+            <a:endParaRPr lang="zh-CN" altLang="en-US"/>
+          </a:p>
+        </p:txBody>
+      </p:sp>
     </p:spTree>
   </p:cSld>
   <p:clrMapOvr>
@@ -12058,7 +12197,7 @@
               <a:rPr lang="de-DE" altLang="zh-CN" sz="2800">
                 <a:sym typeface="+mn-ea"/>
               </a:rPr>
-              <a:t>4.1. Root Complex</a:t>
+              <a:t>4.1 Root Complex</a:t>
             </a:r>
             <a:endParaRPr lang="de-DE" altLang="en-US" sz="2170">
               <a:latin typeface="Calibri" charset="0"/>
@@ -12193,28 +12332,6 @@
             <a:endParaRPr lang="de-DE" altLang="en-US" sz="1900">
               <a:latin typeface="Calibri" charset="0"/>
             </a:endParaRPr>
-          </a:p>
-        </p:txBody>
-      </p:sp>
-      <p:sp>
-        <p:nvSpPr>
-          <p:cNvPr id="3" name="Footer Placeholder 2"/>
-          <p:cNvSpPr>
-            <a:spLocks noGrp="true"/>
-          </p:cNvSpPr>
-          <p:nvPr>
-            <p:ph type="ftr" sz="quarter" idx="11"/>
-          </p:nvPr>
-        </p:nvSpPr>
-        <p:spPr/>
-        <p:txBody>
-          <a:bodyPr/>
-          <a:p>
-            <a:r>
-              <a:rPr lang="zh-CN" altLang="en-US"/>
-              <a:t>Fakultät Elektrotechnik - ELT04760 Digitale Signalverarbeitung - &lt;Namen einfügen&gt;</a:t>
-            </a:r>
-            <a:endParaRPr lang="zh-CN" altLang="en-US"/>
           </a:p>
         </p:txBody>
       </p:sp>
@@ -12247,6 +12364,34 @@
           </a:ln>
         </p:spPr>
       </p:pic>
+      <p:sp>
+        <p:nvSpPr>
+          <p:cNvPr id="6" name="Footer Placeholder 5"/>
+          <p:cNvSpPr>
+            <a:spLocks noGrp="true"/>
+          </p:cNvSpPr>
+          <p:nvPr>
+            <p:ph type="ftr" sz="quarter" idx="11"/>
+          </p:nvPr>
+        </p:nvSpPr>
+        <p:spPr>
+          <a:xfrm>
+            <a:off x="-3810" y="6507480"/>
+            <a:ext cx="12186285" cy="339725"/>
+          </a:xfrm>
+        </p:spPr>
+        <p:txBody>
+          <a:bodyPr/>
+          <a:p>
+            <a:pPr algn="l"/>
+            <a:r>
+              <a:rPr lang="zh-CN" altLang="en-US"/>
+              <a:t>Fakultät Elektrotechnik - ELT04760 Digitale Signalverarbeitung - Xiaolin Liu, Xinrui Zhao, Alexander Päßler und Justus Weinhold</a:t>
+            </a:r>
+            <a:endParaRPr lang="zh-CN" altLang="en-US"/>
+          </a:p>
+        </p:txBody>
+      </p:sp>
     </p:spTree>
   </p:cSld>
   <p:clrMapOvr>
@@ -12337,7 +12482,7 @@
               <a:rPr lang="de-DE" altLang="zh-CN" sz="2800">
                 <a:sym typeface="+mn-ea"/>
               </a:rPr>
-              <a:t>4.2. End Points</a:t>
+              <a:t>4.2 End Points</a:t>
             </a:r>
             <a:endParaRPr lang="de-DE" altLang="en-US" sz="1900">
               <a:latin typeface="Calibri" charset="0"/>
@@ -12646,28 +12791,6 @@
             <a:endParaRPr lang="de-DE" altLang="en-US" sz="1420">
               <a:latin typeface="Calibri" charset="0"/>
             </a:endParaRPr>
-          </a:p>
-        </p:txBody>
-      </p:sp>
-      <p:sp>
-        <p:nvSpPr>
-          <p:cNvPr id="3" name="Footer Placeholder 2"/>
-          <p:cNvSpPr>
-            <a:spLocks noGrp="true"/>
-          </p:cNvSpPr>
-          <p:nvPr>
-            <p:ph type="ftr" sz="quarter" idx="11"/>
-          </p:nvPr>
-        </p:nvSpPr>
-        <p:spPr/>
-        <p:txBody>
-          <a:bodyPr/>
-          <a:p>
-            <a:r>
-              <a:rPr lang="zh-CN" altLang="en-US"/>
-              <a:t>Fakultät Elektrotechnik - ELT04760 Digitale Signalverarbeitung - &lt;Namen einfügen&gt;</a:t>
-            </a:r>
-            <a:endParaRPr lang="zh-CN" altLang="en-US"/>
           </a:p>
         </p:txBody>
       </p:sp>
@@ -12700,6 +12823,34 @@
           </a:ln>
         </p:spPr>
       </p:pic>
+      <p:sp>
+        <p:nvSpPr>
+          <p:cNvPr id="4" name="Footer Placeholder 3"/>
+          <p:cNvSpPr>
+            <a:spLocks noGrp="true"/>
+          </p:cNvSpPr>
+          <p:nvPr>
+            <p:ph type="ftr" sz="quarter" idx="11"/>
+          </p:nvPr>
+        </p:nvSpPr>
+        <p:spPr>
+          <a:xfrm>
+            <a:off x="-3810" y="6507480"/>
+            <a:ext cx="12186285" cy="339725"/>
+          </a:xfrm>
+        </p:spPr>
+        <p:txBody>
+          <a:bodyPr/>
+          <a:p>
+            <a:pPr algn="l"/>
+            <a:r>
+              <a:rPr lang="zh-CN" altLang="en-US"/>
+              <a:t>Fakultät Elektrotechnik - ELT04760 Digitale Signalverarbeitung - Xiaolin Liu, Xinrui Zhao, Alexander Päßler und Justus Weinhold</a:t>
+            </a:r>
+            <a:endParaRPr lang="zh-CN" altLang="en-US"/>
+          </a:p>
+        </p:txBody>
+      </p:sp>
     </p:spTree>
   </p:cSld>
   <p:clrMapOvr>

--- a/PCI Express_2.pptx
+++ b/PCI Express_2.pptx
@@ -8,7 +8,7 @@
     <p:notesMasterId r:id="rId4"/>
   </p:notesMasterIdLst>
   <p:handoutMasterIdLst>
-    <p:handoutMasterId r:id="rId25"/>
+    <p:handoutMasterId r:id="rId24"/>
   </p:handoutMasterIdLst>
   <p:sldIdLst>
     <p:sldId id="256" r:id="rId3"/>
@@ -28,10 +28,9 @@
     <p:sldId id="300" r:id="rId18"/>
     <p:sldId id="305" r:id="rId19"/>
     <p:sldId id="306" r:id="rId20"/>
-    <p:sldId id="307" r:id="rId21"/>
+    <p:sldId id="311" r:id="rId21"/>
     <p:sldId id="310" r:id="rId22"/>
-    <p:sldId id="311" r:id="rId23"/>
-    <p:sldId id="258" r:id="rId24"/>
+    <p:sldId id="258" r:id="rId23"/>
   </p:sldIdLst>
   <p:sldSz cx="12192000" cy="6858000"/>
   <p:notesSz cx="7103745" cy="10234295"/>
@@ -1123,50 +1122,6 @@
 </file>
 
 <file path=ppt/notesSlides/notesSlide2.xml><?xml version="1.0" encoding="utf-8"?>
-<p:notes xmlns:a="http://schemas.openxmlformats.org/drawingml/2006/main" xmlns:r="http://schemas.openxmlformats.org/officeDocument/2006/relationships" xmlns:p="http://schemas.openxmlformats.org/presentationml/2006/main">
-  <p:cSld>
-    <p:spTree>
-      <p:nvGrpSpPr>
-        <p:cNvPr id="1" name=""/>
-        <p:cNvGrpSpPr/>
-        <p:nvPr/>
-      </p:nvGrpSpPr>
-      <p:grpSpPr/>
-      <p:sp>
-        <p:nvSpPr>
-          <p:cNvPr id="2" name="Slide Image Placeholder 1"/>
-          <p:cNvSpPr/>
-          <p:nvPr>
-            <p:ph type="sldImg" idx="2"/>
-          </p:nvPr>
-        </p:nvSpPr>
-        <p:spPr/>
-      </p:sp>
-      <p:sp>
-        <p:nvSpPr>
-          <p:cNvPr id="3" name="Text Placeholder 2"/>
-          <p:cNvSpPr/>
-          <p:nvPr>
-            <p:ph type="body" idx="3"/>
-          </p:nvPr>
-        </p:nvSpPr>
-        <p:spPr/>
-        <p:txBody>
-          <a:bodyPr/>
-          <a:p>
-            <a:endParaRPr lang="en-US"/>
-          </a:p>
-        </p:txBody>
-      </p:sp>
-    </p:spTree>
-  </p:cSld>
-  <p:clrMapOvr>
-    <a:masterClrMapping/>
-  </p:clrMapOvr>
-</p:notes>
-</file>
-
-<file path=ppt/notesSlides/notesSlide20.xml><?xml version="1.0" encoding="utf-8"?>
 <p:notes xmlns:a="http://schemas.openxmlformats.org/drawingml/2006/main" xmlns:r="http://schemas.openxmlformats.org/officeDocument/2006/relationships" xmlns:p="http://schemas.openxmlformats.org/presentationml/2006/main">
   <p:cSld>
     <p:spTree>
@@ -5533,13 +5488,7 @@
               <a:rPr lang="de-DE" altLang="zh-CN">
                 <a:sym typeface="+mn-ea"/>
               </a:rPr>
-              <a:t>6. PCIe </a:t>
-            </a:r>
-            <a:r>
-              <a:rPr lang="de-DE" altLang="zh-CN">
-                <a:sym typeface="+mn-ea"/>
-              </a:rPr>
-              <a:t>Protokoll</a:t>
+              <a:t>6. PCIe Protokoll</a:t>
             </a:r>
             <a:endParaRPr lang="de-DE" altLang="zh-CN">
               <a:sym typeface="+mn-ea"/>
@@ -6658,13 +6607,7 @@
               <a:rPr lang="de-DE" altLang="zh-CN">
                 <a:sym typeface="+mn-ea"/>
               </a:rPr>
-              <a:t>6. PCIe </a:t>
-            </a:r>
-            <a:r>
-              <a:rPr lang="de-DE" altLang="zh-CN">
-                <a:sym typeface="+mn-ea"/>
-              </a:rPr>
-              <a:t>Protokoll</a:t>
+              <a:t>6. PCIe Protokoll</a:t>
             </a:r>
             <a:endParaRPr lang="de-DE" altLang="zh-CN">
               <a:sym typeface="+mn-ea"/>
@@ -7419,21 +7362,7 @@
                 <a:latin typeface="Calibri" charset="0"/>
                 <a:sym typeface="+mn-ea"/>
               </a:rPr>
-              <a:t>Message-Bereich (</a:t>
-            </a:r>
-            <a:r>
-              <a:rPr lang="de-DE" altLang="en-US" sz="1575">
-                <a:latin typeface="Calibri" charset="0"/>
-                <a:sym typeface="+mn-ea"/>
-              </a:rPr>
-              <a:t>Wird für das Event Management benötigt</a:t>
-            </a:r>
-            <a:r>
-              <a:rPr lang="de-DE" altLang="en-US" sz="1575">
-                <a:latin typeface="Calibri" charset="0"/>
-                <a:sym typeface="+mn-ea"/>
-              </a:rPr>
-              <a:t>)</a:t>
+              <a:t>Message-Bereich (Wird für das Event Management benötigt)</a:t>
             </a:r>
             <a:endParaRPr lang="de-DE" altLang="en-US" sz="1575">
               <a:latin typeface="Calibri" charset="0"/>
@@ -8642,1089 +8571,6 @@
         <p:spPr>
           <a:xfrm>
             <a:off x="609600" y="1364615"/>
-            <a:ext cx="5447030" cy="5040630"/>
-          </a:xfrm>
-        </p:spPr>
-        <p:txBody>
-          <a:bodyPr>
-            <a:normAutofit/>
-          </a:bodyPr>
-          <a:p>
-            <a:pPr marL="57150" indent="0" algn="l">
-              <a:lnSpc>
-                <a:spcPct val="100000"/>
-              </a:lnSpc>
-              <a:buClrTx/>
-              <a:buSzTx/>
-              <a:buFont typeface="Arial" panose="02080604020202020204" pitchFamily="34" charset="0"/>
-              <a:buNone/>
-            </a:pPr>
-            <a:r>
-              <a:rPr lang="de-DE" altLang="zh-CN" sz="2800">
-                <a:sym typeface="+mn-ea"/>
-              </a:rPr>
-              <a:t>6.3.2 Transaction Layer Protokoll</a:t>
-            </a:r>
-            <a:endParaRPr lang="de-DE" altLang="en-US" sz="2800">
-              <a:solidFill>
-                <a:schemeClr val="tx1"/>
-              </a:solidFill>
-              <a:latin typeface="Calibri" charset="0"/>
-            </a:endParaRPr>
-          </a:p>
-          <a:p>
-            <a:pPr marL="57150" indent="0" algn="l">
-              <a:lnSpc>
-                <a:spcPct val="100000"/>
-              </a:lnSpc>
-              <a:buClrTx/>
-              <a:buSzTx/>
-              <a:buFont typeface="Arial" panose="02080604020202020204" pitchFamily="34" charset="0"/>
-              <a:buNone/>
-            </a:pPr>
-            <a:r>
-              <a:rPr lang="de-DE" altLang="en-US" sz="2000" dirty="0">
-                <a:latin typeface="Calibri" charset="0"/>
-                <a:sym typeface="+mn-ea"/>
-              </a:rPr>
-              <a:t>Transaction Layer Package (TLP) Header</a:t>
-            </a:r>
-            <a:endParaRPr lang="de-DE" altLang="en-US" sz="2000" dirty="0">
-              <a:latin typeface="Calibri" charset="0"/>
-              <a:sym typeface="+mn-ea"/>
-            </a:endParaRPr>
-          </a:p>
-          <a:p>
-            <a:pPr indent="-285750" algn="l">
-              <a:lnSpc>
-                <a:spcPct val="100000"/>
-              </a:lnSpc>
-              <a:buClrTx/>
-              <a:buSzTx/>
-            </a:pPr>
-            <a:r>
-              <a:rPr lang="de-DE" altLang="en-US" sz="1800" dirty="0">
-                <a:latin typeface="Calibri" charset="0"/>
-                <a:sym typeface="+mn-ea"/>
-              </a:rPr>
-              <a:t>ID Routing</a:t>
-            </a:r>
-            <a:endParaRPr lang="de-DE" altLang="en-US" sz="1800" dirty="0">
-              <a:latin typeface="Calibri" charset="0"/>
-            </a:endParaRPr>
-          </a:p>
-          <a:p>
-            <a:pPr marL="742950" lvl="1" indent="-285750">
-              <a:buFont typeface="Arial" panose="02080604020202020204" pitchFamily="34" charset="0"/>
-              <a:buChar char="•"/>
-            </a:pPr>
-            <a:r>
-              <a:rPr lang="de-DE" altLang="en-US" sz="1575" dirty="0">
-                <a:latin typeface="Calibri" charset="0"/>
-                <a:sym typeface="+mn-ea"/>
-              </a:rPr>
-              <a:t>Wird verwendet für Konfigurationsanfragen</a:t>
-            </a:r>
-            <a:endParaRPr lang="de-DE" altLang="en-US" sz="1575" dirty="0">
-              <a:latin typeface="Calibri" charset="0"/>
-            </a:endParaRPr>
-          </a:p>
-          <a:p>
-            <a:pPr indent="-285750" algn="l">
-              <a:lnSpc>
-                <a:spcPct val="100000"/>
-              </a:lnSpc>
-              <a:buClrTx/>
-              <a:buSzTx/>
-            </a:pPr>
-            <a:endParaRPr lang="de-DE" altLang="en-US" sz="1800" dirty="0">
-              <a:latin typeface="Calibri" charset="0"/>
-            </a:endParaRPr>
-          </a:p>
-          <a:p>
-            <a:pPr indent="-285750" algn="l">
-              <a:lnSpc>
-                <a:spcPct val="100000"/>
-              </a:lnSpc>
-              <a:buClrTx/>
-              <a:buSzTx/>
-              <a:buFont typeface="Arial" panose="02080604020202020204" pitchFamily="34" charset="0"/>
-              <a:buChar char="•"/>
-            </a:pPr>
-            <a:endParaRPr lang="de-DE" altLang="en-US" sz="1795">
-              <a:latin typeface="Calibri" charset="0"/>
-              <a:sym typeface="+mn-ea"/>
-            </a:endParaRPr>
-          </a:p>
-        </p:txBody>
-      </p:sp>
-      <p:pic>
-        <p:nvPicPr>
-          <p:cNvPr id="7" name="Picture Placeholder 4" descr="/home/dinera/Dokumente/Studium/Digitale Signalverarbeitung/layer_tranaction.pnglayer_tranaction"/>
-          <p:cNvPicPr>
-            <a:picLocks noChangeAspect="true"/>
-          </p:cNvPicPr>
-          <p:nvPr/>
-        </p:nvPicPr>
-        <p:blipFill>
-          <a:blip r:embed="rId2"/>
-          <a:srcRect/>
-          <a:stretch>
-            <a:fillRect/>
-          </a:stretch>
-        </p:blipFill>
-        <p:spPr>
-          <a:xfrm>
-            <a:off x="6264910" y="1417955"/>
-            <a:ext cx="5222240" cy="2273300"/>
-          </a:xfrm>
-          <a:prstGeom prst="rect">
-            <a:avLst/>
-          </a:prstGeom>
-          <a:noFill/>
-          <a:ln w="9525">
-            <a:noFill/>
-          </a:ln>
-        </p:spPr>
-      </p:pic>
-      <p:grpSp>
-        <p:nvGrpSpPr>
-          <p:cNvPr id="5" name="Gruppieren 6"/>
-          <p:cNvGrpSpPr/>
-          <p:nvPr/>
-        </p:nvGrpSpPr>
-        <p:grpSpPr>
-          <a:xfrm>
-            <a:off x="6264910" y="3691255"/>
-            <a:ext cx="5431790" cy="2480945"/>
-            <a:chOff x="5944870" y="3126740"/>
-            <a:chExt cx="6076950" cy="2867025"/>
-          </a:xfrm>
-        </p:grpSpPr>
-        <p:pic>
-          <p:nvPicPr>
-            <p:cNvPr id="6" name="Grafik 2"/>
-            <p:cNvPicPr>
-              <a:picLocks noChangeAspect="true"/>
-            </p:cNvPicPr>
-            <p:nvPr/>
-          </p:nvPicPr>
-          <p:blipFill>
-            <a:blip r:embed="rId3"/>
-            <a:stretch>
-              <a:fillRect/>
-            </a:stretch>
-          </p:blipFill>
-          <p:spPr>
-            <a:xfrm>
-              <a:off x="5944870" y="3126740"/>
-              <a:ext cx="6076950" cy="2867025"/>
-            </a:xfrm>
-            <a:prstGeom prst="rect">
-              <a:avLst/>
-            </a:prstGeom>
-          </p:spPr>
-        </p:pic>
-        <p:sp>
-          <p:nvSpPr>
-            <p:cNvPr id="9" name="Rechteck 3"/>
-            <p:cNvSpPr/>
-            <p:nvPr/>
-          </p:nvSpPr>
-          <p:spPr>
-            <a:xfrm>
-              <a:off x="6763109" y="3769743"/>
-              <a:ext cx="4994695" cy="508959"/>
-            </a:xfrm>
-            <a:prstGeom prst="rect">
-              <a:avLst/>
-            </a:prstGeom>
-            <a:noFill/>
-            <a:ln w="19050">
-              <a:solidFill>
-                <a:srgbClr val="FF0000"/>
-              </a:solidFill>
-            </a:ln>
-          </p:spPr>
-          <p:style>
-            <a:lnRef idx="2">
-              <a:schemeClr val="accent1">
-                <a:shade val="50000"/>
-              </a:schemeClr>
-            </a:lnRef>
-            <a:fillRef idx="1">
-              <a:schemeClr val="accent1"/>
-            </a:fillRef>
-            <a:effectRef idx="0">
-              <a:schemeClr val="accent1"/>
-            </a:effectRef>
-            <a:fontRef idx="minor">
-              <a:schemeClr val="lt1"/>
-            </a:fontRef>
-          </p:style>
-          <p:txBody>
-            <a:bodyPr rtlCol="0" anchor="ctr"/>
-            <a:p>
-              <a:pPr algn="ctr"/>
-              <a:endParaRPr lang="de-DE"/>
-            </a:p>
-          </p:txBody>
-        </p:sp>
-      </p:grpSp>
-      <p:pic>
-        <p:nvPicPr>
-          <p:cNvPr id="10" name="Grafik 8"/>
-          <p:cNvPicPr>
-            <a:picLocks noChangeAspect="true"/>
-          </p:cNvPicPr>
-          <p:nvPr/>
-        </p:nvPicPr>
-        <p:blipFill>
-          <a:blip r:embed="rId4"/>
-          <a:stretch>
-            <a:fillRect/>
-          </a:stretch>
-        </p:blipFill>
-        <p:spPr>
-          <a:xfrm>
-            <a:off x="839788" y="2978990"/>
-            <a:ext cx="4223918" cy="1581262"/>
-          </a:xfrm>
-          <a:prstGeom prst="rect">
-            <a:avLst/>
-          </a:prstGeom>
-        </p:spPr>
-      </p:pic>
-      <p:pic>
-        <p:nvPicPr>
-          <p:cNvPr id="14" name="Grafik 9"/>
-          <p:cNvPicPr>
-            <a:picLocks noChangeAspect="true"/>
-          </p:cNvPicPr>
-          <p:nvPr/>
-        </p:nvPicPr>
-        <p:blipFill>
-          <a:blip r:embed="rId5"/>
-          <a:stretch>
-            <a:fillRect/>
-          </a:stretch>
-        </p:blipFill>
-        <p:spPr>
-          <a:xfrm>
-            <a:off x="839788" y="4729799"/>
-            <a:ext cx="4223918" cy="1454988"/>
-          </a:xfrm>
-          <a:prstGeom prst="rect">
-            <a:avLst/>
-          </a:prstGeom>
-        </p:spPr>
-      </p:pic>
-      <p:sp>
-        <p:nvSpPr>
-          <p:cNvPr id="15" name="Footer Placeholder 14"/>
-          <p:cNvSpPr>
-            <a:spLocks noGrp="true"/>
-          </p:cNvSpPr>
-          <p:nvPr>
-            <p:ph type="ftr" sz="quarter" idx="11"/>
-          </p:nvPr>
-        </p:nvSpPr>
-        <p:spPr>
-          <a:xfrm>
-            <a:off x="-3810" y="6507480"/>
-            <a:ext cx="12186285" cy="339725"/>
-          </a:xfrm>
-        </p:spPr>
-        <p:txBody>
-          <a:bodyPr/>
-          <a:p>
-            <a:pPr algn="l"/>
-            <a:r>
-              <a:rPr lang="zh-CN" altLang="en-US"/>
-              <a:t>Fakultät Elektrotechnik - ELT04760 Digitale Signalverarbeitung - Xiaolin Liu, Xinrui Zhao, Alexander Päßler und Justus Weinhold</a:t>
-            </a:r>
-            <a:endParaRPr lang="zh-CN" altLang="en-US"/>
-          </a:p>
-        </p:txBody>
-      </p:sp>
-    </p:spTree>
-  </p:cSld>
-  <p:clrMapOvr>
-    <a:masterClrMapping/>
-  </p:clrMapOvr>
-</p:sld>
-</file>
-
-<file path=ppt/slides/slide19.xml><?xml version="1.0" encoding="utf-8"?>
-<p:sld xmlns:a="http://schemas.openxmlformats.org/drawingml/2006/main" xmlns:r="http://schemas.openxmlformats.org/officeDocument/2006/relationships" xmlns:p="http://schemas.openxmlformats.org/presentationml/2006/main">
-  <p:cSld>
-    <p:bg>
-      <p:bgPr>
-        <a:blipFill rotWithShape="true">
-          <a:blip r:embed="rId1"/>
-          <a:stretch>
-            <a:fillRect/>
-          </a:stretch>
-        </a:blipFill>
-        <a:effectLst/>
-      </p:bgPr>
-    </p:bg>
-    <p:spTree>
-      <p:nvGrpSpPr>
-        <p:cNvPr id="1" name=""/>
-        <p:cNvGrpSpPr/>
-        <p:nvPr/>
-      </p:nvGrpSpPr>
-      <p:grpSpPr/>
-      <p:sp>
-        <p:nvSpPr>
-          <p:cNvPr id="2" name="Title 1"/>
-          <p:cNvSpPr>
-            <a:spLocks noGrp="true"/>
-          </p:cNvSpPr>
-          <p:nvPr>
-            <p:ph type="title"/>
-          </p:nvPr>
-        </p:nvSpPr>
-        <p:spPr/>
-        <p:txBody>
-          <a:bodyPr/>
-          <a:p>
-            <a:pPr marL="0" indent="0" algn="l"/>
-            <a:r>
-              <a:rPr lang="de-DE" altLang="zh-CN">
-                <a:sym typeface="+mn-ea"/>
-              </a:rPr>
-              <a:t>6. PCIe Protokoll</a:t>
-            </a:r>
-            <a:endParaRPr lang="de-DE" altLang="zh-CN">
-              <a:sym typeface="+mn-ea"/>
-            </a:endParaRPr>
-          </a:p>
-        </p:txBody>
-      </p:sp>
-      <p:sp>
-        <p:nvSpPr>
-          <p:cNvPr id="8" name="Content Placeholder 7"/>
-          <p:cNvSpPr>
-            <a:spLocks noGrp="true"/>
-          </p:cNvSpPr>
-          <p:nvPr>
-            <p:ph sz="half" idx="1"/>
-          </p:nvPr>
-        </p:nvSpPr>
-        <p:spPr>
-          <a:xfrm>
-            <a:off x="609600" y="1364615"/>
-            <a:ext cx="5655310" cy="5040630"/>
-          </a:xfrm>
-        </p:spPr>
-        <p:txBody>
-          <a:bodyPr>
-            <a:normAutofit/>
-          </a:bodyPr>
-          <a:p>
-            <a:pPr marL="57150" indent="0" algn="l">
-              <a:lnSpc>
-                <a:spcPct val="100000"/>
-              </a:lnSpc>
-              <a:buClrTx/>
-              <a:buSzTx/>
-              <a:buFont typeface="Arial" panose="02080604020202020204" pitchFamily="34" charset="0"/>
-              <a:buNone/>
-            </a:pPr>
-            <a:r>
-              <a:rPr lang="de-DE" altLang="zh-CN" sz="2800">
-                <a:sym typeface="+mn-ea"/>
-              </a:rPr>
-              <a:t>6.3.2 Transaction Layer Protokoll</a:t>
-            </a:r>
-            <a:endParaRPr lang="de-DE" altLang="en-US" sz="2800">
-              <a:solidFill>
-                <a:schemeClr val="tx1"/>
-              </a:solidFill>
-              <a:latin typeface="Calibri" charset="0"/>
-            </a:endParaRPr>
-          </a:p>
-          <a:p>
-            <a:pPr marL="57150" indent="0" algn="l">
-              <a:lnSpc>
-                <a:spcPct val="100000"/>
-              </a:lnSpc>
-              <a:buClrTx/>
-              <a:buSzTx/>
-              <a:buFont typeface="Arial" panose="02080604020202020204" pitchFamily="34" charset="0"/>
-              <a:buNone/>
-            </a:pPr>
-            <a:r>
-              <a:rPr lang="de-DE" altLang="en-US" sz="2000" dirty="0">
-                <a:latin typeface="Calibri" charset="0"/>
-                <a:sym typeface="+mn-ea"/>
-              </a:rPr>
-              <a:t>Transaction Layer Package (TLP) Digest</a:t>
-            </a:r>
-            <a:endParaRPr lang="de-DE" altLang="en-US" sz="2000" dirty="0">
-              <a:latin typeface="Calibri" charset="0"/>
-            </a:endParaRPr>
-          </a:p>
-          <a:p>
-            <a:pPr marL="171450" indent="-171450">
-              <a:buFont typeface="Arial" panose="02080604020202020204" pitchFamily="34" charset="0"/>
-              <a:buChar char="•"/>
-            </a:pPr>
-            <a:r>
-              <a:rPr lang="de-DE" altLang="en-US" sz="2000" dirty="0">
-                <a:latin typeface="Calibri" charset="0"/>
-                <a:sym typeface="+mn-ea"/>
-              </a:rPr>
-              <a:t>Wenn das TLP Digest-Feld verwendet wird, ist das TD-Bit im Header auf 1 gesetzt.</a:t>
-            </a:r>
-            <a:endParaRPr lang="de-DE" altLang="en-US" sz="2000" dirty="0">
-              <a:latin typeface="Calibri" charset="0"/>
-            </a:endParaRPr>
-          </a:p>
-          <a:p>
-            <a:pPr indent="-285750" algn="l">
-              <a:lnSpc>
-                <a:spcPct val="100000"/>
-              </a:lnSpc>
-              <a:buClrTx/>
-              <a:buSzTx/>
-              <a:buFont typeface="Arial" panose="02080604020202020204" pitchFamily="34" charset="0"/>
-              <a:buChar char="•"/>
-            </a:pPr>
-            <a:endParaRPr lang="de-DE" altLang="en-US" sz="2000" dirty="0">
-              <a:latin typeface="Calibri" charset="0"/>
-            </a:endParaRPr>
-          </a:p>
-          <a:p>
-            <a:pPr marL="57150" indent="0" algn="l">
-              <a:lnSpc>
-                <a:spcPct val="100000"/>
-              </a:lnSpc>
-              <a:buClrTx/>
-              <a:buSzTx/>
-              <a:buFont typeface="Arial" panose="02080604020202020204" pitchFamily="34" charset="0"/>
-              <a:buNone/>
-            </a:pPr>
-            <a:r>
-              <a:rPr lang="de-DE" altLang="en-US" sz="2000" dirty="0">
-                <a:latin typeface="Calibri" charset="0"/>
-                <a:sym typeface="+mn-ea"/>
-              </a:rPr>
-              <a:t>ECRC</a:t>
-            </a:r>
-            <a:endParaRPr lang="de-DE" altLang="en-US" sz="2000" dirty="0">
-              <a:latin typeface="Calibri" charset="0"/>
-            </a:endParaRPr>
-          </a:p>
-          <a:p>
-            <a:pPr marL="171450" indent="-171450">
-              <a:buFont typeface="Arial" panose="02080604020202020204" pitchFamily="34" charset="0"/>
-              <a:buChar char="•"/>
-            </a:pPr>
-            <a:r>
-              <a:rPr lang="de-DE" altLang="en-US" sz="2000" dirty="0">
-                <a:latin typeface="Calibri" charset="0"/>
-                <a:sym typeface="+mn-ea"/>
-              </a:rPr>
-              <a:t>Zusätzliche 32-Bit CRC neben LCRC im Data Link Layer für Datenübertragung mit hoher Wichtigkeit</a:t>
-            </a:r>
-            <a:endParaRPr lang="de-DE" altLang="en-US" sz="2000" dirty="0">
-              <a:latin typeface="Calibri" charset="0"/>
-            </a:endParaRPr>
-          </a:p>
-          <a:p>
-            <a:pPr marL="171450" indent="-171450">
-              <a:buFont typeface="Arial" panose="02080604020202020204" pitchFamily="34" charset="0"/>
-              <a:buChar char="•"/>
-            </a:pPr>
-            <a:r>
-              <a:rPr lang="de-DE" altLang="en-US" sz="2000" dirty="0">
-                <a:latin typeface="Calibri" charset="0"/>
-                <a:sym typeface="+mn-ea"/>
-              </a:rPr>
-              <a:t>In die Berechnung der ECRC werden alle nichtvariablen Felder des Headers und des Data </a:t>
-            </a:r>
-            <a:r>
-              <a:rPr lang="de-DE" altLang="en-US" sz="2000" dirty="0" err="1">
-                <a:latin typeface="Calibri" charset="0"/>
-                <a:sym typeface="+mn-ea"/>
-              </a:rPr>
-              <a:t>Payloads</a:t>
-            </a:r>
-            <a:r>
-              <a:rPr lang="de-DE" altLang="en-US" sz="2000" dirty="0">
-                <a:latin typeface="Calibri" charset="0"/>
-                <a:sym typeface="+mn-ea"/>
-              </a:rPr>
-              <a:t> einbezogen.</a:t>
-            </a:r>
-            <a:endParaRPr lang="de-DE" altLang="en-US" sz="1795">
-              <a:latin typeface="Calibri" charset="0"/>
-              <a:sym typeface="+mn-ea"/>
-            </a:endParaRPr>
-          </a:p>
-        </p:txBody>
-      </p:sp>
-      <p:pic>
-        <p:nvPicPr>
-          <p:cNvPr id="7" name="Picture Placeholder 4" descr="/home/dinera/Dokumente/Studium/Digitale Signalverarbeitung/layer_tranaction.pnglayer_tranaction"/>
-          <p:cNvPicPr>
-            <a:picLocks noChangeAspect="true"/>
-          </p:cNvPicPr>
-          <p:nvPr/>
-        </p:nvPicPr>
-        <p:blipFill>
-          <a:blip r:embed="rId2"/>
-          <a:srcRect/>
-          <a:stretch>
-            <a:fillRect/>
-          </a:stretch>
-        </p:blipFill>
-        <p:spPr>
-          <a:xfrm>
-            <a:off x="6264910" y="1417955"/>
-            <a:ext cx="5222240" cy="2273300"/>
-          </a:xfrm>
-          <a:prstGeom prst="rect">
-            <a:avLst/>
-          </a:prstGeom>
-          <a:noFill/>
-          <a:ln w="9525">
-            <a:noFill/>
-          </a:ln>
-        </p:spPr>
-      </p:pic>
-      <p:grpSp>
-        <p:nvGrpSpPr>
-          <p:cNvPr id="5" name="Gruppieren 6"/>
-          <p:cNvGrpSpPr/>
-          <p:nvPr/>
-        </p:nvGrpSpPr>
-        <p:grpSpPr>
-          <a:xfrm>
-            <a:off x="6264910" y="3691255"/>
-            <a:ext cx="5431790" cy="2480945"/>
-            <a:chOff x="5944870" y="3126740"/>
-            <a:chExt cx="6076950" cy="2867025"/>
-          </a:xfrm>
-        </p:grpSpPr>
-        <p:pic>
-          <p:nvPicPr>
-            <p:cNvPr id="6" name="Grafik 2"/>
-            <p:cNvPicPr>
-              <a:picLocks noChangeAspect="true"/>
-            </p:cNvPicPr>
-            <p:nvPr/>
-          </p:nvPicPr>
-          <p:blipFill>
-            <a:blip r:embed="rId3"/>
-            <a:stretch>
-              <a:fillRect/>
-            </a:stretch>
-          </p:blipFill>
-          <p:spPr>
-            <a:xfrm>
-              <a:off x="5944870" y="3126740"/>
-              <a:ext cx="6076950" cy="2867025"/>
-            </a:xfrm>
-            <a:prstGeom prst="rect">
-              <a:avLst/>
-            </a:prstGeom>
-          </p:spPr>
-        </p:pic>
-        <p:sp>
-          <p:nvSpPr>
-            <p:cNvPr id="9" name="Rechteck 3"/>
-            <p:cNvSpPr/>
-            <p:nvPr/>
-          </p:nvSpPr>
-          <p:spPr>
-            <a:xfrm>
-              <a:off x="6763109" y="3769743"/>
-              <a:ext cx="4994695" cy="508959"/>
-            </a:xfrm>
-            <a:prstGeom prst="rect">
-              <a:avLst/>
-            </a:prstGeom>
-            <a:noFill/>
-            <a:ln w="19050">
-              <a:solidFill>
-                <a:srgbClr val="FF0000"/>
-              </a:solidFill>
-            </a:ln>
-          </p:spPr>
-          <p:style>
-            <a:lnRef idx="2">
-              <a:schemeClr val="accent1">
-                <a:shade val="50000"/>
-              </a:schemeClr>
-            </a:lnRef>
-            <a:fillRef idx="1">
-              <a:schemeClr val="accent1"/>
-            </a:fillRef>
-            <a:effectRef idx="0">
-              <a:schemeClr val="accent1"/>
-            </a:effectRef>
-            <a:fontRef idx="minor">
-              <a:schemeClr val="lt1"/>
-            </a:fontRef>
-          </p:style>
-          <p:txBody>
-            <a:bodyPr rtlCol="0" anchor="ctr"/>
-            <a:p>
-              <a:pPr algn="ctr"/>
-              <a:endParaRPr lang="de-DE"/>
-            </a:p>
-          </p:txBody>
-        </p:sp>
-      </p:grpSp>
-      <p:sp>
-        <p:nvSpPr>
-          <p:cNvPr id="4" name="Footer Placeholder 3"/>
-          <p:cNvSpPr>
-            <a:spLocks noGrp="true"/>
-          </p:cNvSpPr>
-          <p:nvPr>
-            <p:ph type="ftr" sz="quarter" idx="11"/>
-          </p:nvPr>
-        </p:nvSpPr>
-        <p:spPr>
-          <a:xfrm>
-            <a:off x="-3810" y="6507480"/>
-            <a:ext cx="12186285" cy="339725"/>
-          </a:xfrm>
-        </p:spPr>
-        <p:txBody>
-          <a:bodyPr/>
-          <a:p>
-            <a:pPr algn="l"/>
-            <a:r>
-              <a:rPr lang="zh-CN" altLang="en-US"/>
-              <a:t>Fakultät Elektrotechnik - ELT04760 Digitale Signalverarbeitung - Xiaolin Liu, Xinrui Zhao, Alexander Päßler und Justus Weinhold</a:t>
-            </a:r>
-            <a:endParaRPr lang="zh-CN" altLang="en-US"/>
-          </a:p>
-        </p:txBody>
-      </p:sp>
-    </p:spTree>
-  </p:cSld>
-  <p:clrMapOvr>
-    <a:masterClrMapping/>
-  </p:clrMapOvr>
-</p:sld>
-</file>
-
-<file path=ppt/slides/slide2.xml><?xml version="1.0" encoding="utf-8"?>
-<p:sld xmlns:a="http://schemas.openxmlformats.org/drawingml/2006/main" xmlns:r="http://schemas.openxmlformats.org/officeDocument/2006/relationships" xmlns:p="http://schemas.openxmlformats.org/presentationml/2006/main" showMasterSp="0">
-  <p:cSld>
-    <p:bg>
-      <p:bgPr>
-        <a:blipFill rotWithShape="true">
-          <a:blip r:embed="rId1"/>
-          <a:stretch>
-            <a:fillRect/>
-          </a:stretch>
-        </a:blipFill>
-        <a:effectLst/>
-      </p:bgPr>
-    </p:bg>
-    <p:spTree>
-      <p:nvGrpSpPr>
-        <p:cNvPr id="1" name=""/>
-        <p:cNvGrpSpPr/>
-        <p:nvPr/>
-      </p:nvGrpSpPr>
-      <p:grpSpPr/>
-      <p:sp>
-        <p:nvSpPr>
-          <p:cNvPr id="2" name="Title 1"/>
-          <p:cNvSpPr>
-            <a:spLocks noGrp="true"/>
-          </p:cNvSpPr>
-          <p:nvPr>
-            <p:ph type="title"/>
-          </p:nvPr>
-        </p:nvSpPr>
-        <p:spPr/>
-        <p:txBody>
-          <a:bodyPr/>
-          <a:p>
-            <a:pPr marL="0" indent="0" algn="l"/>
-            <a:r>
-              <a:rPr lang="de-DE" altLang="en-US">
-                <a:solidFill>
-                  <a:schemeClr val="tx2"/>
-                </a:solidFill>
-              </a:rPr>
-              <a:t>1. General</a:t>
-            </a:r>
-            <a:endParaRPr lang="de-DE" altLang="en-US">
-              <a:latin typeface="Calibri" charset="0"/>
-            </a:endParaRPr>
-          </a:p>
-        </p:txBody>
-      </p:sp>
-      <p:sp>
-        <p:nvSpPr>
-          <p:cNvPr id="8" name="Content Placeholder 7"/>
-          <p:cNvSpPr>
-            <a:spLocks noGrp="true"/>
-          </p:cNvSpPr>
-          <p:nvPr>
-            <p:ph sz="half" idx="1"/>
-          </p:nvPr>
-        </p:nvSpPr>
-        <p:spPr>
-          <a:xfrm>
-            <a:off x="609600" y="1417955"/>
-            <a:ext cx="5376672" cy="4525963"/>
-          </a:xfrm>
-        </p:spPr>
-        <p:txBody>
-          <a:bodyPr>
-            <a:normAutofit fontScale="60000"/>
-          </a:bodyPr>
-          <a:p>
-            <a:pPr marL="285750" indent="-285750">
-              <a:buFont typeface="Arial" panose="02080604020202020204" pitchFamily="34" charset="0"/>
-              <a:buChar char="•"/>
-            </a:pPr>
-            <a:r>
-              <a:rPr lang="de-DE" altLang="en-US">
-                <a:latin typeface="Calibri" charset="0"/>
-              </a:rPr>
-              <a:t>„Peripheral Component Interconnect Express“, kurz „PCIe“</a:t>
-            </a:r>
-            <a:endParaRPr lang="de-DE" altLang="en-US">
-              <a:latin typeface="Calibri" charset="0"/>
-            </a:endParaRPr>
-          </a:p>
-          <a:p>
-            <a:pPr marL="285750" indent="-285750">
-              <a:buFont typeface="Arial" panose="02080604020202020204" pitchFamily="34" charset="0"/>
-              <a:buChar char="•"/>
-            </a:pPr>
-            <a:r>
-              <a:rPr lang="de-DE" altLang="en-US">
-                <a:latin typeface="Calibri" charset="0"/>
-              </a:rPr>
-              <a:t>Bussystem zwischen Pereferiegeräten und einer CPU</a:t>
-            </a:r>
-            <a:endParaRPr lang="de-DE" altLang="en-US">
-              <a:latin typeface="Calibri" charset="0"/>
-            </a:endParaRPr>
-          </a:p>
-          <a:p>
-            <a:pPr marL="285750" indent="-285750">
-              <a:buFont typeface="Arial" panose="02080604020202020204" pitchFamily="34" charset="0"/>
-              <a:buChar char="•"/>
-            </a:pPr>
-            <a:r>
-              <a:rPr lang="de-DE" altLang="en-US">
-                <a:latin typeface="Calibri" charset="0"/>
-              </a:rPr>
-              <a:t>Mögliche Pereferie:</a:t>
-            </a:r>
-            <a:endParaRPr lang="de-DE" altLang="en-US">
-              <a:latin typeface="Calibri" charset="0"/>
-            </a:endParaRPr>
-          </a:p>
-          <a:p>
-            <a:pPr marL="742950" lvl="1" indent="-285750">
-              <a:buFont typeface="Arial" panose="02080604020202020204" pitchFamily="34" charset="0"/>
-              <a:buChar char="•"/>
-            </a:pPr>
-            <a:r>
-              <a:rPr lang="de-DE" altLang="en-US">
-                <a:latin typeface="Calibri" charset="0"/>
-              </a:rPr>
-              <a:t>Grfikkarten</a:t>
-            </a:r>
-            <a:endParaRPr lang="de-DE" altLang="en-US">
-              <a:latin typeface="Calibri" charset="0"/>
-            </a:endParaRPr>
-          </a:p>
-          <a:p>
-            <a:pPr marL="742950" lvl="1" indent="-285750">
-              <a:buFont typeface="Arial" panose="02080604020202020204" pitchFamily="34" charset="0"/>
-              <a:buChar char="•"/>
-            </a:pPr>
-            <a:r>
-              <a:rPr lang="de-DE" altLang="en-US">
-                <a:latin typeface="Calibri" charset="0"/>
-              </a:rPr>
-              <a:t>Soundkarten</a:t>
-            </a:r>
-            <a:endParaRPr lang="de-DE" altLang="en-US">
-              <a:latin typeface="Calibri" charset="0"/>
-            </a:endParaRPr>
-          </a:p>
-          <a:p>
-            <a:pPr marL="742950" lvl="1" indent="-285750">
-              <a:buFont typeface="Arial" panose="02080604020202020204" pitchFamily="34" charset="0"/>
-              <a:buChar char="•"/>
-            </a:pPr>
-            <a:r>
-              <a:rPr lang="de-DE" altLang="en-US">
-                <a:latin typeface="Calibri" charset="0"/>
-              </a:rPr>
-              <a:t>M2 SSDs</a:t>
-            </a:r>
-            <a:endParaRPr lang="de-DE" altLang="en-US">
-              <a:latin typeface="Calibri" charset="0"/>
-            </a:endParaRPr>
-          </a:p>
-          <a:p>
-            <a:pPr marL="742950" lvl="1" indent="-285750">
-              <a:buFont typeface="Arial" panose="02080604020202020204" pitchFamily="34" charset="0"/>
-              <a:buChar char="•"/>
-            </a:pPr>
-            <a:r>
-              <a:rPr lang="de-DE" altLang="en-US">
-                <a:latin typeface="Calibri" charset="0"/>
-              </a:rPr>
-              <a:t>SATA</a:t>
-            </a:r>
-            <a:endParaRPr lang="de-DE" altLang="en-US">
-              <a:latin typeface="Calibri" charset="0"/>
-            </a:endParaRPr>
-          </a:p>
-          <a:p>
-            <a:pPr marL="742950" lvl="1" indent="-285750">
-              <a:buFont typeface="Arial" panose="02080604020202020204" pitchFamily="34" charset="0"/>
-              <a:buChar char="•"/>
-            </a:pPr>
-            <a:r>
-              <a:rPr lang="de-DE" altLang="en-US">
-                <a:latin typeface="Calibri" charset="0"/>
-              </a:rPr>
-              <a:t>Thunderbold</a:t>
-            </a:r>
-            <a:endParaRPr lang="de-DE" altLang="en-US">
-              <a:latin typeface="Calibri" charset="0"/>
-            </a:endParaRPr>
-          </a:p>
-          <a:p>
-            <a:pPr marL="742950" lvl="1" indent="-285750">
-              <a:buFont typeface="Arial" panose="02080604020202020204" pitchFamily="34" charset="0"/>
-              <a:buChar char="•"/>
-            </a:pPr>
-            <a:r>
-              <a:rPr lang="de-DE" altLang="en-US">
-                <a:latin typeface="Calibri" charset="0"/>
-              </a:rPr>
-              <a:t>etc. </a:t>
-            </a:r>
-            <a:endParaRPr lang="de-DE" altLang="en-US">
-              <a:latin typeface="Calibri" charset="0"/>
-            </a:endParaRPr>
-          </a:p>
-          <a:p>
-            <a:pPr marL="285750" lvl="0" indent="-285750">
-              <a:buFont typeface="Arial" panose="02080604020202020204" pitchFamily="34" charset="0"/>
-              <a:buChar char="•"/>
-            </a:pPr>
-            <a:r>
-              <a:rPr lang="de-DE" altLang="en-US">
-                <a:latin typeface="Calibri" charset="0"/>
-              </a:rPr>
-              <a:t>Aktueller Version 5.0 (2018)</a:t>
-            </a:r>
-            <a:endParaRPr lang="de-DE" altLang="en-US">
-              <a:latin typeface="Calibri" charset="0"/>
-            </a:endParaRPr>
-          </a:p>
-          <a:p>
-            <a:pPr marL="285750" lvl="0" indent="-285750">
-              <a:buFont typeface="Arial" panose="02080604020202020204" pitchFamily="34" charset="0"/>
-              <a:buChar char="•"/>
-            </a:pPr>
-            <a:r>
-              <a:rPr lang="de-DE" altLang="en-US">
-                <a:latin typeface="Calibri" charset="0"/>
-              </a:rPr>
-              <a:t>nachste Version 6.0 (2021)</a:t>
-            </a:r>
-            <a:endParaRPr lang="de-DE" altLang="en-US">
-              <a:latin typeface="Calibri" charset="0"/>
-            </a:endParaRPr>
-          </a:p>
-        </p:txBody>
-      </p:sp>
-      <p:pic>
-        <p:nvPicPr>
-          <p:cNvPr id="10" name="Content Placeholder 9" descr="https://www.techpowerup.com/gpu-specs/radeon-rx-6900-xt.c3481" title="&#10;AMD Radeon RX 6900 XT&#10;"/>
-          <p:cNvPicPr>
-            <a:picLocks noChangeAspect="true"/>
-          </p:cNvPicPr>
-          <p:nvPr>
-            <p:ph sz="half" idx="2"/>
-          </p:nvPr>
-        </p:nvPicPr>
-        <p:blipFill>
-          <a:blip r:embed="rId2"/>
-          <a:srcRect l="17496" t="632" r="42627" b="10030"/>
-          <a:stretch>
-            <a:fillRect/>
-          </a:stretch>
-        </p:blipFill>
-        <p:spPr>
-          <a:xfrm rot="5400000">
-            <a:off x="7417435" y="977265"/>
-            <a:ext cx="4375150" cy="4295775"/>
-          </a:xfrm>
-          <a:prstGeom prst="rect">
-            <a:avLst/>
-          </a:prstGeom>
-        </p:spPr>
-      </p:pic>
-      <p:sp>
-        <p:nvSpPr>
-          <p:cNvPr id="11" name="Text Box 10"/>
-          <p:cNvSpPr txBox="true"/>
-          <p:nvPr/>
-        </p:nvSpPr>
-        <p:spPr>
-          <a:xfrm>
-            <a:off x="7656195" y="5445125"/>
-            <a:ext cx="3898900" cy="645160"/>
-          </a:xfrm>
-          <a:prstGeom prst="rect">
-            <a:avLst/>
-          </a:prstGeom>
-          <a:noFill/>
-        </p:spPr>
-        <p:txBody>
-          <a:bodyPr wrap="square" rtlCol="0">
-            <a:spAutoFit/>
-          </a:bodyPr>
-          <a:p>
-            <a:r>
-              <a:rPr lang="en-US" sz="1200"/>
-              <a:t>AMD Radeon RX 6900 XT</a:t>
-            </a:r>
-            <a:r>
-              <a:rPr lang="de-DE" altLang="en-US" sz="1200">
-                <a:latin typeface="Calibri" charset="0"/>
-              </a:rPr>
-              <a:t> mit PICe x16 Anschluss</a:t>
-            </a:r>
-            <a:endParaRPr lang="en-US" sz="1200"/>
-          </a:p>
-          <a:p>
-            <a:r>
-              <a:rPr lang="de-DE" altLang="en-US" sz="1200">
-                <a:latin typeface="Calibri" charset="0"/>
-              </a:rPr>
-              <a:t>Quelle: </a:t>
-            </a:r>
-            <a:r>
-              <a:rPr lang="en-US" sz="1200"/>
-              <a:t>https://www.techpowerup.com/gpu-specs/radeon-rx-6900-xt.c3481</a:t>
-            </a:r>
-            <a:endParaRPr lang="en-US" sz="1200"/>
-          </a:p>
-        </p:txBody>
-      </p:sp>
-      <p:sp>
-        <p:nvSpPr>
-          <p:cNvPr id="3" name="Footer Placeholder 2"/>
-          <p:cNvSpPr>
-            <a:spLocks noGrp="true"/>
-          </p:cNvSpPr>
-          <p:nvPr>
-            <p:ph type="ftr" sz="quarter" idx="11"/>
-          </p:nvPr>
-        </p:nvSpPr>
-        <p:spPr>
-          <a:xfrm>
-            <a:off x="-3810" y="6507480"/>
-            <a:ext cx="12186285" cy="339725"/>
-          </a:xfrm>
-        </p:spPr>
-        <p:txBody>
-          <a:bodyPr/>
-          <a:p>
-            <a:pPr algn="l"/>
-            <a:r>
-              <a:rPr lang="zh-CN" altLang="en-US"/>
-              <a:t>Fakultät Elektrotechnik - ELT04760 Digitale Signalverarbeitung - Xiaolin Liu, Xinrui Zhao, Alexander Päßler und Justus Weinhold</a:t>
-            </a:r>
-            <a:endParaRPr lang="zh-CN" altLang="en-US"/>
-          </a:p>
-        </p:txBody>
-      </p:sp>
-    </p:spTree>
-  </p:cSld>
-  <p:clrMapOvr>
-    <a:masterClrMapping/>
-  </p:clrMapOvr>
-</p:sld>
-</file>
-
-<file path=ppt/slides/slide20.xml><?xml version="1.0" encoding="utf-8"?>
-<p:sld xmlns:a="http://schemas.openxmlformats.org/drawingml/2006/main" xmlns:r="http://schemas.openxmlformats.org/officeDocument/2006/relationships" xmlns:p="http://schemas.openxmlformats.org/presentationml/2006/main">
-  <p:cSld>
-    <p:bg>
-      <p:bgPr>
-        <a:blipFill rotWithShape="true">
-          <a:blip r:embed="rId1"/>
-          <a:stretch>
-            <a:fillRect/>
-          </a:stretch>
-        </a:blipFill>
-        <a:effectLst/>
-      </p:bgPr>
-    </p:bg>
-    <p:spTree>
-      <p:nvGrpSpPr>
-        <p:cNvPr id="1" name=""/>
-        <p:cNvGrpSpPr/>
-        <p:nvPr/>
-      </p:nvGrpSpPr>
-      <p:grpSpPr/>
-      <p:sp>
-        <p:nvSpPr>
-          <p:cNvPr id="2" name="Title 1"/>
-          <p:cNvSpPr>
-            <a:spLocks noGrp="true"/>
-          </p:cNvSpPr>
-          <p:nvPr>
-            <p:ph type="title"/>
-          </p:nvPr>
-        </p:nvSpPr>
-        <p:spPr/>
-        <p:txBody>
-          <a:bodyPr/>
-          <a:p>
-            <a:pPr marL="0" indent="0" algn="l"/>
-            <a:r>
-              <a:rPr lang="de-DE" altLang="zh-CN">
-                <a:sym typeface="+mn-ea"/>
-              </a:rPr>
-              <a:t>6. PCIe Protokoll</a:t>
-            </a:r>
-            <a:endParaRPr lang="de-DE" altLang="zh-CN">
-              <a:sym typeface="+mn-ea"/>
-            </a:endParaRPr>
-          </a:p>
-        </p:txBody>
-      </p:sp>
-      <p:sp>
-        <p:nvSpPr>
-          <p:cNvPr id="8" name="Content Placeholder 7"/>
-          <p:cNvSpPr>
-            <a:spLocks noGrp="true"/>
-          </p:cNvSpPr>
-          <p:nvPr>
-            <p:ph sz="half" idx="1"/>
-          </p:nvPr>
-        </p:nvSpPr>
-        <p:spPr>
-          <a:xfrm>
-            <a:off x="609600" y="1364615"/>
             <a:ext cx="5655310" cy="5040630"/>
           </a:xfrm>
         </p:spPr>
@@ -10013,7 +8859,716 @@
 </p:sld>
 </file>
 
-<file path=ppt/slides/slide21.xml><?xml version="1.0" encoding="utf-8"?>
+<file path=ppt/slides/slide19.xml><?xml version="1.0" encoding="utf-8"?>
+<p:sld xmlns:a="http://schemas.openxmlformats.org/drawingml/2006/main" xmlns:r="http://schemas.openxmlformats.org/officeDocument/2006/relationships" xmlns:p="http://schemas.openxmlformats.org/presentationml/2006/main">
+  <p:cSld>
+    <p:bg>
+      <p:bgPr>
+        <a:blipFill rotWithShape="true">
+          <a:blip r:embed="rId1"/>
+          <a:stretch>
+            <a:fillRect/>
+          </a:stretch>
+        </a:blipFill>
+        <a:effectLst/>
+      </p:bgPr>
+    </p:bg>
+    <p:spTree>
+      <p:nvGrpSpPr>
+        <p:cNvPr id="1" name=""/>
+        <p:cNvGrpSpPr/>
+        <p:nvPr/>
+      </p:nvGrpSpPr>
+      <p:grpSpPr/>
+      <p:sp>
+        <p:nvSpPr>
+          <p:cNvPr id="2" name="Title 1"/>
+          <p:cNvSpPr>
+            <a:spLocks noGrp="true"/>
+          </p:cNvSpPr>
+          <p:nvPr>
+            <p:ph type="title"/>
+          </p:nvPr>
+        </p:nvSpPr>
+        <p:spPr/>
+        <p:txBody>
+          <a:bodyPr/>
+          <a:p>
+            <a:pPr marL="0" indent="0" algn="l"/>
+            <a:r>
+              <a:rPr lang="de-DE" altLang="zh-CN">
+                <a:sym typeface="+mn-ea"/>
+              </a:rPr>
+              <a:t>6. PCIe Protokoll</a:t>
+            </a:r>
+            <a:endParaRPr lang="de-DE" altLang="zh-CN">
+              <a:sym typeface="+mn-ea"/>
+            </a:endParaRPr>
+          </a:p>
+        </p:txBody>
+      </p:sp>
+      <p:sp>
+        <p:nvSpPr>
+          <p:cNvPr id="8" name="Content Placeholder 7"/>
+          <p:cNvSpPr>
+            <a:spLocks noGrp="true"/>
+          </p:cNvSpPr>
+          <p:nvPr>
+            <p:ph sz="half" idx="1"/>
+          </p:nvPr>
+        </p:nvSpPr>
+        <p:spPr>
+          <a:xfrm>
+            <a:off x="609600" y="1364615"/>
+            <a:ext cx="5655310" cy="5040630"/>
+          </a:xfrm>
+        </p:spPr>
+        <p:txBody>
+          <a:bodyPr>
+            <a:normAutofit/>
+          </a:bodyPr>
+          <a:p>
+            <a:pPr marL="57150" indent="0" algn="l">
+              <a:lnSpc>
+                <a:spcPct val="100000"/>
+              </a:lnSpc>
+              <a:buClrTx/>
+              <a:buSzTx/>
+              <a:buFont typeface="Arial" panose="02080604020202020204" pitchFamily="34" charset="0"/>
+              <a:buNone/>
+            </a:pPr>
+            <a:r>
+              <a:rPr lang="de-DE" altLang="zh-CN" sz="2800">
+                <a:sym typeface="+mn-ea"/>
+              </a:rPr>
+              <a:t>6.3.2 Transaction Layer Protokoll</a:t>
+            </a:r>
+            <a:endParaRPr lang="de-DE" altLang="en-US" sz="2800">
+              <a:solidFill>
+                <a:schemeClr val="tx1"/>
+              </a:solidFill>
+              <a:latin typeface="Calibri" charset="0"/>
+            </a:endParaRPr>
+          </a:p>
+          <a:p>
+            <a:pPr marL="57150" indent="0" algn="l">
+              <a:lnSpc>
+                <a:spcPct val="100000"/>
+              </a:lnSpc>
+              <a:buClrTx/>
+              <a:buSzTx/>
+              <a:buFont typeface="Arial" panose="02080604020202020204" pitchFamily="34" charset="0"/>
+              <a:buNone/>
+            </a:pPr>
+            <a:r>
+              <a:rPr lang="de-DE" altLang="en-US" sz="2000" dirty="0">
+                <a:latin typeface="Calibri" charset="0"/>
+                <a:sym typeface="+mn-ea"/>
+              </a:rPr>
+              <a:t>Transaction Layer Package (TLP) Digest</a:t>
+            </a:r>
+            <a:endParaRPr lang="de-DE" altLang="en-US" sz="2000" dirty="0">
+              <a:latin typeface="Calibri" charset="0"/>
+            </a:endParaRPr>
+          </a:p>
+          <a:p>
+            <a:pPr marL="171450" indent="-171450">
+              <a:buFont typeface="Arial" panose="02080604020202020204" pitchFamily="34" charset="0"/>
+              <a:buChar char="•"/>
+            </a:pPr>
+            <a:r>
+              <a:rPr lang="de-DE" altLang="en-US" sz="2000" dirty="0">
+                <a:latin typeface="Calibri" charset="0"/>
+                <a:sym typeface="+mn-ea"/>
+              </a:rPr>
+              <a:t>Wenn das TLP Digest-Feld verwendet wird, ist das TD-Bit im Header auf 1 gesetzt.</a:t>
+            </a:r>
+            <a:endParaRPr lang="de-DE" altLang="en-US" sz="2000" dirty="0">
+              <a:latin typeface="Calibri" charset="0"/>
+            </a:endParaRPr>
+          </a:p>
+          <a:p>
+            <a:pPr indent="-285750" algn="l">
+              <a:lnSpc>
+                <a:spcPct val="100000"/>
+              </a:lnSpc>
+              <a:buClrTx/>
+              <a:buSzTx/>
+              <a:buFont typeface="Arial" panose="02080604020202020204" pitchFamily="34" charset="0"/>
+              <a:buChar char="•"/>
+            </a:pPr>
+            <a:endParaRPr lang="de-DE" altLang="en-US" sz="2000" dirty="0">
+              <a:latin typeface="Calibri" charset="0"/>
+            </a:endParaRPr>
+          </a:p>
+          <a:p>
+            <a:pPr marL="57150" indent="0" algn="l">
+              <a:lnSpc>
+                <a:spcPct val="100000"/>
+              </a:lnSpc>
+              <a:buClrTx/>
+              <a:buSzTx/>
+              <a:buFont typeface="Arial" panose="02080604020202020204" pitchFamily="34" charset="0"/>
+              <a:buNone/>
+            </a:pPr>
+            <a:r>
+              <a:rPr lang="de-DE" altLang="en-US" sz="2000" dirty="0">
+                <a:latin typeface="Calibri" charset="0"/>
+                <a:sym typeface="+mn-ea"/>
+              </a:rPr>
+              <a:t>ECRC</a:t>
+            </a:r>
+            <a:endParaRPr lang="de-DE" altLang="en-US" sz="2000" dirty="0">
+              <a:latin typeface="Calibri" charset="0"/>
+            </a:endParaRPr>
+          </a:p>
+          <a:p>
+            <a:pPr marL="171450" indent="-171450">
+              <a:buFont typeface="Arial" panose="02080604020202020204" pitchFamily="34" charset="0"/>
+              <a:buChar char="•"/>
+            </a:pPr>
+            <a:r>
+              <a:rPr lang="de-DE" altLang="en-US" sz="2000" dirty="0">
+                <a:latin typeface="Calibri" charset="0"/>
+                <a:sym typeface="+mn-ea"/>
+              </a:rPr>
+              <a:t>Zusätzliche 32-Bit CRC neben LCRC im Data Link Layer für Datenübertragung mit hoher Wichtigkeit</a:t>
+            </a:r>
+            <a:endParaRPr lang="de-DE" altLang="en-US" sz="2000" dirty="0">
+              <a:latin typeface="Calibri" charset="0"/>
+            </a:endParaRPr>
+          </a:p>
+          <a:p>
+            <a:pPr marL="171450" indent="-171450">
+              <a:buFont typeface="Arial" panose="02080604020202020204" pitchFamily="34" charset="0"/>
+              <a:buChar char="•"/>
+            </a:pPr>
+            <a:r>
+              <a:rPr lang="de-DE" altLang="en-US" sz="2000" dirty="0">
+                <a:latin typeface="Calibri" charset="0"/>
+                <a:sym typeface="+mn-ea"/>
+              </a:rPr>
+              <a:t>In die Berechnung der ECRC werden alle nichtvariablen Felder des Headers und des Data </a:t>
+            </a:r>
+            <a:r>
+              <a:rPr lang="de-DE" altLang="en-US" sz="2000" dirty="0" err="1">
+                <a:latin typeface="Calibri" charset="0"/>
+                <a:sym typeface="+mn-ea"/>
+              </a:rPr>
+              <a:t>Payloads</a:t>
+            </a:r>
+            <a:r>
+              <a:rPr lang="de-DE" altLang="en-US" sz="2000" dirty="0">
+                <a:latin typeface="Calibri" charset="0"/>
+                <a:sym typeface="+mn-ea"/>
+              </a:rPr>
+              <a:t> einbezogen.</a:t>
+            </a:r>
+            <a:endParaRPr lang="de-DE" altLang="en-US" sz="1795">
+              <a:latin typeface="Calibri" charset="0"/>
+              <a:sym typeface="+mn-ea"/>
+            </a:endParaRPr>
+          </a:p>
+        </p:txBody>
+      </p:sp>
+      <p:pic>
+        <p:nvPicPr>
+          <p:cNvPr id="7" name="Picture Placeholder 4" descr="/home/dinera/Dokumente/Studium/Digitale Signalverarbeitung/layer_tranaction.pnglayer_tranaction"/>
+          <p:cNvPicPr>
+            <a:picLocks noChangeAspect="true"/>
+          </p:cNvPicPr>
+          <p:nvPr/>
+        </p:nvPicPr>
+        <p:blipFill>
+          <a:blip r:embed="rId2"/>
+          <a:srcRect/>
+          <a:stretch>
+            <a:fillRect/>
+          </a:stretch>
+        </p:blipFill>
+        <p:spPr>
+          <a:xfrm>
+            <a:off x="6264910" y="1417955"/>
+            <a:ext cx="5222240" cy="2273300"/>
+          </a:xfrm>
+          <a:prstGeom prst="rect">
+            <a:avLst/>
+          </a:prstGeom>
+          <a:noFill/>
+          <a:ln w="9525">
+            <a:noFill/>
+          </a:ln>
+        </p:spPr>
+      </p:pic>
+      <p:sp>
+        <p:nvSpPr>
+          <p:cNvPr id="4" name="Footer Placeholder 3"/>
+          <p:cNvSpPr>
+            <a:spLocks noGrp="true"/>
+          </p:cNvSpPr>
+          <p:nvPr>
+            <p:ph type="ftr" sz="quarter" idx="11"/>
+          </p:nvPr>
+        </p:nvSpPr>
+        <p:spPr>
+          <a:xfrm>
+            <a:off x="-3810" y="6507480"/>
+            <a:ext cx="12186285" cy="339725"/>
+          </a:xfrm>
+        </p:spPr>
+        <p:txBody>
+          <a:bodyPr/>
+          <a:p>
+            <a:pPr algn="l"/>
+            <a:r>
+              <a:rPr lang="zh-CN" altLang="en-US"/>
+              <a:t>Fakultät Elektrotechnik - ELT04760 Digitale Signalverarbeitung - Xiaolin Liu, Xinrui Zhao, Alexander Päßler und Justus Weinhold</a:t>
+            </a:r>
+            <a:endParaRPr lang="zh-CN" altLang="en-US"/>
+          </a:p>
+        </p:txBody>
+      </p:sp>
+      <p:grpSp>
+        <p:nvGrpSpPr>
+          <p:cNvPr id="14" name="Gruppieren 6"/>
+          <p:cNvGrpSpPr/>
+          <p:nvPr/>
+        </p:nvGrpSpPr>
+        <p:grpSpPr>
+          <a:xfrm>
+            <a:off x="6264910" y="3865245"/>
+            <a:ext cx="5222240" cy="2319655"/>
+            <a:chOff x="5944870" y="3126740"/>
+            <a:chExt cx="6076950" cy="2867025"/>
+          </a:xfrm>
+        </p:grpSpPr>
+        <p:pic>
+          <p:nvPicPr>
+            <p:cNvPr id="15" name="Grafik 2"/>
+            <p:cNvPicPr>
+              <a:picLocks noChangeAspect="true"/>
+            </p:cNvPicPr>
+            <p:nvPr/>
+          </p:nvPicPr>
+          <p:blipFill>
+            <a:blip r:embed="rId3"/>
+            <a:stretch>
+              <a:fillRect/>
+            </a:stretch>
+          </p:blipFill>
+          <p:spPr>
+            <a:xfrm>
+              <a:off x="5944870" y="3126740"/>
+              <a:ext cx="6076950" cy="2867025"/>
+            </a:xfrm>
+            <a:prstGeom prst="rect">
+              <a:avLst/>
+            </a:prstGeom>
+          </p:spPr>
+        </p:pic>
+        <p:sp>
+          <p:nvSpPr>
+            <p:cNvPr id="16" name="Rechteck 3"/>
+            <p:cNvSpPr/>
+            <p:nvPr/>
+          </p:nvSpPr>
+          <p:spPr>
+            <a:xfrm>
+              <a:off x="6763109" y="5193102"/>
+              <a:ext cx="4994695" cy="258790"/>
+            </a:xfrm>
+            <a:prstGeom prst="rect">
+              <a:avLst/>
+            </a:prstGeom>
+            <a:noFill/>
+            <a:ln w="19050">
+              <a:solidFill>
+                <a:srgbClr val="FF0000"/>
+              </a:solidFill>
+            </a:ln>
+          </p:spPr>
+          <p:style>
+            <a:lnRef idx="2">
+              <a:schemeClr val="accent1">
+                <a:shade val="50000"/>
+              </a:schemeClr>
+            </a:lnRef>
+            <a:fillRef idx="1">
+              <a:schemeClr val="accent1"/>
+            </a:fillRef>
+            <a:effectRef idx="0">
+              <a:schemeClr val="accent1"/>
+            </a:effectRef>
+            <a:fontRef idx="minor">
+              <a:schemeClr val="lt1"/>
+            </a:fontRef>
+          </p:style>
+          <p:txBody>
+            <a:bodyPr rtlCol="0" anchor="ctr"/>
+            <a:p>
+              <a:pPr algn="ctr"/>
+              <a:endParaRPr lang="de-DE"/>
+            </a:p>
+          </p:txBody>
+        </p:sp>
+      </p:grpSp>
+    </p:spTree>
+  </p:cSld>
+  <p:clrMapOvr>
+    <a:masterClrMapping/>
+  </p:clrMapOvr>
+</p:sld>
+</file>
+
+<file path=ppt/slides/slide2.xml><?xml version="1.0" encoding="utf-8"?>
+<p:sld xmlns:a="http://schemas.openxmlformats.org/drawingml/2006/main" xmlns:r="http://schemas.openxmlformats.org/officeDocument/2006/relationships" xmlns:p="http://schemas.openxmlformats.org/presentationml/2006/main" showMasterSp="0">
+  <p:cSld>
+    <p:bg>
+      <p:bgPr>
+        <a:blipFill rotWithShape="true">
+          <a:blip r:embed="rId1"/>
+          <a:stretch>
+            <a:fillRect/>
+          </a:stretch>
+        </a:blipFill>
+        <a:effectLst/>
+      </p:bgPr>
+    </p:bg>
+    <p:spTree>
+      <p:nvGrpSpPr>
+        <p:cNvPr id="1" name=""/>
+        <p:cNvGrpSpPr/>
+        <p:nvPr/>
+      </p:nvGrpSpPr>
+      <p:grpSpPr/>
+      <p:sp>
+        <p:nvSpPr>
+          <p:cNvPr id="2" name="Title 1"/>
+          <p:cNvSpPr>
+            <a:spLocks noGrp="true"/>
+          </p:cNvSpPr>
+          <p:nvPr>
+            <p:ph type="title"/>
+          </p:nvPr>
+        </p:nvSpPr>
+        <p:spPr/>
+        <p:txBody>
+          <a:bodyPr/>
+          <a:p>
+            <a:pPr marL="0" indent="0" algn="l"/>
+            <a:r>
+              <a:rPr lang="de-DE" altLang="en-US">
+                <a:solidFill>
+                  <a:schemeClr val="tx2"/>
+                </a:solidFill>
+              </a:rPr>
+              <a:t>1. General</a:t>
+            </a:r>
+            <a:endParaRPr lang="de-DE" altLang="en-US">
+              <a:latin typeface="Calibri" charset="0"/>
+            </a:endParaRPr>
+          </a:p>
+        </p:txBody>
+      </p:sp>
+      <p:sp>
+        <p:nvSpPr>
+          <p:cNvPr id="8" name="Content Placeholder 7"/>
+          <p:cNvSpPr>
+            <a:spLocks noGrp="true"/>
+          </p:cNvSpPr>
+          <p:nvPr>
+            <p:ph sz="half" idx="1"/>
+          </p:nvPr>
+        </p:nvSpPr>
+        <p:spPr>
+          <a:xfrm>
+            <a:off x="609600" y="1417955"/>
+            <a:ext cx="5376672" cy="4525963"/>
+          </a:xfrm>
+        </p:spPr>
+        <p:txBody>
+          <a:bodyPr>
+            <a:normAutofit fontScale="60000"/>
+          </a:bodyPr>
+          <a:p>
+            <a:pPr marL="285750" indent="-285750">
+              <a:buFont typeface="Arial" panose="02080604020202020204" pitchFamily="34" charset="0"/>
+              <a:buChar char="•"/>
+            </a:pPr>
+            <a:r>
+              <a:rPr lang="de-DE" altLang="en-US">
+                <a:latin typeface="Calibri" charset="0"/>
+              </a:rPr>
+              <a:t>„Peripheral Component Interconnect Express“, kurz „PCIe“</a:t>
+            </a:r>
+            <a:endParaRPr lang="de-DE" altLang="en-US">
+              <a:latin typeface="Calibri" charset="0"/>
+            </a:endParaRPr>
+          </a:p>
+          <a:p>
+            <a:pPr marL="285750" indent="-285750">
+              <a:buFont typeface="Arial" panose="02080604020202020204" pitchFamily="34" charset="0"/>
+              <a:buChar char="•"/>
+            </a:pPr>
+            <a:r>
+              <a:rPr lang="de-DE" altLang="en-US">
+                <a:latin typeface="Calibri" charset="0"/>
+              </a:rPr>
+              <a:t>Bussystem zwischen Pereferiegeräten und einer CPU</a:t>
+            </a:r>
+            <a:endParaRPr lang="de-DE" altLang="en-US">
+              <a:latin typeface="Calibri" charset="0"/>
+            </a:endParaRPr>
+          </a:p>
+          <a:p>
+            <a:pPr marL="285750" indent="-285750">
+              <a:buFont typeface="Arial" panose="02080604020202020204" pitchFamily="34" charset="0"/>
+              <a:buChar char="•"/>
+            </a:pPr>
+            <a:r>
+              <a:rPr lang="de-DE" altLang="en-US">
+                <a:latin typeface="Calibri" charset="0"/>
+              </a:rPr>
+              <a:t>Mögliche Pereferie:</a:t>
+            </a:r>
+            <a:endParaRPr lang="de-DE" altLang="en-US">
+              <a:latin typeface="Calibri" charset="0"/>
+            </a:endParaRPr>
+          </a:p>
+          <a:p>
+            <a:pPr marL="742950" lvl="1" indent="-285750">
+              <a:buFont typeface="Arial" panose="02080604020202020204" pitchFamily="34" charset="0"/>
+              <a:buChar char="•"/>
+            </a:pPr>
+            <a:r>
+              <a:rPr lang="de-DE" altLang="en-US">
+                <a:latin typeface="Calibri" charset="0"/>
+              </a:rPr>
+              <a:t>Grfikkarten</a:t>
+            </a:r>
+            <a:endParaRPr lang="de-DE" altLang="en-US">
+              <a:latin typeface="Calibri" charset="0"/>
+            </a:endParaRPr>
+          </a:p>
+          <a:p>
+            <a:pPr marL="742950" lvl="1" indent="-285750">
+              <a:buFont typeface="Arial" panose="02080604020202020204" pitchFamily="34" charset="0"/>
+              <a:buChar char="•"/>
+            </a:pPr>
+            <a:r>
+              <a:rPr lang="de-DE" altLang="en-US">
+                <a:latin typeface="Calibri" charset="0"/>
+              </a:rPr>
+              <a:t>Soundkarten</a:t>
+            </a:r>
+            <a:endParaRPr lang="de-DE" altLang="en-US">
+              <a:latin typeface="Calibri" charset="0"/>
+            </a:endParaRPr>
+          </a:p>
+          <a:p>
+            <a:pPr marL="742950" lvl="1" indent="-285750">
+              <a:buFont typeface="Arial" panose="02080604020202020204" pitchFamily="34" charset="0"/>
+              <a:buChar char="•"/>
+            </a:pPr>
+            <a:r>
+              <a:rPr lang="de-DE" altLang="en-US">
+                <a:latin typeface="Calibri" charset="0"/>
+              </a:rPr>
+              <a:t>M2 SSDs</a:t>
+            </a:r>
+            <a:endParaRPr lang="de-DE" altLang="en-US">
+              <a:latin typeface="Calibri" charset="0"/>
+            </a:endParaRPr>
+          </a:p>
+          <a:p>
+            <a:pPr marL="742950" lvl="1" indent="-285750">
+              <a:buFont typeface="Arial" panose="02080604020202020204" pitchFamily="34" charset="0"/>
+              <a:buChar char="•"/>
+            </a:pPr>
+            <a:r>
+              <a:rPr lang="de-DE" altLang="en-US">
+                <a:latin typeface="Calibri" charset="0"/>
+              </a:rPr>
+              <a:t>SATA</a:t>
+            </a:r>
+            <a:endParaRPr lang="de-DE" altLang="en-US">
+              <a:latin typeface="Calibri" charset="0"/>
+            </a:endParaRPr>
+          </a:p>
+          <a:p>
+            <a:pPr marL="742950" lvl="1" indent="-285750">
+              <a:buFont typeface="Arial" panose="02080604020202020204" pitchFamily="34" charset="0"/>
+              <a:buChar char="•"/>
+            </a:pPr>
+            <a:r>
+              <a:rPr lang="de-DE" altLang="en-US">
+                <a:latin typeface="Calibri" charset="0"/>
+              </a:rPr>
+              <a:t>Thunderbold</a:t>
+            </a:r>
+            <a:endParaRPr lang="de-DE" altLang="en-US">
+              <a:latin typeface="Calibri" charset="0"/>
+            </a:endParaRPr>
+          </a:p>
+          <a:p>
+            <a:pPr marL="742950" lvl="1" indent="-285750">
+              <a:buFont typeface="Arial" panose="02080604020202020204" pitchFamily="34" charset="0"/>
+              <a:buChar char="•"/>
+            </a:pPr>
+            <a:r>
+              <a:rPr lang="de-DE" altLang="en-US">
+                <a:latin typeface="Calibri" charset="0"/>
+              </a:rPr>
+              <a:t>etc. </a:t>
+            </a:r>
+            <a:endParaRPr lang="de-DE" altLang="en-US">
+              <a:latin typeface="Calibri" charset="0"/>
+            </a:endParaRPr>
+          </a:p>
+          <a:p>
+            <a:pPr marL="285750" lvl="0" indent="-285750">
+              <a:buFont typeface="Arial" panose="02080604020202020204" pitchFamily="34" charset="0"/>
+              <a:buChar char="•"/>
+            </a:pPr>
+            <a:r>
+              <a:rPr lang="de-DE" altLang="en-US">
+                <a:latin typeface="Calibri" charset="0"/>
+              </a:rPr>
+              <a:t>Aktueller Version 5.0 (2018)</a:t>
+            </a:r>
+            <a:endParaRPr lang="de-DE" altLang="en-US">
+              <a:latin typeface="Calibri" charset="0"/>
+            </a:endParaRPr>
+          </a:p>
+          <a:p>
+            <a:pPr marL="285750" lvl="0" indent="-285750">
+              <a:buFont typeface="Arial" panose="02080604020202020204" pitchFamily="34" charset="0"/>
+              <a:buChar char="•"/>
+            </a:pPr>
+            <a:r>
+              <a:rPr lang="de-DE" altLang="en-US">
+                <a:latin typeface="Calibri" charset="0"/>
+              </a:rPr>
+              <a:t>nächste Version 6.0 (2021)</a:t>
+            </a:r>
+            <a:endParaRPr lang="de-DE" altLang="en-US">
+              <a:latin typeface="Calibri" charset="0"/>
+            </a:endParaRPr>
+          </a:p>
+        </p:txBody>
+      </p:sp>
+      <p:pic>
+        <p:nvPicPr>
+          <p:cNvPr id="10" name="Content Placeholder 9" descr="https://www.techpowerup.com/gpu-specs/radeon-rx-6900-xt.c3481" title="&#10;AMD Radeon RX 6900 XT&#10;"/>
+          <p:cNvPicPr>
+            <a:picLocks noChangeAspect="true"/>
+          </p:cNvPicPr>
+          <p:nvPr>
+            <p:ph sz="half" idx="2"/>
+          </p:nvPr>
+        </p:nvPicPr>
+        <p:blipFill>
+          <a:blip r:embed="rId2"/>
+          <a:srcRect l="17496" t="632" r="42627" b="10030"/>
+          <a:stretch>
+            <a:fillRect/>
+          </a:stretch>
+        </p:blipFill>
+        <p:spPr>
+          <a:xfrm rot="5400000">
+            <a:off x="7417435" y="977265"/>
+            <a:ext cx="4375150" cy="4295775"/>
+          </a:xfrm>
+          <a:prstGeom prst="rect">
+            <a:avLst/>
+          </a:prstGeom>
+        </p:spPr>
+      </p:pic>
+      <p:sp>
+        <p:nvSpPr>
+          <p:cNvPr id="11" name="Text Box 10"/>
+          <p:cNvSpPr txBox="true"/>
+          <p:nvPr/>
+        </p:nvSpPr>
+        <p:spPr>
+          <a:xfrm>
+            <a:off x="7656195" y="5445125"/>
+            <a:ext cx="3898900" cy="645160"/>
+          </a:xfrm>
+          <a:prstGeom prst="rect">
+            <a:avLst/>
+          </a:prstGeom>
+          <a:noFill/>
+        </p:spPr>
+        <p:txBody>
+          <a:bodyPr wrap="square" rtlCol="0">
+            <a:spAutoFit/>
+          </a:bodyPr>
+          <a:p>
+            <a:r>
+              <a:rPr lang="en-US" sz="1200"/>
+              <a:t>AMD Radeon RX 6900 XT</a:t>
+            </a:r>
+            <a:r>
+              <a:rPr lang="de-DE" altLang="en-US" sz="1200">
+                <a:latin typeface="Calibri" charset="0"/>
+              </a:rPr>
+              <a:t> mit PICe x16 Anschluss</a:t>
+            </a:r>
+            <a:endParaRPr lang="en-US" sz="1200"/>
+          </a:p>
+          <a:p>
+            <a:r>
+              <a:rPr lang="de-DE" altLang="en-US" sz="1200">
+                <a:latin typeface="Calibri" charset="0"/>
+              </a:rPr>
+              <a:t>Quelle: </a:t>
+            </a:r>
+            <a:r>
+              <a:rPr lang="en-US" sz="1200"/>
+              <a:t>https://www.techpowerup.com/gpu-specs/radeon-rx-6900-xt.c3481</a:t>
+            </a:r>
+            <a:endParaRPr lang="en-US" sz="1200"/>
+          </a:p>
+        </p:txBody>
+      </p:sp>
+      <p:sp>
+        <p:nvSpPr>
+          <p:cNvPr id="3" name="Footer Placeholder 2"/>
+          <p:cNvSpPr>
+            <a:spLocks noGrp="true"/>
+          </p:cNvSpPr>
+          <p:nvPr>
+            <p:ph type="ftr" sz="quarter" idx="11"/>
+          </p:nvPr>
+        </p:nvSpPr>
+        <p:spPr>
+          <a:xfrm>
+            <a:off x="-3810" y="6507480"/>
+            <a:ext cx="12186285" cy="339725"/>
+          </a:xfrm>
+        </p:spPr>
+        <p:txBody>
+          <a:bodyPr/>
+          <a:p>
+            <a:pPr algn="l"/>
+            <a:r>
+              <a:rPr lang="zh-CN" altLang="en-US"/>
+              <a:t>Fakultät Elektrotechnik - ELT04760 Digitale Signalverarbeitung - Xiaolin Liu, Xinrui Zhao, Alexander Päßler und Justus Weinhold</a:t>
+            </a:r>
+            <a:endParaRPr lang="zh-CN" altLang="en-US"/>
+          </a:p>
+        </p:txBody>
+      </p:sp>
+    </p:spTree>
+  </p:cSld>
+  <p:clrMapOvr>
+    <a:masterClrMapping/>
+  </p:clrMapOvr>
+</p:sld>
+</file>
+
+<file path=ppt/slides/slide20.xml><?xml version="1.0" encoding="utf-8"?>
 <p:sld xmlns:a="http://schemas.openxmlformats.org/drawingml/2006/main" xmlns:r="http://schemas.openxmlformats.org/officeDocument/2006/relationships" xmlns:p="http://schemas.openxmlformats.org/presentationml/2006/main" showMasterSp="0">
   <p:cSld>
     <p:bg>
@@ -10469,13 +10024,7 @@
               <a:rPr lang="de-DE" altLang="zh-CN" sz="2800">
                 <a:sym typeface="+mn-ea"/>
               </a:rPr>
-              <a:t>2.</a:t>
-            </a:r>
-            <a:r>
-              <a:rPr lang="de-DE" altLang="zh-CN" sz="2800">
-                <a:sym typeface="+mn-ea"/>
-              </a:rPr>
-              <a:t>2 PCI Express</a:t>
+              <a:t>2.2 PCI Express</a:t>
             </a:r>
             <a:endParaRPr lang="de-DE" altLang="en-US" sz="1900">
               <a:latin typeface="Calibri" charset="0"/>
@@ -11063,7 +10612,21 @@
                           <a:latin typeface="Calibri" charset="0"/>
                           <a:cs typeface="Calibri" charset="0"/>
                         </a:rPr>
-                        <a:t>120b/130b</a:t>
+                        <a:t>12</a:t>
+                      </a:r>
+                      <a:r>
+                        <a:rPr lang="de-DE" altLang="en-US" sz="1600">
+                          <a:latin typeface="Calibri" charset="0"/>
+                          <a:cs typeface="Calibri" charset="0"/>
+                        </a:rPr>
+                        <a:t>8</a:t>
+                      </a:r>
+                      <a:r>
+                        <a:rPr lang="en-US" sz="1600">
+                          <a:latin typeface="Calibri" charset="0"/>
+                          <a:cs typeface="Calibri" charset="0"/>
+                        </a:rPr>
+                        <a:t>b/130b</a:t>
                       </a:r>
                       <a:endParaRPr lang="en-US" altLang="en-US" sz="1600">
                         <a:latin typeface="Calibri" charset="0"/>
